--- a/docs/principles-and-practices.pptx
+++ b/docs/principles-and-practices.pptx
@@ -25,11 +25,6 @@
     <p:sldId id="285" r:id="rId19"/>
     <p:sldId id="286" r:id="rId20"/>
     <p:sldId id="283" r:id="rId21"/>
-    <p:sldId id="287" r:id="rId22"/>
-    <p:sldId id="288" r:id="rId23"/>
-    <p:sldId id="289" r:id="rId24"/>
-    <p:sldId id="290" r:id="rId25"/>
-    <p:sldId id="291" r:id="rId26"/>
   </p:sldIdLst>
   <p:sldSz cx="12192000" cy="6858000"/>
   <p:notesSz cx="6858000" cy="9144000"/>
@@ -768,7 +763,11 @@
           <a:bodyPr/>
           <a:lstStyle/>
           <a:p>
-            <a:endParaRPr lang="en-US"/>
+            <a:r>
+              <a:rPr lang="es-ES" dirty="0"/>
+              <a:t>Alberto Basalo</a:t>
+            </a:r>
+            <a:endParaRPr lang="en-US" dirty="0"/>
           </a:p>
         </p:txBody>
       </p:sp>
@@ -3849,8 +3848,8 @@
           <a:lstStyle/>
           <a:p>
             <a:r>
-              <a:rPr lang="es-ES"/>
-              <a:t>Clean Code Avanzado</a:t>
+              <a:rPr lang="es-ES" dirty="0"/>
+              <a:t>Principios y patrones</a:t>
             </a:r>
             <a:endParaRPr lang="en-US" dirty="0"/>
           </a:p>
@@ -3878,8 +3877,14 @@
           <a:lstStyle/>
           <a:p>
             <a:r>
-              <a:rPr lang="es-ES"/>
-              <a:t>Alberto Basalo, Vitae Digital</a:t>
+              <a:rPr lang="es-ES" dirty="0"/>
+              <a:t>Código limpio avanzado</a:t>
+            </a:r>
+          </a:p>
+          <a:p>
+            <a:r>
+              <a:rPr lang="es-ES" dirty="0"/>
+              <a:t>Alberto Basalo</a:t>
             </a:r>
             <a:endParaRPr lang="en-US" dirty="0"/>
           </a:p>
@@ -5247,33 +5252,11 @@
                   <a:schemeClr val="accent6"/>
                 </a:solidFill>
               </a:rPr>
-              <a:t>Abstract Factory: </a:t>
-            </a:r>
-            <a:r>
-              <a:rPr lang="es-ES" dirty="0">
-                <a:solidFill>
-                  <a:schemeClr val="accent6"/>
-                </a:solidFill>
-              </a:rPr>
-              <a:t>familia de factorías sin exponer nada concreto.</a:t>
-            </a:r>
-          </a:p>
-          <a:p>
-            <a:r>
-              <a:rPr lang="en-US" b="1" dirty="0">
-                <a:solidFill>
-                  <a:schemeClr val="accent6"/>
-                </a:solidFill>
-              </a:rPr>
               <a:t>Builder: </a:t>
             </a:r>
             <a:r>
-              <a:rPr lang="es-ES" dirty="0">
-                <a:solidFill>
-                  <a:schemeClr val="accent6"/>
-                </a:solidFill>
-              </a:rPr>
-              <a:t>crea objetos complejos a partir de otros.</a:t>
+              <a:rPr lang="es-ES" sz="2000" dirty="0"/>
+              <a:t>facilita o dirige la creación de objetos complejos.</a:t>
             </a:r>
           </a:p>
           <a:p>
@@ -5286,12 +5269,8 @@
               <a:t>Factory Method: </a:t>
             </a:r>
             <a:r>
-              <a:rPr lang="es-ES" dirty="0">
-                <a:solidFill>
-                  <a:schemeClr val="accent6"/>
-                </a:solidFill>
-              </a:rPr>
-              <a:t>delega la creación de instancias en otros.</a:t>
+              <a:rPr lang="es-ES" sz="2000" dirty="0"/>
+              <a:t>crea instancias de distintas clases pero que cumplen una interfaz.</a:t>
             </a:r>
           </a:p>
           <a:p>
@@ -5312,12 +5291,8 @@
               <a:t>: </a:t>
             </a:r>
             <a:r>
-              <a:rPr lang="es-ES" dirty="0">
-                <a:solidFill>
-                  <a:schemeClr val="accent6"/>
-                </a:solidFill>
-              </a:rPr>
-              <a:t>genera una instancia a partir de otra.</a:t>
+              <a:rPr lang="es-ES" sz="2000" dirty="0"/>
+              <a:t>crea una copia (clon) de un objeto existente aplicando mutaciones controladas.</a:t>
             </a:r>
           </a:p>
           <a:p>
@@ -5330,12 +5305,8 @@
               <a:t>Singleton: </a:t>
             </a:r>
             <a:r>
-              <a:rPr lang="es-ES" dirty="0">
-                <a:solidFill>
-                  <a:schemeClr val="accent6"/>
-                </a:solidFill>
-              </a:rPr>
-              <a:t>asegura una instancia única de una clase.</a:t>
+              <a:rPr lang="es-ES" sz="2000" dirty="0"/>
+              <a:t>asegura una instancia única de una clase, evita usar variables globales.</a:t>
             </a:r>
           </a:p>
           <a:p>
@@ -5423,7 +5394,7 @@
         <p:spPr/>
         <p:txBody>
           <a:bodyPr>
-            <a:normAutofit fontScale="92500"/>
+            <a:normAutofit/>
           </a:bodyPr>
           <a:lstStyle/>
           <a:p>
@@ -5473,13 +5444,14 @@
               <a:t>: </a:t>
             </a:r>
             <a:r>
-              <a:rPr lang="es-ES" sz="2800" dirty="0">
-                <a:solidFill>
-                  <a:schemeClr val="accent6"/>
-                </a:solidFill>
-              </a:rPr>
-              <a:t>envuelve un objeto para que sea compatible con otro.</a:t>
-            </a:r>
+              <a:rPr lang="es-ES" sz="2000" dirty="0"/>
+              <a:t>desacopla código legacy o de terceros del desarrollo principal</a:t>
+            </a:r>
+            <a:endParaRPr lang="es-ES" sz="2800" dirty="0">
+              <a:solidFill>
+                <a:schemeClr val="accent6"/>
+              </a:solidFill>
+            </a:endParaRPr>
           </a:p>
           <a:p>
             <a:r>
@@ -5491,36 +5463,30 @@
               <a:t>Bridge: </a:t>
             </a:r>
             <a:r>
-              <a:rPr lang="es-ES" sz="2800" dirty="0">
+              <a:rPr lang="es-ES" sz="2000" dirty="0"/>
+              <a:t>permite que subsistemas complejos evolucionen independientemente</a:t>
+            </a:r>
+          </a:p>
+          <a:p>
+            <a:r>
+              <a:rPr lang="en-US" sz="2800" b="1" dirty="0">
                 <a:solidFill>
                   <a:schemeClr val="accent6"/>
                 </a:solidFill>
               </a:rPr>
-              <a:t>separa el interfaz de la implementación para variar por separado.</a:t>
-            </a:r>
-          </a:p>
-          <a:p>
-            <a:r>
-              <a:rPr lang="es-ES" sz="2800" b="1" dirty="0"/>
-              <a:t>Composite: </a:t>
-            </a:r>
-            <a:r>
-              <a:rPr lang="es-ES" sz="2800" dirty="0"/>
-              <a:t>trata múltiples objetos individuales como uno solo.</a:t>
-            </a:r>
-          </a:p>
-          <a:p>
-            <a:r>
-              <a:rPr lang="en-US" sz="2800" b="1" dirty="0"/>
               <a:t>Decorator</a:t>
             </a:r>
             <a:r>
-              <a:rPr lang="es-ES" sz="2800" b="1" dirty="0"/>
+              <a:rPr lang="es-ES" sz="2800" b="1" dirty="0">
+                <a:solidFill>
+                  <a:schemeClr val="accent6"/>
+                </a:solidFill>
+              </a:rPr>
               <a:t>: </a:t>
             </a:r>
             <a:r>
-              <a:rPr lang="es-ES" sz="2800" dirty="0"/>
-              <a:t>agrega comportamiento dinámicamente.</a:t>
+              <a:rPr lang="es-ES" sz="2000" dirty="0"/>
+              <a:t>agrega funcionalidad a una clase sin modificarla</a:t>
             </a:r>
           </a:p>
           <a:p>
@@ -5541,48 +5507,15 @@
               <a:t>: </a:t>
             </a:r>
             <a:r>
-              <a:rPr lang="es-ES" sz="2800" dirty="0">
-                <a:solidFill>
-                  <a:schemeClr val="accent6"/>
-                </a:solidFill>
-              </a:rPr>
+              <a:rPr lang="es-ES" sz="2000" dirty="0"/>
               <a:t>proporciona un acceso simple a un sistema de objetos complejo.</a:t>
             </a:r>
           </a:p>
           <a:p>
-            <a:r>
-              <a:rPr lang="en-US" sz="2800" b="1" dirty="0"/>
-              <a:t>Flyweight</a:t>
-            </a:r>
-            <a:r>
-              <a:rPr lang="es-ES" sz="2800" b="1" dirty="0"/>
-              <a:t>: </a:t>
-            </a:r>
-            <a:r>
-              <a:rPr lang="es-ES" sz="2800" dirty="0"/>
-              <a:t>reduce el consumo de memoria o CPU compartiendo recursos.</a:t>
-            </a:r>
-          </a:p>
-          <a:p>
-            <a:r>
-              <a:rPr lang="es-ES" sz="2800" b="1" dirty="0">
-                <a:solidFill>
-                  <a:schemeClr val="accent6"/>
-                </a:solidFill>
-              </a:rPr>
-              <a:t>Proxy: </a:t>
-            </a:r>
-            <a:r>
-              <a:rPr lang="es-ES" sz="2800" dirty="0">
-                <a:solidFill>
-                  <a:schemeClr val="accent6"/>
-                </a:solidFill>
-              </a:rPr>
-              <a:t>una clase actúa como representante de otra.</a:t>
-            </a:r>
-          </a:p>
-          <a:p>
-            <a:endParaRPr lang="en-US" dirty="0"/>
+            <a:pPr marL="0" indent="0">
+              <a:buNone/>
+            </a:pPr>
+            <a:endParaRPr lang="en-US" u="sng" dirty="0"/>
           </a:p>
         </p:txBody>
       </p:sp>
@@ -5842,7 +5775,7 @@
         <p:spPr/>
         <p:txBody>
           <a:bodyPr>
-            <a:normAutofit lnSpcReduction="10000"/>
+            <a:normAutofit/>
           </a:bodyPr>
           <a:lstStyle/>
           <a:p>
@@ -5869,20 +5802,6 @@
           </a:p>
           <a:p>
             <a:r>
-              <a:rPr lang="en-US" sz="2800" b="1" dirty="0"/>
-              <a:t>Chain of Responsibility</a:t>
-            </a:r>
-            <a:r>
-              <a:rPr lang="es-ES" sz="2800" b="1" dirty="0"/>
-              <a:t>: </a:t>
-            </a:r>
-            <a:r>
-              <a:rPr lang="es-ES" sz="2800" dirty="0"/>
-              <a:t>encadena llamadas entre objetos o métodos.</a:t>
-            </a:r>
-          </a:p>
-          <a:p>
-            <a:r>
               <a:rPr lang="en-US" sz="2800" b="1" dirty="0">
                 <a:solidFill>
                   <a:schemeClr val="accent6"/>
@@ -5899,42 +5818,8 @@
               <a:t>: </a:t>
             </a:r>
             <a:r>
-              <a:rPr lang="es-ES" sz="2800" dirty="0">
-                <a:solidFill>
-                  <a:schemeClr val="accent6"/>
-                </a:solidFill>
-              </a:rPr>
-              <a:t>encapsula acciones en objetos.</a:t>
-            </a:r>
-          </a:p>
-          <a:p>
-            <a:r>
-              <a:rPr lang="en-US" sz="2800" b="1" dirty="0"/>
-              <a:t>Iterator</a:t>
-            </a:r>
-            <a:r>
-              <a:rPr lang="es-ES" sz="2800" dirty="0"/>
-              <a:t> recorre los elementos de un conjunto sin revelar cómo.</a:t>
-            </a:r>
-          </a:p>
-          <a:p>
-            <a:r>
-              <a:rPr lang="es-ES" sz="2800" b="1" dirty="0"/>
-              <a:t>Mediator: </a:t>
-            </a:r>
-            <a:r>
-              <a:rPr lang="es-ES" sz="2800" dirty="0"/>
-              <a:t>desacopla dos objetos comunicándose con ambos.</a:t>
-            </a:r>
-          </a:p>
-          <a:p>
-            <a:r>
-              <a:rPr lang="es-ES" sz="2800" b="1" dirty="0"/>
-              <a:t>Memento: </a:t>
-            </a:r>
-            <a:r>
-              <a:rPr lang="es-ES" sz="2800" dirty="0"/>
-              <a:t>guarda el estado actual para un uso futuro.</a:t>
+              <a:rPr lang="es-ES" sz="2000" dirty="0"/>
+              <a:t>lleva la definición de acciones de métodos a clases incrementando su versatilidad</a:t>
             </a:r>
           </a:p>
           <a:p>
@@ -5955,12 +5840,8 @@
               <a:t>: </a:t>
             </a:r>
             <a:r>
-              <a:rPr lang="es-ES" sz="2800" dirty="0">
-                <a:solidFill>
-                  <a:schemeClr val="accent6"/>
-                </a:solidFill>
-              </a:rPr>
-              <a:t>notifica cambios a suscriptores interesados.</a:t>
+              <a:rPr lang="es-ES" sz="2000" dirty="0"/>
+              <a:t>desacopla emisores y procesadores de eventos notificando cambios a suscriptores.</a:t>
             </a:r>
           </a:p>
           <a:p>
@@ -5981,12 +5862,8 @@
               <a:t>: </a:t>
             </a:r>
             <a:r>
-              <a:rPr lang="es-ES" sz="2800" dirty="0">
-                <a:solidFill>
-                  <a:schemeClr val="accent6"/>
-                </a:solidFill>
-              </a:rPr>
-              <a:t>cambia el algoritmo según las circunstancias.</a:t>
+              <a:rPr lang="es-ES" sz="2000" dirty="0"/>
+              <a:t> escoge el algoritmo según las circunstancias de ejecución</a:t>
             </a:r>
           </a:p>
           <a:p>
@@ -6007,18 +5884,10 @@
               <a:t>: </a:t>
             </a:r>
             <a:r>
-              <a:rPr lang="es-ES" sz="2800" dirty="0">
-                <a:solidFill>
-                  <a:schemeClr val="accent6"/>
-                </a:solidFill>
-              </a:rPr>
+              <a:rPr lang="es-ES" sz="2000" dirty="0"/>
               <a:t>asegura un algoritmo común permitiendo variaciones.</a:t>
             </a:r>
-            <a:endParaRPr lang="en-US" sz="2800" dirty="0">
-              <a:solidFill>
-                <a:schemeClr val="accent6"/>
-              </a:solidFill>
-            </a:endParaRPr>
+            <a:endParaRPr lang="en-US" sz="2000" dirty="0"/>
           </a:p>
           <a:p>
             <a:endParaRPr lang="en-US" dirty="0"/>
@@ -6032,888 +5901,6 @@
     <p:extLst>
       <p:ext uri="{BB962C8B-B14F-4D97-AF65-F5344CB8AC3E}">
         <p14:creationId xmlns:p14="http://schemas.microsoft.com/office/powerpoint/2010/main" val="3065833379"/>
-      </p:ext>
-    </p:extLst>
-  </p:cSld>
-  <p:clrMapOvr>
-    <a:masterClrMapping/>
-  </p:clrMapOvr>
-</p:sld>
-</file>
-
-<file path=ppt/slides/slide21.xml><?xml version="1.0" encoding="utf-8"?>
-<p:sld xmlns:a="http://schemas.openxmlformats.org/drawingml/2006/main" xmlns:r="http://schemas.openxmlformats.org/officeDocument/2006/relationships" xmlns:p="http://schemas.openxmlformats.org/presentationml/2006/main">
-  <p:cSld>
-    <p:spTree>
-      <p:nvGrpSpPr>
-        <p:cNvPr id="1" name=""/>
-        <p:cNvGrpSpPr/>
-        <p:nvPr/>
-      </p:nvGrpSpPr>
-      <p:grpSpPr>
-        <a:xfrm>
-          <a:off x="0" y="0"/>
-          <a:ext cx="0" cy="0"/>
-          <a:chOff x="0" y="0"/>
-          <a:chExt cx="0" cy="0"/>
-        </a:xfrm>
-      </p:grpSpPr>
-      <p:sp>
-        <p:nvSpPr>
-          <p:cNvPr id="2" name="Título 1">
-            <a:extLst>
-              <a:ext uri="{FF2B5EF4-FFF2-40B4-BE49-F238E27FC236}">
-                <a16:creationId xmlns:a16="http://schemas.microsoft.com/office/drawing/2014/main" id="{A220D108-F852-4DCB-96D4-748768DD8168}"/>
-              </a:ext>
-            </a:extLst>
-          </p:cNvPr>
-          <p:cNvSpPr>
-            <a:spLocks noGrp="1"/>
-          </p:cNvSpPr>
-          <p:nvPr>
-            <p:ph type="title"/>
-          </p:nvPr>
-        </p:nvSpPr>
-        <p:spPr/>
-        <p:txBody>
-          <a:bodyPr/>
-          <a:lstStyle/>
-          <a:p>
-            <a:r>
-              <a:rPr lang="es-ES" dirty="0"/>
-              <a:t>4️⃣</a:t>
-            </a:r>
-            <a:r>
-              <a:rPr lang="en-US" dirty="0"/>
-              <a:t>Software Architectures</a:t>
-            </a:r>
-          </a:p>
-        </p:txBody>
-      </p:sp>
-      <p:sp>
-        <p:nvSpPr>
-          <p:cNvPr id="3" name="Marcador de contenido 2">
-            <a:extLst>
-              <a:ext uri="{FF2B5EF4-FFF2-40B4-BE49-F238E27FC236}">
-                <a16:creationId xmlns:a16="http://schemas.microsoft.com/office/drawing/2014/main" id="{DCE8D8D2-F48D-48AB-9EB0-284EAB95ED00}"/>
-              </a:ext>
-            </a:extLst>
-          </p:cNvPr>
-          <p:cNvSpPr>
-            <a:spLocks noGrp="1"/>
-          </p:cNvSpPr>
-          <p:nvPr>
-            <p:ph idx="1"/>
-          </p:nvPr>
-        </p:nvSpPr>
-        <p:spPr/>
-        <p:txBody>
-          <a:bodyPr>
-            <a:normAutofit/>
-          </a:bodyPr>
-          <a:lstStyle/>
-          <a:p>
-            <a:pPr marL="0" indent="0" algn="ctr">
-              <a:buNone/>
-            </a:pPr>
-            <a:r>
-              <a:rPr lang="es-ES" sz="4800" i="1" dirty="0">
-                <a:solidFill>
-                  <a:schemeClr val="accent2"/>
-                </a:solidFill>
-              </a:rPr>
-              <a:t>Decisiones de alto impacto</a:t>
-            </a:r>
-          </a:p>
-          <a:p>
-            <a:r>
-              <a:rPr lang="es-ES" sz="3600" b="1" i="1" dirty="0"/>
-              <a:t>¿Qué clase de solución se necesita?</a:t>
-            </a:r>
-          </a:p>
-          <a:p>
-            <a:pPr lvl="1"/>
-            <a:r>
-              <a:rPr lang="es-ES" sz="3200" i="1" dirty="0"/>
-              <a:t>Diseño estratégico</a:t>
-            </a:r>
-          </a:p>
-          <a:p>
-            <a:r>
-              <a:rPr lang="es-ES" sz="3600" b="1" i="1" dirty="0"/>
-              <a:t>¿Cómo lo voy a construir?</a:t>
-            </a:r>
-          </a:p>
-          <a:p>
-            <a:pPr lvl="1"/>
-            <a:r>
-              <a:rPr lang="es-ES" sz="3200" i="1" dirty="0"/>
-              <a:t>Diseño táctico</a:t>
-            </a:r>
-          </a:p>
-          <a:p>
-            <a:r>
-              <a:rPr lang="es-ES" sz="3600" b="1" i="1" dirty="0"/>
-              <a:t>¿Cuál será la estructura?</a:t>
-            </a:r>
-          </a:p>
-          <a:p>
-            <a:pPr lvl="1"/>
-            <a:r>
-              <a:rPr lang="es-ES" sz="3200" i="1" dirty="0"/>
-              <a:t>Detalles técnicos</a:t>
-            </a:r>
-          </a:p>
-          <a:p>
-            <a:endParaRPr lang="en-US" i="1" dirty="0"/>
-          </a:p>
-        </p:txBody>
-      </p:sp>
-    </p:spTree>
-    <p:extLst>
-      <p:ext uri="{BB962C8B-B14F-4D97-AF65-F5344CB8AC3E}">
-        <p14:creationId xmlns:p14="http://schemas.microsoft.com/office/powerpoint/2010/main" val="389039040"/>
-      </p:ext>
-    </p:extLst>
-  </p:cSld>
-  <p:clrMapOvr>
-    <a:masterClrMapping/>
-  </p:clrMapOvr>
-</p:sld>
-</file>
-
-<file path=ppt/slides/slide22.xml><?xml version="1.0" encoding="utf-8"?>
-<p:sld xmlns:a="http://schemas.openxmlformats.org/drawingml/2006/main" xmlns:r="http://schemas.openxmlformats.org/officeDocument/2006/relationships" xmlns:p="http://schemas.openxmlformats.org/presentationml/2006/main">
-  <p:cSld>
-    <p:spTree>
-      <p:nvGrpSpPr>
-        <p:cNvPr id="1" name=""/>
-        <p:cNvGrpSpPr/>
-        <p:nvPr/>
-      </p:nvGrpSpPr>
-      <p:grpSpPr>
-        <a:xfrm>
-          <a:off x="0" y="0"/>
-          <a:ext cx="0" cy="0"/>
-          <a:chOff x="0" y="0"/>
-          <a:chExt cx="0" cy="0"/>
-        </a:xfrm>
-      </p:grpSpPr>
-      <p:sp>
-        <p:nvSpPr>
-          <p:cNvPr id="2" name="Título 1">
-            <a:extLst>
-              <a:ext uri="{FF2B5EF4-FFF2-40B4-BE49-F238E27FC236}">
-                <a16:creationId xmlns:a16="http://schemas.microsoft.com/office/drawing/2014/main" id="{A9AB0E99-A439-48EE-99B8-657FA4C52CD5}"/>
-              </a:ext>
-            </a:extLst>
-          </p:cNvPr>
-          <p:cNvSpPr>
-            <a:spLocks noGrp="1"/>
-          </p:cNvSpPr>
-          <p:nvPr>
-            <p:ph type="title"/>
-          </p:nvPr>
-        </p:nvSpPr>
-        <p:spPr/>
-        <p:txBody>
-          <a:bodyPr/>
-          <a:lstStyle/>
-          <a:p>
-            <a:r>
-              <a:rPr lang="es-ES" dirty="0"/>
-              <a:t>🏯 </a:t>
-            </a:r>
-            <a:r>
-              <a:rPr lang="en-US" dirty="0"/>
-              <a:t>Layered</a:t>
-            </a:r>
-          </a:p>
-        </p:txBody>
-      </p:sp>
-      <p:sp>
-        <p:nvSpPr>
-          <p:cNvPr id="3" name="Marcador de contenido 2">
-            <a:extLst>
-              <a:ext uri="{FF2B5EF4-FFF2-40B4-BE49-F238E27FC236}">
-                <a16:creationId xmlns:a16="http://schemas.microsoft.com/office/drawing/2014/main" id="{98843974-D1FB-4D69-981F-372AFDE92133}"/>
-              </a:ext>
-            </a:extLst>
-          </p:cNvPr>
-          <p:cNvSpPr>
-            <a:spLocks noGrp="1"/>
-          </p:cNvSpPr>
-          <p:nvPr>
-            <p:ph idx="1"/>
-          </p:nvPr>
-        </p:nvSpPr>
-        <p:spPr/>
-        <p:txBody>
-          <a:bodyPr/>
-          <a:lstStyle/>
-          <a:p>
-            <a:pPr marL="0" indent="0" algn="ctr">
-              <a:buNone/>
-            </a:pPr>
-            <a:r>
-              <a:rPr lang="es-ES" sz="3200" i="1" dirty="0">
-                <a:solidFill>
-                  <a:schemeClr val="accent2"/>
-                </a:solidFill>
-              </a:rPr>
-              <a:t>Separación por </a:t>
-            </a:r>
-            <a:r>
-              <a:rPr lang="es-ES" sz="3200" b="1" i="1" dirty="0">
-                <a:solidFill>
-                  <a:schemeClr val="accent2"/>
-                </a:solidFill>
-              </a:rPr>
-              <a:t>tecnología</a:t>
-            </a:r>
-          </a:p>
-          <a:p>
-            <a:r>
-              <a:rPr lang="es-ES" b="1" dirty="0"/>
-              <a:t>app</a:t>
-            </a:r>
-            <a:r>
-              <a:rPr lang="es-ES" dirty="0"/>
-              <a:t> </a:t>
-            </a:r>
-            <a:r>
-              <a:rPr lang="es-ES" i="1" dirty="0"/>
-              <a:t>(Presentación)</a:t>
-            </a:r>
-          </a:p>
-          <a:p>
-            <a:r>
-              <a:rPr lang="en-US" b="1" dirty="0"/>
-              <a:t>business</a:t>
-            </a:r>
-            <a:r>
-              <a:rPr lang="es-ES" dirty="0"/>
-              <a:t> </a:t>
-            </a:r>
-            <a:r>
-              <a:rPr lang="es-ES" i="1" dirty="0"/>
-              <a:t>(Lógica)</a:t>
-            </a:r>
-          </a:p>
-          <a:p>
-            <a:r>
-              <a:rPr lang="es-ES" b="1" dirty="0"/>
-              <a:t>data</a:t>
-            </a:r>
-            <a:r>
-              <a:rPr lang="es-ES" dirty="0"/>
-              <a:t> </a:t>
-            </a:r>
-            <a:r>
-              <a:rPr lang="es-ES" i="1" dirty="0"/>
-              <a:t>(Persistencia)</a:t>
-            </a:r>
-            <a:endParaRPr lang="en-US" i="1" dirty="0"/>
-          </a:p>
-          <a:p>
-            <a:endParaRPr lang="en-US" dirty="0"/>
-          </a:p>
-          <a:p>
-            <a:r>
-              <a:rPr lang="en-US" dirty="0"/>
-              <a:t>Data centric </a:t>
-            </a:r>
-          </a:p>
-          <a:p>
-            <a:r>
-              <a:rPr lang="en-US" dirty="0"/>
-              <a:t>Anemic models (DTO, POCO)</a:t>
-            </a:r>
-          </a:p>
-          <a:p>
-            <a:endParaRPr lang="en-US" dirty="0"/>
-          </a:p>
-        </p:txBody>
-      </p:sp>
-    </p:spTree>
-    <p:extLst>
-      <p:ext uri="{BB962C8B-B14F-4D97-AF65-F5344CB8AC3E}">
-        <p14:creationId xmlns:p14="http://schemas.microsoft.com/office/powerpoint/2010/main" val="3466132239"/>
-      </p:ext>
-    </p:extLst>
-  </p:cSld>
-  <p:clrMapOvr>
-    <a:masterClrMapping/>
-  </p:clrMapOvr>
-</p:sld>
-</file>
-
-<file path=ppt/slides/slide23.xml><?xml version="1.0" encoding="utf-8"?>
-<p:sld xmlns:a="http://schemas.openxmlformats.org/drawingml/2006/main" xmlns:r="http://schemas.openxmlformats.org/officeDocument/2006/relationships" xmlns:p="http://schemas.openxmlformats.org/presentationml/2006/main">
-  <p:cSld>
-    <p:spTree>
-      <p:nvGrpSpPr>
-        <p:cNvPr id="1" name=""/>
-        <p:cNvGrpSpPr/>
-        <p:nvPr/>
-      </p:nvGrpSpPr>
-      <p:grpSpPr>
-        <a:xfrm>
-          <a:off x="0" y="0"/>
-          <a:ext cx="0" cy="0"/>
-          <a:chOff x="0" y="0"/>
-          <a:chExt cx="0" cy="0"/>
-        </a:xfrm>
-      </p:grpSpPr>
-      <p:sp>
-        <p:nvSpPr>
-          <p:cNvPr id="2" name="Título 1">
-            <a:extLst>
-              <a:ext uri="{FF2B5EF4-FFF2-40B4-BE49-F238E27FC236}">
-                <a16:creationId xmlns:a16="http://schemas.microsoft.com/office/drawing/2014/main" id="{DE27D4D6-CE79-4F0B-B5D1-C54A6A3EA7E7}"/>
-              </a:ext>
-            </a:extLst>
-          </p:cNvPr>
-          <p:cNvSpPr>
-            <a:spLocks noGrp="1"/>
-          </p:cNvSpPr>
-          <p:nvPr>
-            <p:ph type="title"/>
-          </p:nvPr>
-        </p:nvSpPr>
-        <p:spPr/>
-        <p:txBody>
-          <a:bodyPr/>
-          <a:lstStyle/>
-          <a:p>
-            <a:r>
-              <a:rPr lang="es-ES" dirty="0"/>
-              <a:t>🏰 </a:t>
-            </a:r>
-            <a:r>
-              <a:rPr lang="en-US" dirty="0"/>
-              <a:t>Domain centric</a:t>
-            </a:r>
-          </a:p>
-        </p:txBody>
-      </p:sp>
-      <p:sp>
-        <p:nvSpPr>
-          <p:cNvPr id="3" name="Marcador de contenido 2">
-            <a:extLst>
-              <a:ext uri="{FF2B5EF4-FFF2-40B4-BE49-F238E27FC236}">
-                <a16:creationId xmlns:a16="http://schemas.microsoft.com/office/drawing/2014/main" id="{87116C31-D778-459A-9BE2-E9F340C4D36F}"/>
-              </a:ext>
-            </a:extLst>
-          </p:cNvPr>
-          <p:cNvSpPr>
-            <a:spLocks noGrp="1"/>
-          </p:cNvSpPr>
-          <p:nvPr>
-            <p:ph idx="1"/>
-          </p:nvPr>
-        </p:nvSpPr>
-        <p:spPr/>
-        <p:txBody>
-          <a:bodyPr>
-            <a:normAutofit lnSpcReduction="10000"/>
-          </a:bodyPr>
-          <a:lstStyle/>
-          <a:p>
-            <a:pPr marL="0" indent="0" algn="ctr">
-              <a:buNone/>
-            </a:pPr>
-            <a:r>
-              <a:rPr lang="es-ES" sz="3200" i="1" dirty="0">
-                <a:solidFill>
-                  <a:schemeClr val="accent2"/>
-                </a:solidFill>
-              </a:rPr>
-              <a:t>Separación por </a:t>
-            </a:r>
-            <a:r>
-              <a:rPr lang="es-ES" sz="3200" b="1" i="1" dirty="0">
-                <a:solidFill>
-                  <a:schemeClr val="accent2"/>
-                </a:solidFill>
-              </a:rPr>
-              <a:t>estabilidad</a:t>
-            </a:r>
-          </a:p>
-          <a:p>
-            <a:r>
-              <a:rPr lang="en-US" b="1" dirty="0"/>
-              <a:t>domain</a:t>
-            </a:r>
-            <a:r>
-              <a:rPr lang="es-ES" i="1" dirty="0"/>
-              <a:t> (Entidades y reglas de negocio)</a:t>
-            </a:r>
-            <a:endParaRPr lang="es-ES" dirty="0"/>
-          </a:p>
-          <a:p>
-            <a:r>
-              <a:rPr lang="en-US" b="1" dirty="0"/>
-              <a:t>detail</a:t>
-            </a:r>
-            <a:r>
-              <a:rPr lang="es-ES" i="1" dirty="0"/>
-              <a:t> (Presentación, frameworks e infraestructura)</a:t>
-            </a:r>
-          </a:p>
-          <a:p>
-            <a:pPr marL="0" indent="0">
-              <a:buNone/>
-            </a:pPr>
-            <a:endParaRPr lang="es-ES" i="1" dirty="0"/>
-          </a:p>
-          <a:p>
-            <a:r>
-              <a:rPr lang="en-US" dirty="0"/>
-              <a:t>Business centric</a:t>
-            </a:r>
-          </a:p>
-          <a:p>
-            <a:pPr lvl="1"/>
-            <a:r>
-              <a:rPr lang="en-US" dirty="0"/>
-              <a:t>Entities, Aggregates, Value-Objects</a:t>
-            </a:r>
-          </a:p>
-          <a:p>
-            <a:r>
-              <a:rPr lang="en-US" dirty="0"/>
-              <a:t>Decoupled</a:t>
-            </a:r>
-          </a:p>
-          <a:p>
-            <a:pPr lvl="1"/>
-            <a:r>
-              <a:rPr lang="en-US" dirty="0"/>
-              <a:t>Events, Ports (Interfaces), Adapters (Implementations)</a:t>
-            </a:r>
-          </a:p>
-          <a:p>
-            <a:r>
-              <a:rPr lang="es-ES" dirty="0"/>
-              <a:t>Variantes: Hexagonal, </a:t>
-            </a:r>
-            <a:r>
-              <a:rPr lang="en-US" dirty="0"/>
-              <a:t>Onion</a:t>
-            </a:r>
-            <a:r>
-              <a:rPr lang="es-ES" dirty="0"/>
-              <a:t>, Clean</a:t>
-            </a:r>
-          </a:p>
-          <a:p>
-            <a:pPr marL="457200" lvl="1" indent="0">
-              <a:buNone/>
-            </a:pPr>
-            <a:endParaRPr lang="es-ES" dirty="0"/>
-          </a:p>
-          <a:p>
-            <a:endParaRPr lang="en-US" dirty="0"/>
-          </a:p>
-        </p:txBody>
-      </p:sp>
-    </p:spTree>
-    <p:extLst>
-      <p:ext uri="{BB962C8B-B14F-4D97-AF65-F5344CB8AC3E}">
-        <p14:creationId xmlns:p14="http://schemas.microsoft.com/office/powerpoint/2010/main" val="3637044774"/>
-      </p:ext>
-    </p:extLst>
-  </p:cSld>
-  <p:clrMapOvr>
-    <a:masterClrMapping/>
-  </p:clrMapOvr>
-</p:sld>
-</file>
-
-<file path=ppt/slides/slide24.xml><?xml version="1.0" encoding="utf-8"?>
-<p:sld xmlns:a="http://schemas.openxmlformats.org/drawingml/2006/main" xmlns:r="http://schemas.openxmlformats.org/officeDocument/2006/relationships" xmlns:p="http://schemas.openxmlformats.org/presentationml/2006/main">
-  <p:cSld>
-    <p:spTree>
-      <p:nvGrpSpPr>
-        <p:cNvPr id="1" name=""/>
-        <p:cNvGrpSpPr/>
-        <p:nvPr/>
-      </p:nvGrpSpPr>
-      <p:grpSpPr>
-        <a:xfrm>
-          <a:off x="0" y="0"/>
-          <a:ext cx="0" cy="0"/>
-          <a:chOff x="0" y="0"/>
-          <a:chExt cx="0" cy="0"/>
-        </a:xfrm>
-      </p:grpSpPr>
-      <p:sp>
-        <p:nvSpPr>
-          <p:cNvPr id="2" name="Título 1">
-            <a:extLst>
-              <a:ext uri="{FF2B5EF4-FFF2-40B4-BE49-F238E27FC236}">
-                <a16:creationId xmlns:a16="http://schemas.microsoft.com/office/drawing/2014/main" id="{6DB57E6E-8AE2-4A3E-9FEC-CEA509052E33}"/>
-              </a:ext>
-            </a:extLst>
-          </p:cNvPr>
-          <p:cNvSpPr>
-            <a:spLocks noGrp="1"/>
-          </p:cNvSpPr>
-          <p:nvPr>
-            <p:ph type="title"/>
-          </p:nvPr>
-        </p:nvSpPr>
-        <p:spPr/>
-        <p:txBody>
-          <a:bodyPr/>
-          <a:lstStyle/>
-          <a:p>
-            <a:r>
-              <a:rPr lang="es-ES" dirty="0"/>
-              <a:t>🏤 C.Q.R.S.</a:t>
-            </a:r>
-            <a:endParaRPr lang="en-US" dirty="0"/>
-          </a:p>
-        </p:txBody>
-      </p:sp>
-      <p:sp>
-        <p:nvSpPr>
-          <p:cNvPr id="3" name="Marcador de contenido 2">
-            <a:extLst>
-              <a:ext uri="{FF2B5EF4-FFF2-40B4-BE49-F238E27FC236}">
-                <a16:creationId xmlns:a16="http://schemas.microsoft.com/office/drawing/2014/main" id="{DF87E2EC-336A-4AA7-B014-C6FD669AD012}"/>
-              </a:ext>
-            </a:extLst>
-          </p:cNvPr>
-          <p:cNvSpPr>
-            <a:spLocks noGrp="1"/>
-          </p:cNvSpPr>
-          <p:nvPr>
-            <p:ph idx="1"/>
-          </p:nvPr>
-        </p:nvSpPr>
-        <p:spPr/>
-        <p:txBody>
-          <a:bodyPr/>
-          <a:lstStyle/>
-          <a:p>
-            <a:pPr marL="0" indent="0" algn="ctr">
-              <a:buNone/>
-            </a:pPr>
-            <a:r>
-              <a:rPr lang="es-ES" sz="3200" i="1" dirty="0">
-                <a:solidFill>
-                  <a:schemeClr val="accent2"/>
-                </a:solidFill>
-              </a:rPr>
-              <a:t>Separación por </a:t>
-            </a:r>
-            <a:r>
-              <a:rPr lang="es-ES" sz="3200" b="1" i="1" dirty="0">
-                <a:solidFill>
-                  <a:schemeClr val="accent2"/>
-                </a:solidFill>
-              </a:rPr>
-              <a:t>responsabilidad</a:t>
-            </a:r>
-          </a:p>
-          <a:p>
-            <a:r>
-              <a:rPr lang="en-US" b="1" dirty="0"/>
-              <a:t>api</a:t>
-            </a:r>
-            <a:r>
-              <a:rPr lang="en-US" dirty="0"/>
-              <a:t> </a:t>
-            </a:r>
-          </a:p>
-          <a:p>
-            <a:pPr lvl="1"/>
-            <a:r>
-              <a:rPr lang="en-US" b="1" dirty="0"/>
-              <a:t>commands </a:t>
-            </a:r>
-            <a:r>
-              <a:rPr lang="en-US" i="1" dirty="0"/>
-              <a:t>(domain centric)</a:t>
-            </a:r>
-            <a:endParaRPr lang="en-US" b="1" dirty="0"/>
-          </a:p>
-          <a:p>
-            <a:pPr lvl="1"/>
-            <a:r>
-              <a:rPr lang="en-US" b="1" dirty="0"/>
-              <a:t>queries </a:t>
-            </a:r>
-            <a:r>
-              <a:rPr lang="en-US" i="1" dirty="0"/>
-              <a:t>(data centric)</a:t>
-            </a:r>
-            <a:endParaRPr lang="en-US" b="1" dirty="0"/>
-          </a:p>
-          <a:p>
-            <a:pPr lvl="1"/>
-            <a:endParaRPr lang="en-US" b="1" dirty="0"/>
-          </a:p>
-          <a:p>
-            <a:r>
-              <a:rPr lang="en-US" dirty="0"/>
-              <a:t>Command Query Segregation ++</a:t>
-            </a:r>
-          </a:p>
-          <a:p>
-            <a:r>
-              <a:rPr lang="es-ES" dirty="0"/>
-              <a:t>Puede requerir dos bases de datos</a:t>
-            </a:r>
-          </a:p>
-          <a:p>
-            <a:r>
-              <a:rPr lang="es-ES" dirty="0"/>
-              <a:t>Puede requerir </a:t>
-            </a:r>
-            <a:r>
-              <a:rPr lang="en-US" dirty="0"/>
-              <a:t>Event Driven Architectures</a:t>
-            </a:r>
-          </a:p>
-          <a:p>
-            <a:endParaRPr lang="en-US" dirty="0"/>
-          </a:p>
-          <a:p>
-            <a:endParaRPr lang="en-US" dirty="0"/>
-          </a:p>
-        </p:txBody>
-      </p:sp>
-    </p:spTree>
-    <p:extLst>
-      <p:ext uri="{BB962C8B-B14F-4D97-AF65-F5344CB8AC3E}">
-        <p14:creationId xmlns:p14="http://schemas.microsoft.com/office/powerpoint/2010/main" val="1827234830"/>
-      </p:ext>
-    </p:extLst>
-  </p:cSld>
-  <p:clrMapOvr>
-    <a:masterClrMapping/>
-  </p:clrMapOvr>
-</p:sld>
-</file>
-
-<file path=ppt/slides/slide25.xml><?xml version="1.0" encoding="utf-8"?>
-<p:sld xmlns:a="http://schemas.openxmlformats.org/drawingml/2006/main" xmlns:r="http://schemas.openxmlformats.org/officeDocument/2006/relationships" xmlns:p="http://schemas.openxmlformats.org/presentationml/2006/main">
-  <p:cSld>
-    <p:spTree>
-      <p:nvGrpSpPr>
-        <p:cNvPr id="1" name=""/>
-        <p:cNvGrpSpPr/>
-        <p:nvPr/>
-      </p:nvGrpSpPr>
-      <p:grpSpPr>
-        <a:xfrm>
-          <a:off x="0" y="0"/>
-          <a:ext cx="0" cy="0"/>
-          <a:chOff x="0" y="0"/>
-          <a:chExt cx="0" cy="0"/>
-        </a:xfrm>
-      </p:grpSpPr>
-      <p:sp>
-        <p:nvSpPr>
-          <p:cNvPr id="2" name="Título 1">
-            <a:extLst>
-              <a:ext uri="{FF2B5EF4-FFF2-40B4-BE49-F238E27FC236}">
-                <a16:creationId xmlns:a16="http://schemas.microsoft.com/office/drawing/2014/main" id="{6DB57E6E-8AE2-4A3E-9FEC-CEA509052E33}"/>
-              </a:ext>
-            </a:extLst>
-          </p:cNvPr>
-          <p:cNvSpPr>
-            <a:spLocks noGrp="1"/>
-          </p:cNvSpPr>
-          <p:nvPr>
-            <p:ph type="title"/>
-          </p:nvPr>
-        </p:nvSpPr>
-        <p:spPr/>
-        <p:txBody>
-          <a:bodyPr/>
-          <a:lstStyle/>
-          <a:p>
-            <a:r>
-              <a:rPr lang="es-ES" dirty="0"/>
-              <a:t>🏘️ Microservicios</a:t>
-            </a:r>
-            <a:endParaRPr lang="en-US" dirty="0"/>
-          </a:p>
-        </p:txBody>
-      </p:sp>
-      <p:sp>
-        <p:nvSpPr>
-          <p:cNvPr id="3" name="Marcador de contenido 2">
-            <a:extLst>
-              <a:ext uri="{FF2B5EF4-FFF2-40B4-BE49-F238E27FC236}">
-                <a16:creationId xmlns:a16="http://schemas.microsoft.com/office/drawing/2014/main" id="{DF87E2EC-336A-4AA7-B014-C6FD669AD012}"/>
-              </a:ext>
-            </a:extLst>
-          </p:cNvPr>
-          <p:cNvSpPr>
-            <a:spLocks noGrp="1"/>
-          </p:cNvSpPr>
-          <p:nvPr>
-            <p:ph idx="1"/>
-          </p:nvPr>
-        </p:nvSpPr>
-        <p:spPr/>
-        <p:txBody>
-          <a:bodyPr>
-            <a:normAutofit fontScale="85000" lnSpcReduction="20000"/>
-          </a:bodyPr>
-          <a:lstStyle/>
-          <a:p>
-            <a:pPr marL="0" indent="0" algn="ctr">
-              <a:buNone/>
-            </a:pPr>
-            <a:r>
-              <a:rPr lang="es-ES" sz="3800" i="1" dirty="0">
-                <a:solidFill>
-                  <a:schemeClr val="accent2"/>
-                </a:solidFill>
-              </a:rPr>
-              <a:t>Separación por </a:t>
-            </a:r>
-            <a:r>
-              <a:rPr lang="es-ES" sz="3800" b="1" i="1" dirty="0">
-                <a:solidFill>
-                  <a:schemeClr val="accent2"/>
-                </a:solidFill>
-              </a:rPr>
-              <a:t>funcionalidad</a:t>
-            </a:r>
-          </a:p>
-          <a:p>
-            <a:r>
-              <a:rPr lang="en-US" b="1" dirty="0"/>
-              <a:t>api1 </a:t>
-            </a:r>
-            <a:r>
-              <a:rPr lang="es-ES" i="1" dirty="0"/>
-              <a:t>(Resuelve un problema a su manera)</a:t>
-            </a:r>
-            <a:endParaRPr lang="en-US" b="1" dirty="0"/>
-          </a:p>
-          <a:p>
-            <a:r>
-              <a:rPr lang="en-US" b="1" dirty="0"/>
-              <a:t>api2 </a:t>
-            </a:r>
-            <a:r>
-              <a:rPr lang="es-ES" i="1" dirty="0"/>
-              <a:t>(quizá sea un simple layered, anémico)</a:t>
-            </a:r>
-            <a:endParaRPr lang="en-US" b="1" dirty="0"/>
-          </a:p>
-          <a:p>
-            <a:r>
-              <a:rPr lang="en-US" b="1" dirty="0"/>
-              <a:t>api3 </a:t>
-            </a:r>
-            <a:r>
-              <a:rPr lang="es-ES" i="1" dirty="0"/>
-              <a:t>(o requiera un dominio complejo con mucha lógica)</a:t>
-            </a:r>
-          </a:p>
-          <a:p>
-            <a:r>
-              <a:rPr lang="en-US" b="1" dirty="0"/>
-              <a:t>api4 </a:t>
-            </a:r>
-            <a:r>
-              <a:rPr lang="es-ES" i="1" dirty="0"/>
-              <a:t>(e incluso gestión de eventos, asincronismo, orquestación, sagas…)</a:t>
-            </a:r>
-            <a:endParaRPr lang="en-US" b="1" dirty="0"/>
-          </a:p>
-          <a:p>
-            <a:pPr marL="0" indent="0">
-              <a:buNone/>
-            </a:pPr>
-            <a:endParaRPr lang="en-US" b="1" dirty="0"/>
-          </a:p>
-          <a:p>
-            <a:pPr lvl="1"/>
-            <a:endParaRPr lang="en-US" b="1" dirty="0"/>
-          </a:p>
-          <a:p>
-            <a:r>
-              <a:rPr lang="es-ES" dirty="0"/>
-              <a:t>Cada servicio implementa </a:t>
-            </a:r>
-            <a:r>
-              <a:rPr lang="es-ES" b="1" dirty="0"/>
-              <a:t>pocos casos de uso relacionados</a:t>
-            </a:r>
-          </a:p>
-          <a:p>
-            <a:r>
-              <a:rPr lang="es-ES" dirty="0"/>
-              <a:t>Cada servicio tiene </a:t>
-            </a:r>
-            <a:r>
-              <a:rPr lang="es-ES" b="1" dirty="0"/>
-              <a:t>su propia base de datos</a:t>
-            </a:r>
-          </a:p>
-          <a:p>
-            <a:r>
-              <a:rPr lang="es-ES" dirty="0"/>
-              <a:t>Cada servicio se desarrolla y despliega </a:t>
-            </a:r>
-            <a:r>
-              <a:rPr lang="es-ES" b="1" dirty="0"/>
-              <a:t>con tecnología propia</a:t>
-            </a:r>
-          </a:p>
-          <a:p>
-            <a:r>
-              <a:rPr lang="es-ES" dirty="0"/>
-              <a:t>Requiere </a:t>
-            </a:r>
-            <a:r>
-              <a:rPr lang="es-ES" b="1" dirty="0"/>
-              <a:t>orquestación</a:t>
-            </a:r>
-            <a:r>
-              <a:rPr lang="es-ES" dirty="0"/>
-              <a:t> </a:t>
-            </a:r>
-            <a:r>
-              <a:rPr lang="es-ES"/>
-              <a:t>de eventos </a:t>
-            </a:r>
-            <a:r>
-              <a:rPr lang="es-ES" dirty="0"/>
-              <a:t>y </a:t>
-            </a:r>
-            <a:r>
-              <a:rPr lang="es-ES" b="1" dirty="0"/>
-              <a:t>sincronización</a:t>
-            </a:r>
-            <a:r>
-              <a:rPr lang="es-ES" dirty="0"/>
-              <a:t> de datos</a:t>
-            </a:r>
-            <a:endParaRPr lang="en-US" dirty="0"/>
-          </a:p>
-          <a:p>
-            <a:endParaRPr lang="en-US" dirty="0"/>
-          </a:p>
-          <a:p>
-            <a:endParaRPr lang="en-US" dirty="0"/>
-          </a:p>
-        </p:txBody>
-      </p:sp>
-    </p:spTree>
-    <p:extLst>
-      <p:ext uri="{BB962C8B-B14F-4D97-AF65-F5344CB8AC3E}">
-        <p14:creationId xmlns:p14="http://schemas.microsoft.com/office/powerpoint/2010/main" val="347343691"/>
       </p:ext>
     </p:extLst>
   </p:cSld>

--- a/docs/principles-and-practices.pptx
+++ b/docs/principles-and-practices.pptx
@@ -7,24 +7,23 @@
   <p:sldIdLst>
     <p:sldId id="256" r:id="rId2"/>
     <p:sldId id="257" r:id="rId3"/>
-    <p:sldId id="263" r:id="rId4"/>
-    <p:sldId id="264" r:id="rId5"/>
-    <p:sldId id="266" r:id="rId6"/>
-    <p:sldId id="274" r:id="rId7"/>
-    <p:sldId id="268" r:id="rId8"/>
-    <p:sldId id="273" r:id="rId9"/>
-    <p:sldId id="267" r:id="rId10"/>
-    <p:sldId id="275" r:id="rId11"/>
-    <p:sldId id="276" r:id="rId12"/>
-    <p:sldId id="277" r:id="rId13"/>
-    <p:sldId id="278" r:id="rId14"/>
-    <p:sldId id="279" r:id="rId15"/>
-    <p:sldId id="280" r:id="rId16"/>
-    <p:sldId id="281" r:id="rId17"/>
-    <p:sldId id="282" r:id="rId18"/>
-    <p:sldId id="285" r:id="rId19"/>
-    <p:sldId id="286" r:id="rId20"/>
-    <p:sldId id="283" r:id="rId21"/>
+    <p:sldId id="264" r:id="rId4"/>
+    <p:sldId id="266" r:id="rId5"/>
+    <p:sldId id="274" r:id="rId6"/>
+    <p:sldId id="268" r:id="rId7"/>
+    <p:sldId id="273" r:id="rId8"/>
+    <p:sldId id="267" r:id="rId9"/>
+    <p:sldId id="275" r:id="rId10"/>
+    <p:sldId id="276" r:id="rId11"/>
+    <p:sldId id="277" r:id="rId12"/>
+    <p:sldId id="278" r:id="rId13"/>
+    <p:sldId id="279" r:id="rId14"/>
+    <p:sldId id="280" r:id="rId15"/>
+    <p:sldId id="281" r:id="rId16"/>
+    <p:sldId id="282" r:id="rId17"/>
+    <p:sldId id="285" r:id="rId18"/>
+    <p:sldId id="286" r:id="rId19"/>
+    <p:sldId id="283" r:id="rId20"/>
   </p:sldIdLst>
   <p:sldSz cx="12192000" cy="6858000"/>
   <p:notesSz cx="6858000" cy="9144000"/>
@@ -736,7 +735,7 @@
           <a:p>
             <a:fld id="{99B6F7B8-9979-41C5-A285-C4BBF048AB6B}" type="datetimeFigureOut">
               <a:rPr lang="en-US" smtClean="0"/>
-              <a:t>9/14/2022</a:t>
+              <a:t>9/17/2022</a:t>
             </a:fld>
             <a:endParaRPr lang="en-US"/>
           </a:p>
@@ -940,7 +939,7 @@
           <a:p>
             <a:fld id="{99B6F7B8-9979-41C5-A285-C4BBF048AB6B}" type="datetimeFigureOut">
               <a:rPr lang="en-US" smtClean="0"/>
-              <a:t>9/14/2022</a:t>
+              <a:t>9/17/2022</a:t>
             </a:fld>
             <a:endParaRPr lang="en-US"/>
           </a:p>
@@ -1150,7 +1149,7 @@
           <a:p>
             <a:fld id="{99B6F7B8-9979-41C5-A285-C4BBF048AB6B}" type="datetimeFigureOut">
               <a:rPr lang="en-US" smtClean="0"/>
-              <a:t>9/14/2022</a:t>
+              <a:t>9/17/2022</a:t>
             </a:fld>
             <a:endParaRPr lang="en-US"/>
           </a:p>
@@ -1350,7 +1349,7 @@
           <a:p>
             <a:fld id="{99B6F7B8-9979-41C5-A285-C4BBF048AB6B}" type="datetimeFigureOut">
               <a:rPr lang="en-US" smtClean="0"/>
-              <a:t>9/14/2022</a:t>
+              <a:t>9/17/2022</a:t>
             </a:fld>
             <a:endParaRPr lang="en-US"/>
           </a:p>
@@ -1626,7 +1625,7 @@
           <a:p>
             <a:fld id="{99B6F7B8-9979-41C5-A285-C4BBF048AB6B}" type="datetimeFigureOut">
               <a:rPr lang="en-US" smtClean="0"/>
-              <a:t>9/14/2022</a:t>
+              <a:t>9/17/2022</a:t>
             </a:fld>
             <a:endParaRPr lang="en-US"/>
           </a:p>
@@ -1894,7 +1893,7 @@
           <a:p>
             <a:fld id="{99B6F7B8-9979-41C5-A285-C4BBF048AB6B}" type="datetimeFigureOut">
               <a:rPr lang="en-US" smtClean="0"/>
-              <a:t>9/14/2022</a:t>
+              <a:t>9/17/2022</a:t>
             </a:fld>
             <a:endParaRPr lang="en-US"/>
           </a:p>
@@ -2309,7 +2308,7 @@
           <a:p>
             <a:fld id="{99B6F7B8-9979-41C5-A285-C4BBF048AB6B}" type="datetimeFigureOut">
               <a:rPr lang="en-US" smtClean="0"/>
-              <a:t>9/14/2022</a:t>
+              <a:t>9/17/2022</a:t>
             </a:fld>
             <a:endParaRPr lang="en-US"/>
           </a:p>
@@ -2451,7 +2450,7 @@
           <a:p>
             <a:fld id="{99B6F7B8-9979-41C5-A285-C4BBF048AB6B}" type="datetimeFigureOut">
               <a:rPr lang="en-US" smtClean="0"/>
-              <a:t>9/14/2022</a:t>
+              <a:t>9/17/2022</a:t>
             </a:fld>
             <a:endParaRPr lang="en-US"/>
           </a:p>
@@ -2564,7 +2563,7 @@
           <a:p>
             <a:fld id="{99B6F7B8-9979-41C5-A285-C4BBF048AB6B}" type="datetimeFigureOut">
               <a:rPr lang="en-US" smtClean="0"/>
-              <a:t>9/14/2022</a:t>
+              <a:t>9/17/2022</a:t>
             </a:fld>
             <a:endParaRPr lang="en-US"/>
           </a:p>
@@ -2877,7 +2876,7 @@
           <a:p>
             <a:fld id="{99B6F7B8-9979-41C5-A285-C4BBF048AB6B}" type="datetimeFigureOut">
               <a:rPr lang="en-US" smtClean="0"/>
-              <a:t>9/14/2022</a:t>
+              <a:t>9/17/2022</a:t>
             </a:fld>
             <a:endParaRPr lang="en-US"/>
           </a:p>
@@ -3166,7 +3165,7 @@
           <a:p>
             <a:fld id="{99B6F7B8-9979-41C5-A285-C4BBF048AB6B}" type="datetimeFigureOut">
               <a:rPr lang="en-US" smtClean="0"/>
-              <a:t>9/14/2022</a:t>
+              <a:t>9/17/2022</a:t>
             </a:fld>
             <a:endParaRPr lang="en-US"/>
           </a:p>
@@ -3409,7 +3408,7 @@
           <a:p>
             <a:fld id="{99B6F7B8-9979-41C5-A285-C4BBF048AB6B}" type="datetimeFigureOut">
               <a:rPr lang="en-US" smtClean="0"/>
-              <a:t>9/14/2022</a:t>
+              <a:t>9/17/2022</a:t>
             </a:fld>
             <a:endParaRPr lang="en-US"/>
           </a:p>
@@ -3844,40 +3843,42 @@
         </p:nvSpPr>
         <p:spPr/>
         <p:txBody>
+          <a:bodyPr>
+            <a:normAutofit/>
+          </a:bodyPr>
+          <a:lstStyle/>
+          <a:p>
+            <a:r>
+              <a:rPr lang="es-ES" sz="8000" dirty="0"/>
+              <a:t>Principios y patrones</a:t>
+            </a:r>
+            <a:endParaRPr lang="en-US" sz="8000" dirty="0"/>
+          </a:p>
+        </p:txBody>
+      </p:sp>
+      <p:sp>
+        <p:nvSpPr>
+          <p:cNvPr id="3" name="Subtítulo 2">
+            <a:extLst>
+              <a:ext uri="{FF2B5EF4-FFF2-40B4-BE49-F238E27FC236}">
+                <a16:creationId xmlns:a16="http://schemas.microsoft.com/office/drawing/2014/main" id="{FFB719F2-538D-4977-A322-01E6CA701C76}"/>
+              </a:ext>
+            </a:extLst>
+          </p:cNvPr>
+          <p:cNvSpPr>
+            <a:spLocks noGrp="1"/>
+          </p:cNvSpPr>
+          <p:nvPr>
+            <p:ph type="subTitle" idx="1"/>
+          </p:nvPr>
+        </p:nvSpPr>
+        <p:spPr/>
+        <p:txBody>
           <a:bodyPr/>
           <a:lstStyle/>
           <a:p>
             <a:r>
-              <a:rPr lang="es-ES" dirty="0"/>
-              <a:t>Principios y patrones</a:t>
-            </a:r>
-            <a:endParaRPr lang="en-US" dirty="0"/>
-          </a:p>
-        </p:txBody>
-      </p:sp>
-      <p:sp>
-        <p:nvSpPr>
-          <p:cNvPr id="3" name="Subtítulo 2">
-            <a:extLst>
-              <a:ext uri="{FF2B5EF4-FFF2-40B4-BE49-F238E27FC236}">
-                <a16:creationId xmlns:a16="http://schemas.microsoft.com/office/drawing/2014/main" id="{FFB719F2-538D-4977-A322-01E6CA701C76}"/>
-              </a:ext>
-            </a:extLst>
-          </p:cNvPr>
-          <p:cNvSpPr>
-            <a:spLocks noGrp="1"/>
-          </p:cNvSpPr>
-          <p:nvPr>
-            <p:ph type="subTitle" idx="1"/>
-          </p:nvPr>
-        </p:nvSpPr>
-        <p:spPr/>
-        <p:txBody>
-          <a:bodyPr/>
-          <a:lstStyle/>
-          <a:p>
-            <a:r>
-              <a:rPr lang="es-ES" dirty="0"/>
+              <a:rPr lang="es-ES" sz="4400" dirty="0"/>
               <a:t>Código limpio avanzado</a:t>
             </a:r>
           </a:p>
@@ -3925,6 +3926,3032 @@
           <p:cNvPr id="2" name="Título 1">
             <a:extLst>
               <a:ext uri="{FF2B5EF4-FFF2-40B4-BE49-F238E27FC236}">
+                <a16:creationId xmlns:a16="http://schemas.microsoft.com/office/drawing/2014/main" id="{933D9BEA-AD0C-4816-80E7-C2B1E41628ED}"/>
+              </a:ext>
+            </a:extLst>
+          </p:cNvPr>
+          <p:cNvSpPr>
+            <a:spLocks noGrp="1"/>
+          </p:cNvSpPr>
+          <p:nvPr>
+            <p:ph type="title"/>
+          </p:nvPr>
+        </p:nvSpPr>
+        <p:spPr/>
+        <p:txBody>
+          <a:bodyPr/>
+          <a:lstStyle/>
+          <a:p>
+            <a:r>
+              <a:rPr lang="es-ES" dirty="0"/>
+              <a:t>🎯 Single </a:t>
+            </a:r>
+            <a:r>
+              <a:rPr lang="en-US" dirty="0"/>
+              <a:t>responsibility</a:t>
+            </a:r>
+          </a:p>
+        </p:txBody>
+      </p:sp>
+      <p:sp>
+        <p:nvSpPr>
+          <p:cNvPr id="3" name="Marcador de contenido 2">
+            <a:extLst>
+              <a:ext uri="{FF2B5EF4-FFF2-40B4-BE49-F238E27FC236}">
+                <a16:creationId xmlns:a16="http://schemas.microsoft.com/office/drawing/2014/main" id="{0CD6E770-57B3-4E43-B0A3-09F346EA8E1C}"/>
+              </a:ext>
+            </a:extLst>
+          </p:cNvPr>
+          <p:cNvSpPr>
+            <a:spLocks noGrp="1"/>
+          </p:cNvSpPr>
+          <p:nvPr>
+            <p:ph idx="1"/>
+          </p:nvPr>
+        </p:nvSpPr>
+        <p:spPr/>
+        <p:txBody>
+          <a:bodyPr/>
+          <a:lstStyle/>
+          <a:p>
+            <a:pPr marL="0" indent="0">
+              <a:buNone/>
+            </a:pPr>
+            <a:r>
+              <a:rPr lang="es-ES" i="1" dirty="0"/>
+              <a:t>🧙‍♂️ Nunca debe haber más de </a:t>
+            </a:r>
+            <a:r>
+              <a:rPr lang="es-ES" b="1" i="1" dirty="0"/>
+              <a:t>una razón </a:t>
+            </a:r>
+            <a:r>
+              <a:rPr lang="es-ES" i="1" dirty="0"/>
+              <a:t>para que una clase cambie.</a:t>
+            </a:r>
+          </a:p>
+          <a:p>
+            <a:pPr marL="0" indent="0">
+              <a:buNone/>
+            </a:pPr>
+            <a:endParaRPr lang="es-ES" dirty="0"/>
+          </a:p>
+          <a:p>
+            <a:pPr marL="0" indent="0">
+              <a:buNone/>
+            </a:pPr>
+            <a:endParaRPr lang="es-ES" dirty="0"/>
+          </a:p>
+          <a:p>
+            <a:pPr marL="0" indent="0">
+              <a:buNone/>
+            </a:pPr>
+            <a:r>
+              <a:rPr lang="es-ES" dirty="0"/>
+              <a:t>😈 Clases grandes, muy tentador seguir añadiendo </a:t>
+            </a:r>
+            <a:r>
+              <a:rPr lang="es-ES" b="1" dirty="0"/>
+              <a:t>funcionalidad</a:t>
+            </a:r>
+          </a:p>
+          <a:p>
+            <a:endParaRPr lang="en-US" u="sng" dirty="0"/>
+          </a:p>
+          <a:p>
+            <a:pPr marL="0" indent="0">
+              <a:buNone/>
+            </a:pPr>
+            <a:endParaRPr lang="en-US" u="sng" dirty="0"/>
+          </a:p>
+          <a:p>
+            <a:pPr marL="0" indent="0">
+              <a:buNone/>
+            </a:pPr>
+            <a:r>
+              <a:rPr lang="es-ES" dirty="0"/>
+              <a:t>👼 Clases pequeñas, sencillas reutilizables y de alta </a:t>
+            </a:r>
+            <a:r>
+              <a:rPr lang="es-ES" b="1" dirty="0"/>
+              <a:t>cohesión</a:t>
+            </a:r>
+            <a:r>
+              <a:rPr lang="es-ES" dirty="0"/>
+              <a:t>.</a:t>
+            </a:r>
+          </a:p>
+          <a:p>
+            <a:endParaRPr lang="en-US" u="sng" dirty="0"/>
+          </a:p>
+        </p:txBody>
+      </p:sp>
+    </p:spTree>
+    <p:extLst>
+      <p:ext uri="{BB962C8B-B14F-4D97-AF65-F5344CB8AC3E}">
+        <p14:creationId xmlns:p14="http://schemas.microsoft.com/office/powerpoint/2010/main" val="3452126507"/>
+      </p:ext>
+    </p:extLst>
+  </p:cSld>
+  <p:clrMapOvr>
+    <a:masterClrMapping/>
+  </p:clrMapOvr>
+</p:sld>
+</file>
+
+<file path=ppt/slides/slide11.xml><?xml version="1.0" encoding="utf-8"?>
+<p:sld xmlns:a="http://schemas.openxmlformats.org/drawingml/2006/main" xmlns:r="http://schemas.openxmlformats.org/officeDocument/2006/relationships" xmlns:p="http://schemas.openxmlformats.org/presentationml/2006/main">
+  <p:cSld>
+    <p:spTree>
+      <p:nvGrpSpPr>
+        <p:cNvPr id="1" name=""/>
+        <p:cNvGrpSpPr/>
+        <p:nvPr/>
+      </p:nvGrpSpPr>
+      <p:grpSpPr>
+        <a:xfrm>
+          <a:off x="0" y="0"/>
+          <a:ext cx="0" cy="0"/>
+          <a:chOff x="0" y="0"/>
+          <a:chExt cx="0" cy="0"/>
+        </a:xfrm>
+      </p:grpSpPr>
+      <p:sp>
+        <p:nvSpPr>
+          <p:cNvPr id="2" name="Título 1">
+            <a:extLst>
+              <a:ext uri="{FF2B5EF4-FFF2-40B4-BE49-F238E27FC236}">
+                <a16:creationId xmlns:a16="http://schemas.microsoft.com/office/drawing/2014/main" id="{CDD02CD2-704F-4D0D-901C-9A6FAA64F743}"/>
+              </a:ext>
+            </a:extLst>
+          </p:cNvPr>
+          <p:cNvSpPr>
+            <a:spLocks noGrp="1"/>
+          </p:cNvSpPr>
+          <p:nvPr>
+            <p:ph type="title"/>
+          </p:nvPr>
+        </p:nvSpPr>
+        <p:spPr/>
+        <p:txBody>
+          <a:bodyPr/>
+          <a:lstStyle/>
+          <a:p>
+            <a:r>
+              <a:rPr lang="es-ES" dirty="0"/>
+              <a:t>🔏</a:t>
+            </a:r>
+            <a:r>
+              <a:rPr lang="en-US" dirty="0"/>
+              <a:t> Open / Closed</a:t>
+            </a:r>
+          </a:p>
+        </p:txBody>
+      </p:sp>
+      <p:sp>
+        <p:nvSpPr>
+          <p:cNvPr id="3" name="Marcador de contenido 2">
+            <a:extLst>
+              <a:ext uri="{FF2B5EF4-FFF2-40B4-BE49-F238E27FC236}">
+                <a16:creationId xmlns:a16="http://schemas.microsoft.com/office/drawing/2014/main" id="{B9FBE855-A4D0-4F69-9EA1-4952A942F457}"/>
+              </a:ext>
+            </a:extLst>
+          </p:cNvPr>
+          <p:cNvSpPr>
+            <a:spLocks noGrp="1"/>
+          </p:cNvSpPr>
+          <p:nvPr>
+            <p:ph idx="1"/>
+          </p:nvPr>
+        </p:nvSpPr>
+        <p:spPr/>
+        <p:txBody>
+          <a:bodyPr/>
+          <a:lstStyle/>
+          <a:p>
+            <a:pPr marL="0" indent="0" rtl="0">
+              <a:buNone/>
+            </a:pPr>
+            <a:r>
+              <a:rPr lang="es-ES" i="1" dirty="0"/>
+              <a:t>🧙‍♂️</a:t>
+            </a:r>
+            <a:r>
+              <a:rPr lang="es-ES" i="1" dirty="0">
+                <a:solidFill>
+                  <a:srgbClr val="000000"/>
+                </a:solidFill>
+                <a:effectLst/>
+              </a:rPr>
+              <a:t> Las entidades de software deben estar abiertas a la extensión, pero cerradas a la modificación. </a:t>
+            </a:r>
+          </a:p>
+          <a:p>
+            <a:pPr marL="0" indent="0">
+              <a:buNone/>
+            </a:pPr>
+            <a:endParaRPr lang="es-ES" dirty="0"/>
+          </a:p>
+          <a:p>
+            <a:pPr marL="0" indent="0">
+              <a:buNone/>
+            </a:pPr>
+            <a:endParaRPr lang="es-ES" dirty="0"/>
+          </a:p>
+          <a:p>
+            <a:pPr marL="0" indent="0">
+              <a:buNone/>
+            </a:pPr>
+            <a:r>
+              <a:rPr lang="es-ES" dirty="0"/>
+              <a:t>😈 Las condiciones </a:t>
+            </a:r>
+            <a:r>
+              <a:rPr lang="en-US" dirty="0"/>
+              <a:t>if  switch</a:t>
+            </a:r>
+          </a:p>
+          <a:p>
+            <a:pPr marL="0" indent="0">
+              <a:buNone/>
+            </a:pPr>
+            <a:endParaRPr lang="en-US" dirty="0"/>
+          </a:p>
+          <a:p>
+            <a:pPr marL="0" indent="0">
+              <a:buNone/>
+            </a:pPr>
+            <a:endParaRPr lang="en-US" dirty="0"/>
+          </a:p>
+          <a:p>
+            <a:pPr marL="0" indent="0">
+              <a:buNone/>
+            </a:pPr>
+            <a:r>
+              <a:rPr lang="es-ES" dirty="0"/>
+              <a:t>👼 Agregar (o eliminar) módulos (clases) mejor que manipular líneas.</a:t>
+            </a:r>
+          </a:p>
+          <a:p>
+            <a:pPr marL="0" indent="0">
+              <a:buNone/>
+            </a:pPr>
+            <a:endParaRPr lang="en-US" dirty="0"/>
+          </a:p>
+          <a:p>
+            <a:pPr marL="0" indent="0">
+              <a:buNone/>
+            </a:pPr>
+            <a:endParaRPr lang="en-US" dirty="0"/>
+          </a:p>
+        </p:txBody>
+      </p:sp>
+    </p:spTree>
+    <p:extLst>
+      <p:ext uri="{BB962C8B-B14F-4D97-AF65-F5344CB8AC3E}">
+        <p14:creationId xmlns:p14="http://schemas.microsoft.com/office/powerpoint/2010/main" val="1172293179"/>
+      </p:ext>
+    </p:extLst>
+  </p:cSld>
+  <p:clrMapOvr>
+    <a:masterClrMapping/>
+  </p:clrMapOvr>
+</p:sld>
+</file>
+
+<file path=ppt/slides/slide12.xml><?xml version="1.0" encoding="utf-8"?>
+<p:sld xmlns:a="http://schemas.openxmlformats.org/drawingml/2006/main" xmlns:r="http://schemas.openxmlformats.org/officeDocument/2006/relationships" xmlns:p="http://schemas.openxmlformats.org/presentationml/2006/main">
+  <p:cSld>
+    <p:spTree>
+      <p:nvGrpSpPr>
+        <p:cNvPr id="1" name=""/>
+        <p:cNvGrpSpPr/>
+        <p:nvPr/>
+      </p:nvGrpSpPr>
+      <p:grpSpPr>
+        <a:xfrm>
+          <a:off x="0" y="0"/>
+          <a:ext cx="0" cy="0"/>
+          <a:chOff x="0" y="0"/>
+          <a:chExt cx="0" cy="0"/>
+        </a:xfrm>
+      </p:grpSpPr>
+      <p:sp>
+        <p:nvSpPr>
+          <p:cNvPr id="2" name="Título 1">
+            <a:extLst>
+              <a:ext uri="{FF2B5EF4-FFF2-40B4-BE49-F238E27FC236}">
+                <a16:creationId xmlns:a16="http://schemas.microsoft.com/office/drawing/2014/main" id="{711313A0-6ED9-4D9B-A025-2D07CC2B5781}"/>
+              </a:ext>
+            </a:extLst>
+          </p:cNvPr>
+          <p:cNvSpPr>
+            <a:spLocks noGrp="1"/>
+          </p:cNvSpPr>
+          <p:nvPr>
+            <p:ph type="title"/>
+          </p:nvPr>
+        </p:nvSpPr>
+        <p:spPr/>
+        <p:txBody>
+          <a:bodyPr/>
+          <a:lstStyle/>
+          <a:p>
+            <a:r>
+              <a:rPr lang="es-ES" dirty="0"/>
+              <a:t>🦆</a:t>
+            </a:r>
+            <a:r>
+              <a:rPr lang="en-US" dirty="0"/>
+              <a:t> Liskov substitution</a:t>
+            </a:r>
+          </a:p>
+        </p:txBody>
+      </p:sp>
+      <p:sp>
+        <p:nvSpPr>
+          <p:cNvPr id="3" name="Marcador de contenido 2">
+            <a:extLst>
+              <a:ext uri="{FF2B5EF4-FFF2-40B4-BE49-F238E27FC236}">
+                <a16:creationId xmlns:a16="http://schemas.microsoft.com/office/drawing/2014/main" id="{CAD3EC2E-D538-48A7-AA5A-5A957376B77B}"/>
+              </a:ext>
+            </a:extLst>
+          </p:cNvPr>
+          <p:cNvSpPr>
+            <a:spLocks noGrp="1"/>
+          </p:cNvSpPr>
+          <p:nvPr>
+            <p:ph idx="1"/>
+          </p:nvPr>
+        </p:nvSpPr>
+        <p:spPr/>
+        <p:txBody>
+          <a:bodyPr>
+            <a:normAutofit fontScale="92500" lnSpcReduction="10000"/>
+          </a:bodyPr>
+          <a:lstStyle/>
+          <a:p>
+            <a:pPr marL="0" indent="0">
+              <a:buNone/>
+            </a:pPr>
+            <a:r>
+              <a:rPr lang="es-ES" i="1" dirty="0"/>
+              <a:t>🧙‍♂️ Si S es un subtipo de T, entonces los objetos de tipo T pueden reemplazarse con objetos de tipo S sin alterar ninguna de las propiedades deseables del programa. </a:t>
+            </a:r>
+            <a:r>
+              <a:rPr lang="es-ES" dirty="0"/>
+              <a:t>🤯 Debería poder sustituir una cosa por otra, si se declara que esas cosas se comportan de la misma manera.</a:t>
+            </a:r>
+          </a:p>
+          <a:p>
+            <a:pPr marL="0" indent="0">
+              <a:buNone/>
+            </a:pPr>
+            <a:endParaRPr lang="es-ES" dirty="0"/>
+          </a:p>
+          <a:p>
+            <a:pPr marL="0" indent="0">
+              <a:buNone/>
+            </a:pPr>
+            <a:endParaRPr lang="es-ES" dirty="0"/>
+          </a:p>
+          <a:p>
+            <a:pPr marL="0" indent="0">
+              <a:buNone/>
+            </a:pPr>
+            <a:r>
+              <a:rPr lang="es-ES" dirty="0"/>
+              <a:t>😈 Herencia en lugar de composición</a:t>
+            </a:r>
+          </a:p>
+          <a:p>
+            <a:pPr marL="0" indent="0">
+              <a:buNone/>
+            </a:pPr>
+            <a:endParaRPr lang="es-ES" dirty="0"/>
+          </a:p>
+          <a:p>
+            <a:pPr marL="0" indent="0">
+              <a:buNone/>
+            </a:pPr>
+            <a:endParaRPr lang="es-ES" dirty="0"/>
+          </a:p>
+          <a:p>
+            <a:pPr marL="0" indent="0">
+              <a:buNone/>
+            </a:pPr>
+            <a:r>
+              <a:rPr lang="es-ES" dirty="0"/>
+              <a:t>👼 Mejor la composición, envolviendo y usando otros… componentes</a:t>
+            </a:r>
+          </a:p>
+          <a:p>
+            <a:pPr marL="0" indent="0">
+              <a:buNone/>
+            </a:pPr>
+            <a:endParaRPr lang="en-US" dirty="0"/>
+          </a:p>
+        </p:txBody>
+      </p:sp>
+    </p:spTree>
+    <p:extLst>
+      <p:ext uri="{BB962C8B-B14F-4D97-AF65-F5344CB8AC3E}">
+        <p14:creationId xmlns:p14="http://schemas.microsoft.com/office/powerpoint/2010/main" val="188586666"/>
+      </p:ext>
+    </p:extLst>
+  </p:cSld>
+  <p:clrMapOvr>
+    <a:masterClrMapping/>
+  </p:clrMapOvr>
+</p:sld>
+</file>
+
+<file path=ppt/slides/slide13.xml><?xml version="1.0" encoding="utf-8"?>
+<p:sld xmlns:a="http://schemas.openxmlformats.org/drawingml/2006/main" xmlns:r="http://schemas.openxmlformats.org/officeDocument/2006/relationships" xmlns:p="http://schemas.openxmlformats.org/presentationml/2006/main">
+  <p:cSld>
+    <p:spTree>
+      <p:nvGrpSpPr>
+        <p:cNvPr id="1" name=""/>
+        <p:cNvGrpSpPr/>
+        <p:nvPr/>
+      </p:nvGrpSpPr>
+      <p:grpSpPr>
+        <a:xfrm>
+          <a:off x="0" y="0"/>
+          <a:ext cx="0" cy="0"/>
+          <a:chOff x="0" y="0"/>
+          <a:chExt cx="0" cy="0"/>
+        </a:xfrm>
+      </p:grpSpPr>
+      <p:sp>
+        <p:nvSpPr>
+          <p:cNvPr id="2" name="Título 1">
+            <a:extLst>
+              <a:ext uri="{FF2B5EF4-FFF2-40B4-BE49-F238E27FC236}">
+                <a16:creationId xmlns:a16="http://schemas.microsoft.com/office/drawing/2014/main" id="{172A98FC-E9E5-4801-AF75-079F5B2CCAF3}"/>
+              </a:ext>
+            </a:extLst>
+          </p:cNvPr>
+          <p:cNvSpPr>
+            <a:spLocks noGrp="1"/>
+          </p:cNvSpPr>
+          <p:nvPr>
+            <p:ph type="title"/>
+          </p:nvPr>
+        </p:nvSpPr>
+        <p:spPr/>
+        <p:txBody>
+          <a:bodyPr/>
+          <a:lstStyle/>
+          <a:p>
+            <a:r>
+              <a:rPr lang="es-ES" dirty="0"/>
+              <a:t>🐄</a:t>
+            </a:r>
+            <a:r>
+              <a:rPr lang="en-US" dirty="0"/>
+              <a:t> Interface segregation</a:t>
+            </a:r>
+          </a:p>
+        </p:txBody>
+      </p:sp>
+      <p:sp>
+        <p:nvSpPr>
+          <p:cNvPr id="3" name="Marcador de contenido 2">
+            <a:extLst>
+              <a:ext uri="{FF2B5EF4-FFF2-40B4-BE49-F238E27FC236}">
+                <a16:creationId xmlns:a16="http://schemas.microsoft.com/office/drawing/2014/main" id="{207C3017-26BD-4996-9F04-4A50C26DFE11}"/>
+              </a:ext>
+            </a:extLst>
+          </p:cNvPr>
+          <p:cNvSpPr>
+            <a:spLocks noGrp="1"/>
+          </p:cNvSpPr>
+          <p:nvPr>
+            <p:ph idx="1"/>
+          </p:nvPr>
+        </p:nvSpPr>
+        <p:spPr/>
+        <p:txBody>
+          <a:bodyPr/>
+          <a:lstStyle/>
+          <a:p>
+            <a:pPr marL="0" indent="0">
+              <a:buNone/>
+            </a:pPr>
+            <a:r>
+              <a:rPr lang="es-ES" i="1" dirty="0"/>
+              <a:t>🧙‍♂️</a:t>
+            </a:r>
+            <a:r>
+              <a:rPr lang="es-ES" b="0" i="1" dirty="0">
+                <a:solidFill>
+                  <a:srgbClr val="3C4146"/>
+                </a:solidFill>
+                <a:effectLst/>
+                <a:latin typeface="Source Sans Pro" panose="020B0503030403020204" pitchFamily="34" charset="0"/>
+              </a:rPr>
+              <a:t> Muchas interfaces específicas son mejores que una interfaz de uso general.</a:t>
+            </a:r>
+          </a:p>
+          <a:p>
+            <a:pPr marL="0" indent="0">
+              <a:buNone/>
+            </a:pPr>
+            <a:endParaRPr lang="es-ES" dirty="0"/>
+          </a:p>
+          <a:p>
+            <a:pPr marL="0" indent="0">
+              <a:buNone/>
+            </a:pPr>
+            <a:endParaRPr lang="es-ES" dirty="0"/>
+          </a:p>
+          <a:p>
+            <a:pPr marL="0" indent="0">
+              <a:buNone/>
+            </a:pPr>
+            <a:r>
+              <a:rPr lang="es-ES" dirty="0"/>
+              <a:t>😈 Pensar en términos de lo que soy, en lugar de lo que puedo hacer.</a:t>
+            </a:r>
+          </a:p>
+          <a:p>
+            <a:pPr marL="0" indent="0">
+              <a:buNone/>
+            </a:pPr>
+            <a:endParaRPr lang="es-ES" dirty="0"/>
+          </a:p>
+          <a:p>
+            <a:pPr marL="0" indent="0">
+              <a:buNone/>
+            </a:pPr>
+            <a:endParaRPr lang="es-ES" dirty="0"/>
+          </a:p>
+          <a:p>
+            <a:pPr marL="0" indent="0">
+              <a:buNone/>
+            </a:pPr>
+            <a:r>
+              <a:rPr lang="es-ES" dirty="0"/>
+              <a:t>👼 Muestra a tus clientes sólo lo que necesitan. Ofrece capacidades.</a:t>
+            </a:r>
+          </a:p>
+          <a:p>
+            <a:pPr marL="0" indent="0">
+              <a:buNone/>
+            </a:pPr>
+            <a:endParaRPr lang="en-US" dirty="0"/>
+          </a:p>
+        </p:txBody>
+      </p:sp>
+    </p:spTree>
+    <p:extLst>
+      <p:ext uri="{BB962C8B-B14F-4D97-AF65-F5344CB8AC3E}">
+        <p14:creationId xmlns:p14="http://schemas.microsoft.com/office/powerpoint/2010/main" val="3917302020"/>
+      </p:ext>
+    </p:extLst>
+  </p:cSld>
+  <p:clrMapOvr>
+    <a:masterClrMapping/>
+  </p:clrMapOvr>
+</p:sld>
+</file>
+
+<file path=ppt/slides/slide14.xml><?xml version="1.0" encoding="utf-8"?>
+<p:sld xmlns:a="http://schemas.openxmlformats.org/drawingml/2006/main" xmlns:r="http://schemas.openxmlformats.org/officeDocument/2006/relationships" xmlns:p="http://schemas.openxmlformats.org/presentationml/2006/main">
+  <p:cSld>
+    <p:spTree>
+      <p:nvGrpSpPr>
+        <p:cNvPr id="1" name=""/>
+        <p:cNvGrpSpPr/>
+        <p:nvPr/>
+      </p:nvGrpSpPr>
+      <p:grpSpPr>
+        <a:xfrm>
+          <a:off x="0" y="0"/>
+          <a:ext cx="0" cy="0"/>
+          <a:chOff x="0" y="0"/>
+          <a:chExt cx="0" cy="0"/>
+        </a:xfrm>
+      </p:grpSpPr>
+      <p:sp>
+        <p:nvSpPr>
+          <p:cNvPr id="2" name="Título 1">
+            <a:extLst>
+              <a:ext uri="{FF2B5EF4-FFF2-40B4-BE49-F238E27FC236}">
+                <a16:creationId xmlns:a16="http://schemas.microsoft.com/office/drawing/2014/main" id="{8B41BBB9-5965-412D-BC64-94AD26EF64F9}"/>
+              </a:ext>
+            </a:extLst>
+          </p:cNvPr>
+          <p:cNvSpPr>
+            <a:spLocks noGrp="1"/>
+          </p:cNvSpPr>
+          <p:nvPr>
+            <p:ph type="title"/>
+          </p:nvPr>
+        </p:nvSpPr>
+        <p:spPr/>
+        <p:txBody>
+          <a:bodyPr/>
+          <a:lstStyle/>
+          <a:p>
+            <a:r>
+              <a:rPr lang="es-ES" dirty="0"/>
+              <a:t>🙃 </a:t>
+            </a:r>
+            <a:r>
+              <a:rPr lang="en-US" dirty="0"/>
+              <a:t> Dependency Inversion</a:t>
+            </a:r>
+          </a:p>
+        </p:txBody>
+      </p:sp>
+      <p:sp>
+        <p:nvSpPr>
+          <p:cNvPr id="3" name="Marcador de contenido 2">
+            <a:extLst>
+              <a:ext uri="{FF2B5EF4-FFF2-40B4-BE49-F238E27FC236}">
+                <a16:creationId xmlns:a16="http://schemas.microsoft.com/office/drawing/2014/main" id="{155CE3D6-69D0-4ECE-82BD-C4DABB3A23CA}"/>
+              </a:ext>
+            </a:extLst>
+          </p:cNvPr>
+          <p:cNvSpPr>
+            <a:spLocks noGrp="1"/>
+          </p:cNvSpPr>
+          <p:nvPr>
+            <p:ph idx="1"/>
+          </p:nvPr>
+        </p:nvSpPr>
+        <p:spPr/>
+        <p:txBody>
+          <a:bodyPr/>
+          <a:lstStyle/>
+          <a:p>
+            <a:pPr marL="0" indent="0">
+              <a:buNone/>
+            </a:pPr>
+            <a:r>
+              <a:rPr lang="es-ES" i="1" dirty="0"/>
+              <a:t>🧙‍♂️ Depende de abstracciones, no de concreciones.</a:t>
+            </a:r>
+          </a:p>
+          <a:p>
+            <a:pPr marL="0" indent="0">
+              <a:buNone/>
+            </a:pPr>
+            <a:endParaRPr lang="es-ES" dirty="0"/>
+          </a:p>
+          <a:p>
+            <a:pPr marL="0" indent="0">
+              <a:buNone/>
+            </a:pPr>
+            <a:endParaRPr lang="es-ES" dirty="0"/>
+          </a:p>
+          <a:p>
+            <a:pPr marL="0" indent="0">
+              <a:buNone/>
+            </a:pPr>
+            <a:r>
+              <a:rPr lang="es-ES" dirty="0"/>
+              <a:t>😈 El new</a:t>
+            </a:r>
+          </a:p>
+          <a:p>
+            <a:endParaRPr lang="en-US" dirty="0"/>
+          </a:p>
+          <a:p>
+            <a:endParaRPr lang="en-US" dirty="0"/>
+          </a:p>
+          <a:p>
+            <a:pPr marL="0" indent="0">
+              <a:buNone/>
+            </a:pPr>
+            <a:r>
+              <a:rPr lang="es-ES" dirty="0"/>
+              <a:t>👼 Evita crear directamente tus dependencias.</a:t>
+            </a:r>
+          </a:p>
+          <a:p>
+            <a:pPr marL="0" indent="0">
+              <a:buNone/>
+            </a:pPr>
+            <a:endParaRPr lang="en-US" dirty="0"/>
+          </a:p>
+        </p:txBody>
+      </p:sp>
+    </p:spTree>
+    <p:extLst>
+      <p:ext uri="{BB962C8B-B14F-4D97-AF65-F5344CB8AC3E}">
+        <p14:creationId xmlns:p14="http://schemas.microsoft.com/office/powerpoint/2010/main" val="1902161983"/>
+      </p:ext>
+    </p:extLst>
+  </p:cSld>
+  <p:clrMapOvr>
+    <a:masterClrMapping/>
+  </p:clrMapOvr>
+</p:sld>
+</file>
+
+<file path=ppt/slides/slide15.xml><?xml version="1.0" encoding="utf-8"?>
+<p:sld xmlns:a="http://schemas.openxmlformats.org/drawingml/2006/main" xmlns:r="http://schemas.openxmlformats.org/officeDocument/2006/relationships" xmlns:p="http://schemas.openxmlformats.org/presentationml/2006/main">
+  <p:cSld>
+    <p:spTree>
+      <p:nvGrpSpPr>
+        <p:cNvPr id="1" name=""/>
+        <p:cNvGrpSpPr/>
+        <p:nvPr/>
+      </p:nvGrpSpPr>
+      <p:grpSpPr>
+        <a:xfrm>
+          <a:off x="0" y="0"/>
+          <a:ext cx="0" cy="0"/>
+          <a:chOff x="0" y="0"/>
+          <a:chExt cx="0" cy="0"/>
+        </a:xfrm>
+      </p:grpSpPr>
+      <p:sp>
+        <p:nvSpPr>
+          <p:cNvPr id="2" name="Título 1">
+            <a:extLst>
+              <a:ext uri="{FF2B5EF4-FFF2-40B4-BE49-F238E27FC236}">
+                <a16:creationId xmlns:a16="http://schemas.microsoft.com/office/drawing/2014/main" id="{6583A353-78DC-44E9-8236-A06584CBC33D}"/>
+              </a:ext>
+            </a:extLst>
+          </p:cNvPr>
+          <p:cNvSpPr>
+            <a:spLocks noGrp="1"/>
+          </p:cNvSpPr>
+          <p:nvPr>
+            <p:ph type="title"/>
+          </p:nvPr>
+        </p:nvSpPr>
+        <p:spPr/>
+        <p:txBody>
+          <a:bodyPr/>
+          <a:lstStyle/>
+          <a:p>
+            <a:r>
+              <a:rPr lang="es-ES" dirty="0"/>
+              <a:t>⛪ Mandamientos</a:t>
+            </a:r>
+            <a:endParaRPr lang="en-US" dirty="0"/>
+          </a:p>
+        </p:txBody>
+      </p:sp>
+      <p:sp>
+        <p:nvSpPr>
+          <p:cNvPr id="3" name="Marcador de contenido 2">
+            <a:extLst>
+              <a:ext uri="{FF2B5EF4-FFF2-40B4-BE49-F238E27FC236}">
+                <a16:creationId xmlns:a16="http://schemas.microsoft.com/office/drawing/2014/main" id="{1CDF93CE-FE62-40A9-AC3B-CAB1A0716CD4}"/>
+              </a:ext>
+            </a:extLst>
+          </p:cNvPr>
+          <p:cNvSpPr>
+            <a:spLocks noGrp="1"/>
+          </p:cNvSpPr>
+          <p:nvPr>
+            <p:ph idx="1"/>
+          </p:nvPr>
+        </p:nvSpPr>
+        <p:spPr>
+          <a:xfrm>
+            <a:off x="838200" y="1825625"/>
+            <a:ext cx="10515600" cy="4745936"/>
+          </a:xfrm>
+        </p:spPr>
+        <p:txBody>
+          <a:bodyPr>
+            <a:normAutofit lnSpcReduction="10000"/>
+          </a:bodyPr>
+          <a:lstStyle/>
+          <a:p>
+            <a:pPr marL="0" indent="0">
+              <a:buNone/>
+            </a:pPr>
+            <a:r>
+              <a:rPr lang="es-ES" dirty="0"/>
+              <a:t>🚫 </a:t>
+            </a:r>
+            <a:r>
+              <a:rPr lang="es-ES" sz="3200" b="1" dirty="0"/>
+              <a:t>No abrumes</a:t>
+            </a:r>
+            <a:r>
+              <a:rPr lang="es-ES" dirty="0"/>
+              <a:t>: toda abstracción tiene un coste.</a:t>
+            </a:r>
+          </a:p>
+          <a:p>
+            <a:pPr marL="0" indent="0">
+              <a:buNone/>
+            </a:pPr>
+            <a:endParaRPr lang="es-ES" dirty="0"/>
+          </a:p>
+          <a:p>
+            <a:pPr marL="0" indent="0">
+              <a:buNone/>
+            </a:pPr>
+            <a:r>
+              <a:rPr lang="es-ES" dirty="0"/>
+              <a:t>🚫 </a:t>
+            </a:r>
+            <a:r>
+              <a:rPr lang="es-ES" sz="3200" b="1" dirty="0"/>
+              <a:t>No defraudes</a:t>
+            </a:r>
+            <a:r>
+              <a:rPr lang="es-ES" dirty="0"/>
+              <a:t>: cumple tus contratos.</a:t>
+            </a:r>
+          </a:p>
+          <a:p>
+            <a:pPr marL="0" indent="0">
+              <a:buNone/>
+            </a:pPr>
+            <a:endParaRPr lang="es-ES" dirty="0"/>
+          </a:p>
+          <a:p>
+            <a:pPr marL="0" indent="0">
+              <a:buNone/>
+            </a:pPr>
+            <a:r>
+              <a:rPr lang="es-ES" dirty="0"/>
+              <a:t>🚫 </a:t>
+            </a:r>
+            <a:r>
+              <a:rPr lang="es-ES" sz="3200" b="1" dirty="0"/>
+              <a:t>No confundas</a:t>
+            </a:r>
+            <a:r>
+              <a:rPr lang="es-ES" dirty="0"/>
+              <a:t>: mantén los niveles de abstracción.</a:t>
+            </a:r>
+          </a:p>
+          <a:p>
+            <a:pPr marL="0" indent="0">
+              <a:buNone/>
+            </a:pPr>
+            <a:endParaRPr lang="es-ES" dirty="0"/>
+          </a:p>
+          <a:p>
+            <a:pPr marL="0" indent="0">
+              <a:buNone/>
+            </a:pPr>
+            <a:r>
+              <a:rPr lang="es-ES" dirty="0"/>
+              <a:t>🚫 </a:t>
+            </a:r>
+            <a:r>
+              <a:rPr lang="es-ES" sz="3200" b="1" dirty="0"/>
+              <a:t>No líes</a:t>
+            </a:r>
+            <a:r>
+              <a:rPr lang="es-ES" dirty="0"/>
+              <a:t>: junta lo que cambian por la misma razón.</a:t>
+            </a:r>
+          </a:p>
+          <a:p>
+            <a:pPr marL="0" indent="0">
+              <a:buNone/>
+            </a:pPr>
+            <a:endParaRPr lang="es-ES" dirty="0"/>
+          </a:p>
+          <a:p>
+            <a:pPr marL="0" indent="0">
+              <a:buNone/>
+            </a:pPr>
+            <a:r>
+              <a:rPr lang="es-ES" dirty="0"/>
+              <a:t>🚫 </a:t>
+            </a:r>
+            <a:r>
+              <a:rPr lang="es-ES" sz="3200" b="1" dirty="0"/>
+              <a:t>No expolies</a:t>
+            </a:r>
+            <a:r>
+              <a:rPr lang="es-ES" dirty="0"/>
+              <a:t>: usa lo imprescindible.</a:t>
+            </a:r>
+            <a:endParaRPr lang="en-US" dirty="0"/>
+          </a:p>
+        </p:txBody>
+      </p:sp>
+    </p:spTree>
+    <p:extLst>
+      <p:ext uri="{BB962C8B-B14F-4D97-AF65-F5344CB8AC3E}">
+        <p14:creationId xmlns:p14="http://schemas.microsoft.com/office/powerpoint/2010/main" val="55829222"/>
+      </p:ext>
+    </p:extLst>
+  </p:cSld>
+  <p:clrMapOvr>
+    <a:masterClrMapping/>
+  </p:clrMapOvr>
+</p:sld>
+</file>
+
+<file path=ppt/slides/slide16.xml><?xml version="1.0" encoding="utf-8"?>
+<p:sld xmlns:a="http://schemas.openxmlformats.org/drawingml/2006/main" xmlns:r="http://schemas.openxmlformats.org/officeDocument/2006/relationships" xmlns:p="http://schemas.openxmlformats.org/presentationml/2006/main">
+  <p:cSld>
+    <p:spTree>
+      <p:nvGrpSpPr>
+        <p:cNvPr id="1" name=""/>
+        <p:cNvGrpSpPr/>
+        <p:nvPr/>
+      </p:nvGrpSpPr>
+      <p:grpSpPr>
+        <a:xfrm>
+          <a:off x="0" y="0"/>
+          <a:ext cx="0" cy="0"/>
+          <a:chOff x="0" y="0"/>
+          <a:chExt cx="0" cy="0"/>
+        </a:xfrm>
+      </p:grpSpPr>
+      <p:sp>
+        <p:nvSpPr>
+          <p:cNvPr id="2" name="Título 1">
+            <a:extLst>
+              <a:ext uri="{FF2B5EF4-FFF2-40B4-BE49-F238E27FC236}">
+                <a16:creationId xmlns:a16="http://schemas.microsoft.com/office/drawing/2014/main" id="{90820D56-DDE2-49C7-A70C-AF71CC9C1A7E}"/>
+              </a:ext>
+            </a:extLst>
+          </p:cNvPr>
+          <p:cNvSpPr>
+            <a:spLocks noGrp="1"/>
+          </p:cNvSpPr>
+          <p:nvPr>
+            <p:ph type="title"/>
+          </p:nvPr>
+        </p:nvSpPr>
+        <p:spPr/>
+        <p:txBody>
+          <a:bodyPr/>
+          <a:lstStyle/>
+          <a:p>
+            <a:r>
+              <a:rPr lang="es-ES" dirty="0"/>
+              <a:t>🌵</a:t>
+            </a:r>
+            <a:r>
+              <a:rPr lang="en-US" dirty="0"/>
+              <a:t>Design patterns</a:t>
+            </a:r>
+          </a:p>
+        </p:txBody>
+      </p:sp>
+      <p:sp>
+        <p:nvSpPr>
+          <p:cNvPr id="3" name="Marcador de contenido 2">
+            <a:extLst>
+              <a:ext uri="{FF2B5EF4-FFF2-40B4-BE49-F238E27FC236}">
+                <a16:creationId xmlns:a16="http://schemas.microsoft.com/office/drawing/2014/main" id="{9B8D6381-DDB1-4662-B8FA-EA4FA74DADB4}"/>
+              </a:ext>
+            </a:extLst>
+          </p:cNvPr>
+          <p:cNvSpPr>
+            <a:spLocks noGrp="1"/>
+          </p:cNvSpPr>
+          <p:nvPr>
+            <p:ph idx="1"/>
+          </p:nvPr>
+        </p:nvSpPr>
+        <p:spPr/>
+        <p:txBody>
+          <a:bodyPr>
+            <a:normAutofit fontScale="40000" lnSpcReduction="20000"/>
+          </a:bodyPr>
+          <a:lstStyle/>
+          <a:p>
+            <a:pPr marL="0" indent="0">
+              <a:buNone/>
+            </a:pPr>
+            <a:r>
+              <a:rPr lang="es-ES" sz="10000" b="1" dirty="0"/>
+              <a:t>🌱Creacionales</a:t>
+            </a:r>
+            <a:r>
+              <a:rPr lang="es-ES" sz="10000" dirty="0"/>
+              <a:t> </a:t>
+            </a:r>
+          </a:p>
+          <a:p>
+            <a:pPr marL="0" indent="0">
+              <a:buNone/>
+            </a:pPr>
+            <a:endParaRPr lang="es-ES" sz="5200" dirty="0"/>
+          </a:p>
+          <a:p>
+            <a:pPr marL="457200" lvl="1" indent="0">
+              <a:buNone/>
+            </a:pPr>
+            <a:r>
+              <a:rPr lang="es-ES" sz="6000" dirty="0"/>
+              <a:t>¿Cómo </a:t>
+            </a:r>
+            <a:r>
+              <a:rPr lang="es-ES" sz="6000" b="1" dirty="0"/>
+              <a:t>instanciar</a:t>
+            </a:r>
+            <a:r>
+              <a:rPr lang="es-ES" sz="6000" dirty="0"/>
+              <a:t> objetos?</a:t>
+            </a:r>
+          </a:p>
+          <a:p>
+            <a:pPr marL="457200" lvl="1" indent="0">
+              <a:buNone/>
+            </a:pPr>
+            <a:endParaRPr lang="es-ES" sz="4000" dirty="0"/>
+          </a:p>
+          <a:p>
+            <a:pPr marL="0" indent="0">
+              <a:buNone/>
+            </a:pPr>
+            <a:r>
+              <a:rPr lang="es-ES" sz="10000" b="1" dirty="0"/>
+              <a:t>🌳 Estructurales</a:t>
+            </a:r>
+            <a:r>
+              <a:rPr lang="es-ES" sz="10000" dirty="0"/>
+              <a:t> </a:t>
+            </a:r>
+          </a:p>
+          <a:p>
+            <a:pPr marL="0" indent="0">
+              <a:buNone/>
+            </a:pPr>
+            <a:endParaRPr lang="es-ES" sz="5200" dirty="0"/>
+          </a:p>
+          <a:p>
+            <a:pPr marL="457200" lvl="1" indent="0">
+              <a:buNone/>
+            </a:pPr>
+            <a:r>
+              <a:rPr lang="es-ES" sz="6000" dirty="0"/>
+              <a:t>¿Cómo </a:t>
+            </a:r>
+            <a:r>
+              <a:rPr lang="es-ES" sz="6000" b="1" dirty="0"/>
+              <a:t>relacionar</a:t>
+            </a:r>
+            <a:r>
+              <a:rPr lang="es-ES" sz="6000" dirty="0"/>
+              <a:t> objetos?</a:t>
+            </a:r>
+          </a:p>
+          <a:p>
+            <a:pPr marL="457200" lvl="1" indent="0">
+              <a:buNone/>
+            </a:pPr>
+            <a:endParaRPr lang="es-ES" sz="4000" dirty="0"/>
+          </a:p>
+          <a:p>
+            <a:pPr marL="0" indent="0">
+              <a:buNone/>
+            </a:pPr>
+            <a:r>
+              <a:rPr lang="es-ES" sz="10000" b="1" dirty="0"/>
+              <a:t>🍏 De comportamiento</a:t>
+            </a:r>
+          </a:p>
+          <a:p>
+            <a:pPr marL="0" indent="0">
+              <a:buNone/>
+            </a:pPr>
+            <a:endParaRPr lang="es-ES" sz="5200" b="1" dirty="0"/>
+          </a:p>
+          <a:p>
+            <a:pPr marL="457200" lvl="1" indent="0">
+              <a:buNone/>
+            </a:pPr>
+            <a:r>
+              <a:rPr lang="es-ES" sz="6000" dirty="0"/>
+              <a:t>¿Cómo </a:t>
+            </a:r>
+            <a:r>
+              <a:rPr lang="es-ES" sz="6000" b="1" dirty="0"/>
+              <a:t>comunicar </a:t>
+            </a:r>
+            <a:r>
+              <a:rPr lang="es-ES" sz="6000" dirty="0"/>
+              <a:t>objetos?</a:t>
+            </a:r>
+          </a:p>
+          <a:p>
+            <a:endParaRPr lang="en-US" dirty="0"/>
+          </a:p>
+        </p:txBody>
+      </p:sp>
+    </p:spTree>
+    <p:extLst>
+      <p:ext uri="{BB962C8B-B14F-4D97-AF65-F5344CB8AC3E}">
+        <p14:creationId xmlns:p14="http://schemas.microsoft.com/office/powerpoint/2010/main" val="3763288489"/>
+      </p:ext>
+    </p:extLst>
+  </p:cSld>
+  <p:clrMapOvr>
+    <a:masterClrMapping/>
+  </p:clrMapOvr>
+</p:sld>
+</file>
+
+<file path=ppt/slides/slide17.xml><?xml version="1.0" encoding="utf-8"?>
+<p:sld xmlns:a="http://schemas.openxmlformats.org/drawingml/2006/main" xmlns:r="http://schemas.openxmlformats.org/officeDocument/2006/relationships" xmlns:p="http://schemas.openxmlformats.org/presentationml/2006/main">
+  <p:cSld>
+    <p:spTree>
+      <p:nvGrpSpPr>
+        <p:cNvPr id="1" name=""/>
+        <p:cNvGrpSpPr/>
+        <p:nvPr/>
+      </p:nvGrpSpPr>
+      <p:grpSpPr>
+        <a:xfrm>
+          <a:off x="0" y="0"/>
+          <a:ext cx="0" cy="0"/>
+          <a:chOff x="0" y="0"/>
+          <a:chExt cx="0" cy="0"/>
+        </a:xfrm>
+      </p:grpSpPr>
+      <p:sp>
+        <p:nvSpPr>
+          <p:cNvPr id="2" name="Título 1">
+            <a:extLst>
+              <a:ext uri="{FF2B5EF4-FFF2-40B4-BE49-F238E27FC236}">
+                <a16:creationId xmlns:a16="http://schemas.microsoft.com/office/drawing/2014/main" id="{46D7B2B9-6828-441D-A904-23A115A8500C}"/>
+              </a:ext>
+            </a:extLst>
+          </p:cNvPr>
+          <p:cNvSpPr>
+            <a:spLocks noGrp="1"/>
+          </p:cNvSpPr>
+          <p:nvPr>
+            <p:ph type="title"/>
+          </p:nvPr>
+        </p:nvSpPr>
+        <p:spPr/>
+        <p:txBody>
+          <a:bodyPr/>
+          <a:lstStyle/>
+          <a:p>
+            <a:r>
+              <a:rPr lang="es-ES" dirty="0"/>
+              <a:t>🌱Creacionales </a:t>
+            </a:r>
+          </a:p>
+        </p:txBody>
+      </p:sp>
+      <p:sp>
+        <p:nvSpPr>
+          <p:cNvPr id="3" name="Marcador de contenido 2">
+            <a:extLst>
+              <a:ext uri="{FF2B5EF4-FFF2-40B4-BE49-F238E27FC236}">
+                <a16:creationId xmlns:a16="http://schemas.microsoft.com/office/drawing/2014/main" id="{89FDF8E9-A3D2-4DE2-8129-D7AC4E0EB5A2}"/>
+              </a:ext>
+            </a:extLst>
+          </p:cNvPr>
+          <p:cNvSpPr>
+            <a:spLocks noGrp="1"/>
+          </p:cNvSpPr>
+          <p:nvPr>
+            <p:ph idx="1"/>
+          </p:nvPr>
+        </p:nvSpPr>
+        <p:spPr/>
+        <p:txBody>
+          <a:bodyPr>
+            <a:normAutofit/>
+          </a:bodyPr>
+          <a:lstStyle/>
+          <a:p>
+            <a:pPr marL="0" indent="0" algn="ctr">
+              <a:buNone/>
+            </a:pPr>
+            <a:r>
+              <a:rPr lang="es-ES" sz="2800" i="1" dirty="0">
+                <a:solidFill>
+                  <a:schemeClr val="accent6">
+                    <a:lumMod val="75000"/>
+                  </a:schemeClr>
+                </a:solidFill>
+                <a:effectLst>
+                  <a:outerShdw blurRad="38100" dist="38100" dir="2700000" algn="tl">
+                    <a:srgbClr val="000000">
+                      <a:alpha val="43137"/>
+                    </a:srgbClr>
+                  </a:outerShdw>
+                </a:effectLst>
+              </a:rPr>
+              <a:t>PROPORCIONAN MECANISMOS DE CREACIÓN DE OBJETOS</a:t>
+            </a:r>
+          </a:p>
+          <a:p>
+            <a:r>
+              <a:rPr lang="en-US" b="1" dirty="0">
+                <a:solidFill>
+                  <a:schemeClr val="accent6"/>
+                </a:solidFill>
+              </a:rPr>
+              <a:t>Builder: </a:t>
+            </a:r>
+            <a:r>
+              <a:rPr lang="es-ES" sz="2000" dirty="0"/>
+              <a:t>facilita o dirige la creación de objetos complejos.</a:t>
+            </a:r>
+          </a:p>
+          <a:p>
+            <a:r>
+              <a:rPr lang="en-US" b="1" dirty="0">
+                <a:solidFill>
+                  <a:schemeClr val="accent6"/>
+                </a:solidFill>
+              </a:rPr>
+              <a:t>Factory Method: </a:t>
+            </a:r>
+            <a:r>
+              <a:rPr lang="es-ES" sz="2000" dirty="0"/>
+              <a:t>crea instancias de distintas clases pero que cumplen una interfaz.</a:t>
+            </a:r>
+          </a:p>
+          <a:p>
+            <a:r>
+              <a:rPr lang="en-US" b="1" dirty="0">
+                <a:solidFill>
+                  <a:schemeClr val="accent6"/>
+                </a:solidFill>
+              </a:rPr>
+              <a:t>Prototype</a:t>
+            </a:r>
+            <a:r>
+              <a:rPr lang="es-ES" b="1" dirty="0">
+                <a:solidFill>
+                  <a:schemeClr val="accent6"/>
+                </a:solidFill>
+              </a:rPr>
+              <a:t>: </a:t>
+            </a:r>
+            <a:r>
+              <a:rPr lang="es-ES" sz="2000" dirty="0"/>
+              <a:t>crea una copia (clon) de un objeto existente aplicando mutaciones controladas.</a:t>
+            </a:r>
+          </a:p>
+          <a:p>
+            <a:r>
+              <a:rPr lang="en-US" b="1" dirty="0">
+                <a:solidFill>
+                  <a:schemeClr val="accent6"/>
+                </a:solidFill>
+              </a:rPr>
+              <a:t>Singleton: </a:t>
+            </a:r>
+            <a:r>
+              <a:rPr lang="es-ES" sz="2000" dirty="0"/>
+              <a:t>asegura una instancia única de una clase, evita usar variables globales.</a:t>
+            </a:r>
+          </a:p>
+          <a:p>
+            <a:pPr marL="0" indent="0">
+              <a:buNone/>
+            </a:pPr>
+            <a:endParaRPr lang="en-US" dirty="0"/>
+          </a:p>
+        </p:txBody>
+      </p:sp>
+    </p:spTree>
+    <p:extLst>
+      <p:ext uri="{BB962C8B-B14F-4D97-AF65-F5344CB8AC3E}">
+        <p14:creationId xmlns:p14="http://schemas.microsoft.com/office/powerpoint/2010/main" val="2960183015"/>
+      </p:ext>
+    </p:extLst>
+  </p:cSld>
+  <p:clrMapOvr>
+    <a:masterClrMapping/>
+  </p:clrMapOvr>
+</p:sld>
+</file>
+
+<file path=ppt/slides/slide18.xml><?xml version="1.0" encoding="utf-8"?>
+<p:sld xmlns:a="http://schemas.openxmlformats.org/drawingml/2006/main" xmlns:r="http://schemas.openxmlformats.org/officeDocument/2006/relationships" xmlns:p="http://schemas.openxmlformats.org/presentationml/2006/main">
+  <p:cSld>
+    <p:spTree>
+      <p:nvGrpSpPr>
+        <p:cNvPr id="1" name=""/>
+        <p:cNvGrpSpPr/>
+        <p:nvPr/>
+      </p:nvGrpSpPr>
+      <p:grpSpPr>
+        <a:xfrm>
+          <a:off x="0" y="0"/>
+          <a:ext cx="0" cy="0"/>
+          <a:chOff x="0" y="0"/>
+          <a:chExt cx="0" cy="0"/>
+        </a:xfrm>
+      </p:grpSpPr>
+      <p:sp>
+        <p:nvSpPr>
+          <p:cNvPr id="2" name="Título 1">
+            <a:extLst>
+              <a:ext uri="{FF2B5EF4-FFF2-40B4-BE49-F238E27FC236}">
+                <a16:creationId xmlns:a16="http://schemas.microsoft.com/office/drawing/2014/main" id="{46D7B2B9-6828-441D-A904-23A115A8500C}"/>
+              </a:ext>
+            </a:extLst>
+          </p:cNvPr>
+          <p:cNvSpPr>
+            <a:spLocks noGrp="1"/>
+          </p:cNvSpPr>
+          <p:nvPr>
+            <p:ph type="title"/>
+          </p:nvPr>
+        </p:nvSpPr>
+        <p:spPr/>
+        <p:txBody>
+          <a:bodyPr/>
+          <a:lstStyle/>
+          <a:p>
+            <a:r>
+              <a:rPr lang="es-ES" dirty="0"/>
+              <a:t>🌳 Estructurales </a:t>
+            </a:r>
+          </a:p>
+        </p:txBody>
+      </p:sp>
+      <p:sp>
+        <p:nvSpPr>
+          <p:cNvPr id="3" name="Marcador de contenido 2">
+            <a:extLst>
+              <a:ext uri="{FF2B5EF4-FFF2-40B4-BE49-F238E27FC236}">
+                <a16:creationId xmlns:a16="http://schemas.microsoft.com/office/drawing/2014/main" id="{89FDF8E9-A3D2-4DE2-8129-D7AC4E0EB5A2}"/>
+              </a:ext>
+            </a:extLst>
+          </p:cNvPr>
+          <p:cNvSpPr>
+            <a:spLocks noGrp="1"/>
+          </p:cNvSpPr>
+          <p:nvPr>
+            <p:ph idx="1"/>
+          </p:nvPr>
+        </p:nvSpPr>
+        <p:spPr/>
+        <p:txBody>
+          <a:bodyPr>
+            <a:normAutofit/>
+          </a:bodyPr>
+          <a:lstStyle/>
+          <a:p>
+            <a:pPr marL="0" indent="0" algn="ctr">
+              <a:buNone/>
+            </a:pPr>
+            <a:r>
+              <a:rPr lang="es-ES" sz="2800" i="1" dirty="0">
+                <a:solidFill>
+                  <a:schemeClr val="accent6">
+                    <a:lumMod val="75000"/>
+                  </a:schemeClr>
+                </a:solidFill>
+                <a:effectLst>
+                  <a:outerShdw blurRad="38100" dist="38100" dir="2700000" algn="tl">
+                    <a:srgbClr val="000000">
+                      <a:alpha val="43137"/>
+                    </a:srgbClr>
+                  </a:outerShdw>
+                </a:effectLst>
+              </a:rPr>
+              <a:t>ENSAMBLAN OBJETOS Y CLASES EN ESTRUCTURAS MÁS GRANDES</a:t>
+            </a:r>
+            <a:endParaRPr lang="es-ES" sz="2800" i="1" dirty="0">
+              <a:solidFill>
+                <a:schemeClr val="accent6">
+                  <a:lumMod val="75000"/>
+                </a:schemeClr>
+              </a:solidFill>
+            </a:endParaRPr>
+          </a:p>
+          <a:p>
+            <a:r>
+              <a:rPr lang="en-US" sz="2800" b="1" dirty="0">
+                <a:solidFill>
+                  <a:schemeClr val="accent6"/>
+                </a:solidFill>
+              </a:rPr>
+              <a:t>Adapter</a:t>
+            </a:r>
+            <a:r>
+              <a:rPr lang="es-ES" sz="2800" b="1" dirty="0">
+                <a:solidFill>
+                  <a:schemeClr val="accent6"/>
+                </a:solidFill>
+              </a:rPr>
+              <a:t>: </a:t>
+            </a:r>
+            <a:r>
+              <a:rPr lang="es-ES" sz="2000" dirty="0"/>
+              <a:t>desacopla código legacy o de terceros del desarrollo principal</a:t>
+            </a:r>
+            <a:endParaRPr lang="es-ES" sz="2800" dirty="0">
+              <a:solidFill>
+                <a:schemeClr val="accent6"/>
+              </a:solidFill>
+            </a:endParaRPr>
+          </a:p>
+          <a:p>
+            <a:r>
+              <a:rPr lang="es-ES" sz="2800" b="1" dirty="0">
+                <a:solidFill>
+                  <a:schemeClr val="accent6"/>
+                </a:solidFill>
+              </a:rPr>
+              <a:t>Bridge: </a:t>
+            </a:r>
+            <a:r>
+              <a:rPr lang="es-ES" sz="2000" dirty="0"/>
+              <a:t>permite que subsistemas complejos evolucionen independientemente</a:t>
+            </a:r>
+          </a:p>
+          <a:p>
+            <a:r>
+              <a:rPr lang="en-US" sz="2800" b="1" dirty="0">
+                <a:solidFill>
+                  <a:schemeClr val="accent6"/>
+                </a:solidFill>
+              </a:rPr>
+              <a:t>Decorator</a:t>
+            </a:r>
+            <a:r>
+              <a:rPr lang="es-ES" sz="2800" b="1" dirty="0">
+                <a:solidFill>
+                  <a:schemeClr val="accent6"/>
+                </a:solidFill>
+              </a:rPr>
+              <a:t>: </a:t>
+            </a:r>
+            <a:r>
+              <a:rPr lang="es-ES" sz="2000" dirty="0"/>
+              <a:t>agrega funcionalidad a una clase sin modificarla</a:t>
+            </a:r>
+          </a:p>
+          <a:p>
+            <a:r>
+              <a:rPr lang="en-US" sz="2800" b="1" dirty="0">
+                <a:solidFill>
+                  <a:schemeClr val="accent6"/>
+                </a:solidFill>
+              </a:rPr>
+              <a:t>Façade</a:t>
+            </a:r>
+            <a:r>
+              <a:rPr lang="es-ES" sz="2800" b="1" dirty="0">
+                <a:solidFill>
+                  <a:schemeClr val="accent6"/>
+                </a:solidFill>
+              </a:rPr>
+              <a:t>: </a:t>
+            </a:r>
+            <a:r>
+              <a:rPr lang="es-ES" sz="2000" dirty="0"/>
+              <a:t>proporciona un acceso simple a un sistema de objetos complejo.</a:t>
+            </a:r>
+          </a:p>
+          <a:p>
+            <a:pPr marL="0" indent="0">
+              <a:buNone/>
+            </a:pPr>
+            <a:endParaRPr lang="en-US" u="sng" dirty="0"/>
+          </a:p>
+        </p:txBody>
+      </p:sp>
+    </p:spTree>
+    <p:extLst>
+      <p:ext uri="{BB962C8B-B14F-4D97-AF65-F5344CB8AC3E}">
+        <p14:creationId xmlns:p14="http://schemas.microsoft.com/office/powerpoint/2010/main" val="946734460"/>
+      </p:ext>
+    </p:extLst>
+  </p:cSld>
+  <p:clrMapOvr>
+    <a:masterClrMapping/>
+  </p:clrMapOvr>
+</p:sld>
+</file>
+
+<file path=ppt/slides/slide19.xml><?xml version="1.0" encoding="utf-8"?>
+<p:sld xmlns:a="http://schemas.openxmlformats.org/drawingml/2006/main" xmlns:r="http://schemas.openxmlformats.org/officeDocument/2006/relationships" xmlns:p="http://schemas.openxmlformats.org/presentationml/2006/main">
+  <p:cSld>
+    <p:spTree>
+      <p:nvGrpSpPr>
+        <p:cNvPr id="1" name=""/>
+        <p:cNvGrpSpPr/>
+        <p:nvPr/>
+      </p:nvGrpSpPr>
+      <p:grpSpPr>
+        <a:xfrm>
+          <a:off x="0" y="0"/>
+          <a:ext cx="0" cy="0"/>
+          <a:chOff x="0" y="0"/>
+          <a:chExt cx="0" cy="0"/>
+        </a:xfrm>
+      </p:grpSpPr>
+      <p:sp>
+        <p:nvSpPr>
+          <p:cNvPr id="2" name="Título 1">
+            <a:extLst>
+              <a:ext uri="{FF2B5EF4-FFF2-40B4-BE49-F238E27FC236}">
+                <a16:creationId xmlns:a16="http://schemas.microsoft.com/office/drawing/2014/main" id="{46D7B2B9-6828-441D-A904-23A115A8500C}"/>
+              </a:ext>
+            </a:extLst>
+          </p:cNvPr>
+          <p:cNvSpPr>
+            <a:spLocks noGrp="1"/>
+          </p:cNvSpPr>
+          <p:nvPr>
+            <p:ph type="title"/>
+          </p:nvPr>
+        </p:nvSpPr>
+        <p:spPr/>
+        <p:txBody>
+          <a:bodyPr/>
+          <a:lstStyle/>
+          <a:p>
+            <a:r>
+              <a:rPr lang="es-ES" dirty="0"/>
+              <a:t>🍏 De comportamiento</a:t>
+            </a:r>
+          </a:p>
+        </p:txBody>
+      </p:sp>
+      <p:sp>
+        <p:nvSpPr>
+          <p:cNvPr id="3" name="Marcador de contenido 2">
+            <a:extLst>
+              <a:ext uri="{FF2B5EF4-FFF2-40B4-BE49-F238E27FC236}">
+                <a16:creationId xmlns:a16="http://schemas.microsoft.com/office/drawing/2014/main" id="{89FDF8E9-A3D2-4DE2-8129-D7AC4E0EB5A2}"/>
+              </a:ext>
+            </a:extLst>
+          </p:cNvPr>
+          <p:cNvSpPr>
+            <a:spLocks noGrp="1"/>
+          </p:cNvSpPr>
+          <p:nvPr>
+            <p:ph idx="1"/>
+          </p:nvPr>
+        </p:nvSpPr>
+        <p:spPr/>
+        <p:txBody>
+          <a:bodyPr>
+            <a:normAutofit/>
+          </a:bodyPr>
+          <a:lstStyle/>
+          <a:p>
+            <a:pPr marL="0" indent="0" algn="ctr">
+              <a:buNone/>
+            </a:pPr>
+            <a:r>
+              <a:rPr lang="es-ES" sz="2800" i="1" dirty="0">
+                <a:solidFill>
+                  <a:schemeClr val="accent6">
+                    <a:lumMod val="75000"/>
+                  </a:schemeClr>
+                </a:solidFill>
+                <a:effectLst>
+                  <a:outerShdw blurRad="38100" dist="38100" dir="2700000" algn="tl">
+                    <a:srgbClr val="000000">
+                      <a:alpha val="43137"/>
+                    </a:srgbClr>
+                  </a:outerShdw>
+                </a:effectLst>
+              </a:rPr>
+              <a:t>CONTROL DE COMUNICACIÓN Y ASIGNACIÓN DE RESPONSABILIDADES </a:t>
+            </a:r>
+          </a:p>
+          <a:p>
+            <a:r>
+              <a:rPr lang="en-US" sz="2800" b="1" dirty="0">
+                <a:solidFill>
+                  <a:schemeClr val="accent6"/>
+                </a:solidFill>
+              </a:rPr>
+              <a:t>Command</a:t>
+            </a:r>
+            <a:r>
+              <a:rPr lang="es-ES" sz="2800" b="1" dirty="0">
+                <a:solidFill>
+                  <a:schemeClr val="accent6"/>
+                </a:solidFill>
+              </a:rPr>
+              <a:t>: </a:t>
+            </a:r>
+            <a:r>
+              <a:rPr lang="es-ES" sz="2000" dirty="0"/>
+              <a:t>lleva la definición de acciones de métodos a clases incrementando su versatilidad</a:t>
+            </a:r>
+          </a:p>
+          <a:p>
+            <a:r>
+              <a:rPr lang="en-US" sz="2800" b="1" dirty="0">
+                <a:solidFill>
+                  <a:schemeClr val="accent6"/>
+                </a:solidFill>
+              </a:rPr>
+              <a:t>Observer</a:t>
+            </a:r>
+            <a:r>
+              <a:rPr lang="es-ES" sz="2800" b="1" dirty="0">
+                <a:solidFill>
+                  <a:schemeClr val="accent6"/>
+                </a:solidFill>
+              </a:rPr>
+              <a:t>: </a:t>
+            </a:r>
+            <a:r>
+              <a:rPr lang="es-ES" sz="2000" dirty="0"/>
+              <a:t>desacopla emisores y procesadores de eventos notificando cambios a suscriptores.</a:t>
+            </a:r>
+          </a:p>
+          <a:p>
+            <a:r>
+              <a:rPr lang="en-US" sz="2800" b="1" dirty="0">
+                <a:solidFill>
+                  <a:schemeClr val="accent6"/>
+                </a:solidFill>
+              </a:rPr>
+              <a:t>Strategy</a:t>
+            </a:r>
+            <a:r>
+              <a:rPr lang="es-ES" sz="2800" b="1" dirty="0">
+                <a:solidFill>
+                  <a:schemeClr val="accent6"/>
+                </a:solidFill>
+              </a:rPr>
+              <a:t>: </a:t>
+            </a:r>
+            <a:r>
+              <a:rPr lang="es-ES" sz="2000" dirty="0"/>
+              <a:t> escoge el algoritmo según las circunstancias de ejecución</a:t>
+            </a:r>
+          </a:p>
+          <a:p>
+            <a:r>
+              <a:rPr lang="en-US" sz="2800" b="1" dirty="0">
+                <a:solidFill>
+                  <a:schemeClr val="accent6"/>
+                </a:solidFill>
+              </a:rPr>
+              <a:t>Template</a:t>
+            </a:r>
+            <a:r>
+              <a:rPr lang="es-ES" sz="2800" b="1" dirty="0">
+                <a:solidFill>
+                  <a:schemeClr val="accent6"/>
+                </a:solidFill>
+              </a:rPr>
+              <a:t>: </a:t>
+            </a:r>
+            <a:r>
+              <a:rPr lang="es-ES" sz="2000" dirty="0"/>
+              <a:t>asegura un algoritmo común permitiendo variaciones.</a:t>
+            </a:r>
+            <a:endParaRPr lang="en-US" sz="2000" dirty="0"/>
+          </a:p>
+          <a:p>
+            <a:endParaRPr lang="en-US" dirty="0"/>
+          </a:p>
+          <a:p>
+            <a:endParaRPr lang="en-US" dirty="0"/>
+          </a:p>
+        </p:txBody>
+      </p:sp>
+    </p:spTree>
+    <p:extLst>
+      <p:ext uri="{BB962C8B-B14F-4D97-AF65-F5344CB8AC3E}">
+        <p14:creationId xmlns:p14="http://schemas.microsoft.com/office/powerpoint/2010/main" val="3065833379"/>
+      </p:ext>
+    </p:extLst>
+  </p:cSld>
+  <p:clrMapOvr>
+    <a:masterClrMapping/>
+  </p:clrMapOvr>
+</p:sld>
+</file>
+
+<file path=ppt/slides/slide2.xml><?xml version="1.0" encoding="utf-8"?>
+<p:sld xmlns:a="http://schemas.openxmlformats.org/drawingml/2006/main" xmlns:r="http://schemas.openxmlformats.org/officeDocument/2006/relationships" xmlns:p="http://schemas.openxmlformats.org/presentationml/2006/main">
+  <p:cSld>
+    <p:spTree>
+      <p:nvGrpSpPr>
+        <p:cNvPr id="1" name=""/>
+        <p:cNvGrpSpPr/>
+        <p:nvPr/>
+      </p:nvGrpSpPr>
+      <p:grpSpPr>
+        <a:xfrm>
+          <a:off x="0" y="0"/>
+          <a:ext cx="0" cy="0"/>
+          <a:chOff x="0" y="0"/>
+          <a:chExt cx="0" cy="0"/>
+        </a:xfrm>
+      </p:grpSpPr>
+      <p:sp>
+        <p:nvSpPr>
+          <p:cNvPr id="2" name="Título 1">
+            <a:extLst>
+              <a:ext uri="{FF2B5EF4-FFF2-40B4-BE49-F238E27FC236}">
+                <a16:creationId xmlns:a16="http://schemas.microsoft.com/office/drawing/2014/main" id="{E915EC7A-96CD-4841-A223-DB3C3CADA4E2}"/>
+              </a:ext>
+            </a:extLst>
+          </p:cNvPr>
+          <p:cNvSpPr>
+            <a:spLocks noGrp="1"/>
+          </p:cNvSpPr>
+          <p:nvPr>
+            <p:ph type="title"/>
+          </p:nvPr>
+        </p:nvSpPr>
+        <p:spPr/>
+        <p:txBody>
+          <a:bodyPr/>
+          <a:lstStyle/>
+          <a:p>
+            <a:r>
+              <a:rPr lang="es-ES"/>
+              <a:t>Contenido</a:t>
+            </a:r>
+            <a:endParaRPr lang="en-US" dirty="0"/>
+          </a:p>
+        </p:txBody>
+      </p:sp>
+      <p:sp>
+        <p:nvSpPr>
+          <p:cNvPr id="3" name="Marcador de contenido 2">
+            <a:extLst>
+              <a:ext uri="{FF2B5EF4-FFF2-40B4-BE49-F238E27FC236}">
+                <a16:creationId xmlns:a16="http://schemas.microsoft.com/office/drawing/2014/main" id="{93985A8F-EEBD-4F26-A12F-EC42A8D6C6CA}"/>
+              </a:ext>
+            </a:extLst>
+          </p:cNvPr>
+          <p:cNvSpPr>
+            <a:spLocks noGrp="1"/>
+          </p:cNvSpPr>
+          <p:nvPr>
+            <p:ph idx="1"/>
+          </p:nvPr>
+        </p:nvSpPr>
+        <p:spPr/>
+        <p:txBody>
+          <a:bodyPr>
+            <a:normAutofit/>
+          </a:bodyPr>
+          <a:lstStyle/>
+          <a:p>
+            <a:pPr marL="0" indent="0">
+              <a:buNone/>
+            </a:pPr>
+            <a:r>
+              <a:rPr lang="es-ES" sz="5400" b="0" dirty="0">
+                <a:effectLst/>
+              </a:rPr>
+              <a:t>1️⃣</a:t>
+            </a:r>
+            <a:r>
+              <a:rPr lang="en-US" sz="5400" b="0" dirty="0">
+                <a:effectLst/>
+              </a:rPr>
+              <a:t> Principles of Software Design</a:t>
+            </a:r>
+          </a:p>
+          <a:p>
+            <a:pPr marL="0" indent="0">
+              <a:buNone/>
+            </a:pPr>
+            <a:endParaRPr lang="en-US" sz="5400" b="0" dirty="0">
+              <a:effectLst/>
+            </a:endParaRPr>
+          </a:p>
+          <a:p>
+            <a:pPr marL="0" indent="0">
+              <a:buNone/>
+            </a:pPr>
+            <a:r>
+              <a:rPr lang="es-ES" sz="5400" dirty="0"/>
+              <a:t>2️⃣</a:t>
+            </a:r>
+            <a:r>
+              <a:rPr lang="en-US" sz="5400" b="0" dirty="0">
+                <a:effectLst/>
+              </a:rPr>
+              <a:t> SOLID Principles</a:t>
+            </a:r>
+          </a:p>
+          <a:p>
+            <a:pPr marL="0" indent="0">
+              <a:buNone/>
+            </a:pPr>
+            <a:endParaRPr lang="en-US" sz="5400" b="0" dirty="0">
+              <a:effectLst/>
+            </a:endParaRPr>
+          </a:p>
+          <a:p>
+            <a:pPr marL="0" indent="0">
+              <a:buNone/>
+            </a:pPr>
+            <a:r>
+              <a:rPr lang="es-ES" sz="5400" b="0" dirty="0">
+                <a:effectLst/>
+              </a:rPr>
+              <a:t>3️⃣ </a:t>
+            </a:r>
+            <a:r>
+              <a:rPr lang="en-US" sz="5400" b="0" dirty="0">
+                <a:effectLst/>
+              </a:rPr>
+              <a:t>Design Patterns</a:t>
+            </a:r>
+            <a:endParaRPr lang="en-US" sz="4000" dirty="0"/>
+          </a:p>
+        </p:txBody>
+      </p:sp>
+    </p:spTree>
+    <p:extLst>
+      <p:ext uri="{BB962C8B-B14F-4D97-AF65-F5344CB8AC3E}">
+        <p14:creationId xmlns:p14="http://schemas.microsoft.com/office/powerpoint/2010/main" val="3690264303"/>
+      </p:ext>
+    </p:extLst>
+  </p:cSld>
+  <p:clrMapOvr>
+    <a:masterClrMapping/>
+  </p:clrMapOvr>
+</p:sld>
+</file>
+
+<file path=ppt/slides/slide3.xml><?xml version="1.0" encoding="utf-8"?>
+<p:sld xmlns:a="http://schemas.openxmlformats.org/drawingml/2006/main" xmlns:r="http://schemas.openxmlformats.org/officeDocument/2006/relationships" xmlns:p="http://schemas.openxmlformats.org/presentationml/2006/main">
+  <p:cSld>
+    <p:spTree>
+      <p:nvGrpSpPr>
+        <p:cNvPr id="1" name=""/>
+        <p:cNvGrpSpPr/>
+        <p:nvPr/>
+      </p:nvGrpSpPr>
+      <p:grpSpPr>
+        <a:xfrm>
+          <a:off x="0" y="0"/>
+          <a:ext cx="0" cy="0"/>
+          <a:chOff x="0" y="0"/>
+          <a:chExt cx="0" cy="0"/>
+        </a:xfrm>
+      </p:grpSpPr>
+      <p:sp>
+        <p:nvSpPr>
+          <p:cNvPr id="2" name="Título 1">
+            <a:extLst>
+              <a:ext uri="{FF2B5EF4-FFF2-40B4-BE49-F238E27FC236}">
+                <a16:creationId xmlns:a16="http://schemas.microsoft.com/office/drawing/2014/main" id="{B8EB46F8-D93A-4B4E-A0A4-BE548C6DC2D7}"/>
+              </a:ext>
+            </a:extLst>
+          </p:cNvPr>
+          <p:cNvSpPr>
+            <a:spLocks noGrp="1"/>
+          </p:cNvSpPr>
+          <p:nvPr>
+            <p:ph type="title"/>
+          </p:nvPr>
+        </p:nvSpPr>
+        <p:spPr/>
+        <p:txBody>
+          <a:bodyPr/>
+          <a:lstStyle/>
+          <a:p>
+            <a:r>
+              <a:rPr lang="es-ES" dirty="0"/>
+              <a:t>📜</a:t>
+            </a:r>
+            <a:r>
+              <a:rPr lang="en-US" sz="4400" b="0" dirty="0">
+                <a:effectLst/>
+              </a:rPr>
+              <a:t> </a:t>
+            </a:r>
+            <a:r>
+              <a:rPr lang="en-US" dirty="0"/>
+              <a:t>YAGNI, KISS, DRY</a:t>
+            </a:r>
+          </a:p>
+        </p:txBody>
+      </p:sp>
+      <p:pic>
+        <p:nvPicPr>
+          <p:cNvPr id="5" name="Marcador de contenido 4" descr="Escala de tiempo&#10;&#10;Descripción generada automáticamente">
+            <a:extLst>
+              <a:ext uri="{FF2B5EF4-FFF2-40B4-BE49-F238E27FC236}">
+                <a16:creationId xmlns:a16="http://schemas.microsoft.com/office/drawing/2014/main" id="{C3553D0C-4CE5-4A7C-94B0-D065FCE48C03}"/>
+              </a:ext>
+            </a:extLst>
+          </p:cNvPr>
+          <p:cNvPicPr>
+            <a:picLocks noGrp="1" noChangeAspect="1"/>
+          </p:cNvPicPr>
+          <p:nvPr>
+            <p:ph idx="1"/>
+          </p:nvPr>
+        </p:nvPicPr>
+        <p:blipFill>
+          <a:blip r:embed="rId2">
+            <a:extLst>
+              <a:ext uri="{28A0092B-C50C-407E-A947-70E740481C1C}">
+                <a14:useLocalDpi xmlns:a14="http://schemas.microsoft.com/office/drawing/2010/main" val="0"/>
+              </a:ext>
+            </a:extLst>
+          </a:blip>
+          <a:stretch>
+            <a:fillRect/>
+          </a:stretch>
+        </p:blipFill>
+        <p:spPr>
+          <a:xfrm>
+            <a:off x="1827389" y="1690688"/>
+            <a:ext cx="8537221" cy="4802187"/>
+          </a:xfrm>
+        </p:spPr>
+      </p:pic>
+    </p:spTree>
+    <p:extLst>
+      <p:ext uri="{BB962C8B-B14F-4D97-AF65-F5344CB8AC3E}">
+        <p14:creationId xmlns:p14="http://schemas.microsoft.com/office/powerpoint/2010/main" val="3264676004"/>
+      </p:ext>
+    </p:extLst>
+  </p:cSld>
+  <p:clrMapOvr>
+    <a:masterClrMapping/>
+  </p:clrMapOvr>
+</p:sld>
+</file>
+
+<file path=ppt/slides/slide4.xml><?xml version="1.0" encoding="utf-8"?>
+<p:sld xmlns:a="http://schemas.openxmlformats.org/drawingml/2006/main" xmlns:r="http://schemas.openxmlformats.org/officeDocument/2006/relationships" xmlns:p="http://schemas.openxmlformats.org/presentationml/2006/main">
+  <p:cSld>
+    <p:spTree>
+      <p:nvGrpSpPr>
+        <p:cNvPr id="1" name=""/>
+        <p:cNvGrpSpPr/>
+        <p:nvPr/>
+      </p:nvGrpSpPr>
+      <p:grpSpPr>
+        <a:xfrm>
+          <a:off x="0" y="0"/>
+          <a:ext cx="0" cy="0"/>
+          <a:chOff x="0" y="0"/>
+          <a:chExt cx="0" cy="0"/>
+        </a:xfrm>
+      </p:grpSpPr>
+      <p:sp>
+        <p:nvSpPr>
+          <p:cNvPr id="2" name="Título 1">
+            <a:extLst>
+              <a:ext uri="{FF2B5EF4-FFF2-40B4-BE49-F238E27FC236}">
+                <a16:creationId xmlns:a16="http://schemas.microsoft.com/office/drawing/2014/main" id="{90820D56-DDE2-49C7-A70C-AF71CC9C1A7E}"/>
+              </a:ext>
+            </a:extLst>
+          </p:cNvPr>
+          <p:cNvSpPr>
+            <a:spLocks noGrp="1"/>
+          </p:cNvSpPr>
+          <p:nvPr>
+            <p:ph type="title"/>
+          </p:nvPr>
+        </p:nvSpPr>
+        <p:spPr/>
+        <p:txBody>
+          <a:bodyPr/>
+          <a:lstStyle/>
+          <a:p>
+            <a:r>
+              <a:rPr lang="es-ES" dirty="0"/>
+              <a:t>🚧</a:t>
+            </a:r>
+            <a:r>
+              <a:rPr lang="en-US" dirty="0"/>
+              <a:t> Obstacles for change</a:t>
+            </a:r>
+          </a:p>
+        </p:txBody>
+      </p:sp>
+      <p:sp>
+        <p:nvSpPr>
+          <p:cNvPr id="3" name="Marcador de contenido 2">
+            <a:extLst>
+              <a:ext uri="{FF2B5EF4-FFF2-40B4-BE49-F238E27FC236}">
+                <a16:creationId xmlns:a16="http://schemas.microsoft.com/office/drawing/2014/main" id="{9B8D6381-DDB1-4662-B8FA-EA4FA74DADB4}"/>
+              </a:ext>
+            </a:extLst>
+          </p:cNvPr>
+          <p:cNvSpPr>
+            <a:spLocks noGrp="1"/>
+          </p:cNvSpPr>
+          <p:nvPr>
+            <p:ph idx="1"/>
+          </p:nvPr>
+        </p:nvSpPr>
+        <p:spPr/>
+        <p:txBody>
+          <a:bodyPr/>
+          <a:lstStyle/>
+          <a:p>
+            <a:pPr marL="0" indent="0">
+              <a:buNone/>
+            </a:pPr>
+            <a:r>
+              <a:rPr lang="es-ES" sz="3600" b="1" dirty="0"/>
+              <a:t>🧱 Rigidez</a:t>
+            </a:r>
+            <a:r>
+              <a:rPr lang="es-ES" sz="3600" dirty="0"/>
+              <a:t> </a:t>
+            </a:r>
+          </a:p>
+          <a:p>
+            <a:pPr marL="457200" lvl="1" indent="0">
+              <a:buNone/>
+            </a:pPr>
+            <a:r>
+              <a:rPr lang="es-ES" dirty="0"/>
+              <a:t>Un cambio afecta a muchas partes. Al cambiar un objeto hay que cambiar otros muchos.</a:t>
+            </a:r>
+          </a:p>
+          <a:p>
+            <a:pPr marL="0" indent="0">
+              <a:buNone/>
+            </a:pPr>
+            <a:r>
+              <a:rPr lang="es-ES" sz="3600" b="1" dirty="0"/>
+              <a:t>🥛 Fragilidad</a:t>
+            </a:r>
+            <a:r>
+              <a:rPr lang="es-ES" sz="3600" dirty="0"/>
+              <a:t> </a:t>
+            </a:r>
+          </a:p>
+          <a:p>
+            <a:pPr marL="457200" lvl="1" indent="0">
+              <a:buNone/>
+            </a:pPr>
+            <a:r>
+              <a:rPr lang="es-ES" dirty="0"/>
+              <a:t>Los errores saltan en lugares inesperados. Los cambios en un objeto tienen efectos en otros muchos.</a:t>
+            </a:r>
+          </a:p>
+          <a:p>
+            <a:pPr marL="0" indent="0">
+              <a:buNone/>
+            </a:pPr>
+            <a:r>
+              <a:rPr lang="es-ES" sz="3600" b="1" dirty="0"/>
+              <a:t>🗿 Inmovilidad</a:t>
+            </a:r>
+          </a:p>
+          <a:p>
+            <a:pPr marL="457200" lvl="1" indent="0">
+              <a:buNone/>
+            </a:pPr>
+            <a:r>
+              <a:rPr lang="es-ES" dirty="0"/>
+              <a:t>No se puede reutilizar el código fuera de su entorno. Los cambios en un objeto dependen de otros muchos.</a:t>
+            </a:r>
+          </a:p>
+          <a:p>
+            <a:endParaRPr lang="en-US" dirty="0"/>
+          </a:p>
+        </p:txBody>
+      </p:sp>
+    </p:spTree>
+    <p:extLst>
+      <p:ext uri="{BB962C8B-B14F-4D97-AF65-F5344CB8AC3E}">
+        <p14:creationId xmlns:p14="http://schemas.microsoft.com/office/powerpoint/2010/main" val="2677691822"/>
+      </p:ext>
+    </p:extLst>
+  </p:cSld>
+  <p:clrMapOvr>
+    <a:masterClrMapping/>
+  </p:clrMapOvr>
+</p:sld>
+</file>
+
+<file path=ppt/slides/slide5.xml><?xml version="1.0" encoding="utf-8"?>
+<p:sld xmlns:a="http://schemas.openxmlformats.org/drawingml/2006/main" xmlns:r="http://schemas.openxmlformats.org/officeDocument/2006/relationships" xmlns:p="http://schemas.openxmlformats.org/presentationml/2006/main">
+  <p:cSld>
+    <p:spTree>
+      <p:nvGrpSpPr>
+        <p:cNvPr id="1" name=""/>
+        <p:cNvGrpSpPr/>
+        <p:nvPr/>
+      </p:nvGrpSpPr>
+      <p:grpSpPr>
+        <a:xfrm>
+          <a:off x="0" y="0"/>
+          <a:ext cx="0" cy="0"/>
+          <a:chOff x="0" y="0"/>
+          <a:chExt cx="0" cy="0"/>
+        </a:xfrm>
+      </p:grpSpPr>
+      <p:sp>
+        <p:nvSpPr>
+          <p:cNvPr id="2" name="Título 1">
+            <a:extLst>
+              <a:ext uri="{FF2B5EF4-FFF2-40B4-BE49-F238E27FC236}">
+                <a16:creationId xmlns:a16="http://schemas.microsoft.com/office/drawing/2014/main" id="{7CD961DA-FFF5-43E1-9740-C17D028F9FD7}"/>
+              </a:ext>
+            </a:extLst>
+          </p:cNvPr>
+          <p:cNvSpPr>
+            <a:spLocks noGrp="1"/>
+          </p:cNvSpPr>
+          <p:nvPr>
+            <p:ph type="title"/>
+          </p:nvPr>
+        </p:nvSpPr>
+        <p:spPr/>
+        <p:txBody>
+          <a:bodyPr/>
+          <a:lstStyle/>
+          <a:p>
+            <a:r>
+              <a:rPr lang="es-ES" dirty="0"/>
+              <a:t>📊</a:t>
+            </a:r>
+            <a:r>
+              <a:rPr lang="en-US" dirty="0"/>
+              <a:t> Metrics, Preventers and Facilitators</a:t>
+            </a:r>
+          </a:p>
+        </p:txBody>
+      </p:sp>
+      <p:sp>
+        <p:nvSpPr>
+          <p:cNvPr id="4" name="Marcador de contenido 3">
+            <a:extLst>
+              <a:ext uri="{FF2B5EF4-FFF2-40B4-BE49-F238E27FC236}">
+                <a16:creationId xmlns:a16="http://schemas.microsoft.com/office/drawing/2014/main" id="{3726D3F8-0308-4886-81B6-D91FFABAFDFE}"/>
+              </a:ext>
+            </a:extLst>
+          </p:cNvPr>
+          <p:cNvSpPr>
+            <a:spLocks noGrp="1"/>
+          </p:cNvSpPr>
+          <p:nvPr>
+            <p:ph idx="1"/>
+          </p:nvPr>
+        </p:nvSpPr>
+        <p:spPr/>
+        <p:txBody>
+          <a:bodyPr>
+            <a:normAutofit lnSpcReduction="10000"/>
+          </a:bodyPr>
+          <a:lstStyle/>
+          <a:p>
+            <a:r>
+              <a:rPr lang="es-ES" sz="4400" dirty="0"/>
+              <a:t>😈</a:t>
+            </a:r>
+            <a:r>
+              <a:rPr lang="es-ES" sz="4800" dirty="0"/>
+              <a:t> </a:t>
+            </a:r>
+            <a:r>
+              <a:rPr lang="es-ES" sz="4400" dirty="0"/>
+              <a:t>El </a:t>
+            </a:r>
+            <a:r>
+              <a:rPr lang="es-ES" sz="4400" b="1" dirty="0"/>
+              <a:t>acoplamiento</a:t>
+            </a:r>
+            <a:r>
+              <a:rPr lang="es-ES" sz="4400" dirty="0"/>
+              <a:t> </a:t>
+            </a:r>
+          </a:p>
+          <a:p>
+            <a:pPr marL="0" indent="0">
+              <a:buNone/>
+            </a:pPr>
+            <a:endParaRPr lang="es-ES" sz="4400" dirty="0"/>
+          </a:p>
+          <a:p>
+            <a:pPr lvl="1"/>
+            <a:r>
+              <a:rPr lang="es-ES" sz="4000" dirty="0"/>
+              <a:t>es el principal enemigo del cambio</a:t>
+            </a:r>
+            <a:endParaRPr lang="es-ES" sz="3600" dirty="0"/>
+          </a:p>
+          <a:p>
+            <a:endParaRPr lang="es-ES" sz="4000" dirty="0"/>
+          </a:p>
+          <a:p>
+            <a:pPr lvl="1"/>
+            <a:r>
+              <a:rPr lang="es-ES" sz="4000" dirty="0"/>
+              <a:t>Se puede </a:t>
+            </a:r>
+            <a:r>
+              <a:rPr lang="es-ES" sz="4000" b="1" dirty="0"/>
+              <a:t>medir</a:t>
+            </a:r>
+          </a:p>
+          <a:p>
+            <a:pPr lvl="1"/>
+            <a:r>
+              <a:rPr lang="es-ES" sz="4000" dirty="0"/>
+              <a:t>Se puede </a:t>
+            </a:r>
+            <a:r>
+              <a:rPr lang="es-ES" sz="4000" b="1" dirty="0"/>
+              <a:t>evitar</a:t>
+            </a:r>
+          </a:p>
+          <a:p>
+            <a:pPr lvl="1"/>
+            <a:r>
+              <a:rPr lang="es-ES" sz="4000" dirty="0"/>
+              <a:t>Se puede </a:t>
+            </a:r>
+            <a:r>
+              <a:rPr lang="es-ES" sz="4000" b="1" dirty="0"/>
+              <a:t>limpiar</a:t>
+            </a:r>
+            <a:endParaRPr lang="en-US" sz="4000" b="1" dirty="0"/>
+          </a:p>
+        </p:txBody>
+      </p:sp>
+    </p:spTree>
+    <p:extLst>
+      <p:ext uri="{BB962C8B-B14F-4D97-AF65-F5344CB8AC3E}">
+        <p14:creationId xmlns:p14="http://schemas.microsoft.com/office/powerpoint/2010/main" val="2404695342"/>
+      </p:ext>
+    </p:extLst>
+  </p:cSld>
+  <p:clrMapOvr>
+    <a:masterClrMapping/>
+  </p:clrMapOvr>
+</p:sld>
+</file>
+
+<file path=ppt/slides/slide6.xml><?xml version="1.0" encoding="utf-8"?>
+<p:sld xmlns:a="http://schemas.openxmlformats.org/drawingml/2006/main" xmlns:r="http://schemas.openxmlformats.org/officeDocument/2006/relationships" xmlns:p="http://schemas.openxmlformats.org/presentationml/2006/main">
+  <p:cSld>
+    <p:spTree>
+      <p:nvGrpSpPr>
+        <p:cNvPr id="1" name=""/>
+        <p:cNvGrpSpPr/>
+        <p:nvPr/>
+      </p:nvGrpSpPr>
+      <p:grpSpPr>
+        <a:xfrm>
+          <a:off x="0" y="0"/>
+          <a:ext cx="0" cy="0"/>
+          <a:chOff x="0" y="0"/>
+          <a:chExt cx="0" cy="0"/>
+        </a:xfrm>
+      </p:grpSpPr>
+      <p:sp>
+        <p:nvSpPr>
+          <p:cNvPr id="2" name="Título 1">
+            <a:extLst>
+              <a:ext uri="{FF2B5EF4-FFF2-40B4-BE49-F238E27FC236}">
+                <a16:creationId xmlns:a16="http://schemas.microsoft.com/office/drawing/2014/main" id="{8E4C36A0-44FE-4B98-AA0D-BC1737314511}"/>
+              </a:ext>
+            </a:extLst>
+          </p:cNvPr>
+          <p:cNvSpPr>
+            <a:spLocks noGrp="1"/>
+          </p:cNvSpPr>
+          <p:nvPr>
+            <p:ph type="title"/>
+          </p:nvPr>
+        </p:nvSpPr>
+        <p:spPr>
+          <a:xfrm>
+            <a:off x="838200" y="365125"/>
+            <a:ext cx="10515600" cy="1325563"/>
+          </a:xfrm>
+        </p:spPr>
+        <p:txBody>
+          <a:bodyPr/>
+          <a:lstStyle/>
+          <a:p>
+            <a:r>
+              <a:rPr lang="es-ES" dirty="0"/>
+              <a:t>📉 Reduce métricas de acoplamiento</a:t>
+            </a:r>
+            <a:endParaRPr lang="en-US" dirty="0"/>
+          </a:p>
+        </p:txBody>
+      </p:sp>
+      <p:sp>
+        <p:nvSpPr>
+          <p:cNvPr id="3" name="Marcador de contenido 2">
+            <a:extLst>
+              <a:ext uri="{FF2B5EF4-FFF2-40B4-BE49-F238E27FC236}">
+                <a16:creationId xmlns:a16="http://schemas.microsoft.com/office/drawing/2014/main" id="{4B4A4800-61C7-44CE-8D6B-D96585FB8A29}"/>
+              </a:ext>
+            </a:extLst>
+          </p:cNvPr>
+          <p:cNvSpPr>
+            <a:spLocks noGrp="1"/>
+          </p:cNvSpPr>
+          <p:nvPr>
+            <p:ph idx="1"/>
+          </p:nvPr>
+        </p:nvSpPr>
+        <p:spPr>
+          <a:xfrm>
+            <a:off x="838199" y="1825624"/>
+            <a:ext cx="10635867" cy="4850597"/>
+          </a:xfrm>
+        </p:spPr>
+        <p:txBody>
+          <a:bodyPr>
+            <a:normAutofit fontScale="92500" lnSpcReduction="10000"/>
+          </a:bodyPr>
+          <a:lstStyle/>
+          <a:p>
+            <a:pPr marL="0" indent="0">
+              <a:buNone/>
+            </a:pPr>
+            <a:r>
+              <a:rPr lang="es-ES" sz="3200" b="1" dirty="0"/>
+              <a:t>Eferente ➡️</a:t>
+            </a:r>
+            <a:endParaRPr lang="es-ES" b="1" dirty="0"/>
+          </a:p>
+          <a:p>
+            <a:pPr marL="457200" lvl="1" indent="0">
+              <a:buNone/>
+            </a:pPr>
+            <a:r>
+              <a:rPr lang="es-ES" sz="2800" dirty="0"/>
+              <a:t>¿Cuántas dependencias uso?</a:t>
+            </a:r>
+          </a:p>
+          <a:p>
+            <a:pPr marL="457200" lvl="1" indent="0">
+              <a:buNone/>
+            </a:pPr>
+            <a:endParaRPr lang="es-ES" sz="2800" dirty="0"/>
+          </a:p>
+          <a:p>
+            <a:pPr marL="0" indent="0">
+              <a:buNone/>
+            </a:pPr>
+            <a:r>
+              <a:rPr lang="es-ES" sz="3200" b="1" dirty="0"/>
+              <a:t>➡️ Aferente</a:t>
+            </a:r>
+          </a:p>
+          <a:p>
+            <a:pPr marL="457200" lvl="1" indent="0">
+              <a:buNone/>
+            </a:pPr>
+            <a:r>
+              <a:rPr lang="es-ES" sz="2800" dirty="0"/>
+              <a:t>¿Cuántos dependientes me usan?</a:t>
+            </a:r>
+          </a:p>
+          <a:p>
+            <a:pPr marL="457200" lvl="1" indent="0">
+              <a:buNone/>
+            </a:pPr>
+            <a:endParaRPr lang="es-ES" sz="2800" dirty="0"/>
+          </a:p>
+          <a:p>
+            <a:pPr marL="0" indent="0">
+              <a:buNone/>
+            </a:pPr>
+            <a:r>
+              <a:rPr lang="es-ES" sz="3200" b="1" dirty="0"/>
+              <a:t>🎪 Exposición</a:t>
+            </a:r>
+          </a:p>
+          <a:p>
+            <a:pPr marL="457200" lvl="1" indent="0">
+              <a:buNone/>
+            </a:pPr>
+            <a:r>
+              <a:rPr lang="es-ES" sz="2800" dirty="0"/>
+              <a:t>¿Cuántas funcionalidades usan?</a:t>
+            </a:r>
+          </a:p>
+          <a:p>
+            <a:pPr marL="457200" lvl="1" indent="0">
+              <a:buNone/>
+            </a:pPr>
+            <a:endParaRPr lang="es-ES" sz="2800" dirty="0"/>
+          </a:p>
+          <a:p>
+            <a:pPr marL="0" indent="0">
+              <a:buNone/>
+            </a:pPr>
+            <a:r>
+              <a:rPr lang="es-ES" sz="3200" b="1" dirty="0"/>
+              <a:t>🐋 Tamaño</a:t>
+            </a:r>
+          </a:p>
+          <a:p>
+            <a:pPr marL="457200" lvl="1" indent="0">
+              <a:buNone/>
+            </a:pPr>
+            <a:r>
+              <a:rPr lang="es-ES" sz="2800" dirty="0"/>
+              <a:t>¿Cuántas instrucciones tengo?</a:t>
+            </a:r>
+          </a:p>
+        </p:txBody>
+      </p:sp>
+    </p:spTree>
+    <p:extLst>
+      <p:ext uri="{BB962C8B-B14F-4D97-AF65-F5344CB8AC3E}">
+        <p14:creationId xmlns:p14="http://schemas.microsoft.com/office/powerpoint/2010/main" val="3124628474"/>
+      </p:ext>
+    </p:extLst>
+  </p:cSld>
+  <p:clrMapOvr>
+    <a:masterClrMapping/>
+  </p:clrMapOvr>
+</p:sld>
+</file>
+
+<file path=ppt/slides/slide7.xml><?xml version="1.0" encoding="utf-8"?>
+<p:sld xmlns:a="http://schemas.openxmlformats.org/drawingml/2006/main" xmlns:r="http://schemas.openxmlformats.org/officeDocument/2006/relationships" xmlns:p="http://schemas.openxmlformats.org/presentationml/2006/main">
+  <p:cSld>
+    <p:spTree>
+      <p:nvGrpSpPr>
+        <p:cNvPr id="1" name=""/>
+        <p:cNvGrpSpPr/>
+        <p:nvPr/>
+      </p:nvGrpSpPr>
+      <p:grpSpPr>
+        <a:xfrm>
+          <a:off x="0" y="0"/>
+          <a:ext cx="0" cy="0"/>
+          <a:chOff x="0" y="0"/>
+          <a:chExt cx="0" cy="0"/>
+        </a:xfrm>
+      </p:grpSpPr>
+      <p:sp>
+        <p:nvSpPr>
+          <p:cNvPr id="2" name="Título 1">
+            <a:extLst>
+              <a:ext uri="{FF2B5EF4-FFF2-40B4-BE49-F238E27FC236}">
+                <a16:creationId xmlns:a16="http://schemas.microsoft.com/office/drawing/2014/main" id="{38496172-35AB-4146-8400-5091BA3B31EB}"/>
+              </a:ext>
+            </a:extLst>
+          </p:cNvPr>
+          <p:cNvSpPr>
+            <a:spLocks noGrp="1"/>
+          </p:cNvSpPr>
+          <p:nvPr>
+            <p:ph type="title"/>
+          </p:nvPr>
+        </p:nvSpPr>
+        <p:spPr>
+          <a:xfrm>
+            <a:off x="838200" y="365125"/>
+            <a:ext cx="10515600" cy="1325563"/>
+          </a:xfrm>
+        </p:spPr>
+        <p:txBody>
+          <a:bodyPr/>
+          <a:lstStyle/>
+          <a:p>
+            <a:r>
+              <a:rPr lang="es-ES" dirty="0"/>
+              <a:t>❌ </a:t>
+            </a:r>
+            <a:r>
+              <a:rPr lang="en-US" dirty="0"/>
+              <a:t>Change preventers</a:t>
+            </a:r>
+          </a:p>
+        </p:txBody>
+      </p:sp>
+      <p:sp>
+        <p:nvSpPr>
+          <p:cNvPr id="5" name="Marcador de contenido 4">
+            <a:extLst>
+              <a:ext uri="{FF2B5EF4-FFF2-40B4-BE49-F238E27FC236}">
+                <a16:creationId xmlns:a16="http://schemas.microsoft.com/office/drawing/2014/main" id="{552CF472-7691-4050-87D4-5D9928D584ED}"/>
+              </a:ext>
+            </a:extLst>
+          </p:cNvPr>
+          <p:cNvSpPr>
+            <a:spLocks noGrp="1"/>
+          </p:cNvSpPr>
+          <p:nvPr>
+            <p:ph idx="1"/>
+          </p:nvPr>
+        </p:nvSpPr>
+        <p:spPr>
+          <a:xfrm>
+            <a:off x="838200" y="1825625"/>
+            <a:ext cx="10515600" cy="4351338"/>
+          </a:xfrm>
+        </p:spPr>
+        <p:txBody>
+          <a:bodyPr>
+            <a:normAutofit lnSpcReduction="10000"/>
+          </a:bodyPr>
+          <a:lstStyle/>
+          <a:p>
+            <a:pPr lvl="1">
+              <a:buFont typeface="Calibri" panose="020F0502020204030204" pitchFamily="34" charset="0"/>
+              <a:buChar char="•"/>
+            </a:pPr>
+            <a:r>
+              <a:rPr lang="en-US" b="1" dirty="0">
+                <a:solidFill>
+                  <a:schemeClr val="accent2"/>
+                </a:solidFill>
+              </a:rPr>
+              <a:t>Feature envy</a:t>
+            </a:r>
+          </a:p>
+          <a:p>
+            <a:pPr lvl="2">
+              <a:buFont typeface="Calibri" panose="020F0502020204030204" pitchFamily="34" charset="0"/>
+              <a:buChar char="•"/>
+            </a:pPr>
+            <a:r>
+              <a:rPr lang="es-ES" dirty="0">
+                <a:solidFill>
+                  <a:schemeClr val="accent2"/>
+                </a:solidFill>
+              </a:rPr>
+              <a:t>Usa tus propiedades, (más que las de los demás)</a:t>
+            </a:r>
+          </a:p>
+          <a:p>
+            <a:pPr lvl="1">
+              <a:buFont typeface="Calibri" panose="020F0502020204030204" pitchFamily="34" charset="0"/>
+              <a:buChar char="•"/>
+            </a:pPr>
+            <a:r>
+              <a:rPr lang="en-US" b="1" dirty="0">
+                <a:solidFill>
+                  <a:schemeClr val="accent2"/>
+                </a:solidFill>
+              </a:rPr>
+              <a:t>Inappropriate Intimacy</a:t>
+            </a:r>
+          </a:p>
+          <a:p>
+            <a:pPr lvl="2">
+              <a:buFont typeface="Calibri" panose="020F0502020204030204" pitchFamily="34" charset="0"/>
+              <a:buChar char="•"/>
+            </a:pPr>
+            <a:r>
+              <a:rPr lang="es-ES" dirty="0">
+                <a:solidFill>
+                  <a:schemeClr val="accent2"/>
+                </a:solidFill>
+              </a:rPr>
+              <a:t>Reduce el conocimiento necesario para usar dependencias</a:t>
+            </a:r>
+          </a:p>
+          <a:p>
+            <a:pPr lvl="1">
+              <a:buFont typeface="Calibri" panose="020F0502020204030204" pitchFamily="34" charset="0"/>
+              <a:buChar char="•"/>
+            </a:pPr>
+            <a:r>
+              <a:rPr lang="en-US" b="1" dirty="0">
+                <a:solidFill>
+                  <a:schemeClr val="accent2"/>
+                </a:solidFill>
+              </a:rPr>
+              <a:t>Primitive obsession</a:t>
+            </a:r>
+          </a:p>
+          <a:p>
+            <a:pPr lvl="2">
+              <a:buFont typeface="Calibri" panose="020F0502020204030204" pitchFamily="34" charset="0"/>
+              <a:buChar char="•"/>
+            </a:pPr>
+            <a:r>
+              <a:rPr lang="es-ES" dirty="0">
+                <a:solidFill>
+                  <a:schemeClr val="accent2"/>
+                </a:solidFill>
+              </a:rPr>
+              <a:t>Usa estructuras o clases que aporten cohesión y reglas básicas invariantes</a:t>
+            </a:r>
+          </a:p>
+          <a:p>
+            <a:pPr lvl="1">
+              <a:buFont typeface="Calibri" panose="020F0502020204030204" pitchFamily="34" charset="0"/>
+              <a:buChar char="•"/>
+            </a:pPr>
+            <a:r>
+              <a:rPr lang="en-US" b="1" dirty="0">
+                <a:solidFill>
+                  <a:schemeClr val="accent2"/>
+                </a:solidFill>
+              </a:rPr>
+              <a:t>Divergent change</a:t>
+            </a:r>
+            <a:r>
+              <a:rPr lang="es-ES" b="1" dirty="0">
+                <a:solidFill>
+                  <a:schemeClr val="accent2"/>
+                </a:solidFill>
+              </a:rPr>
+              <a:t>.</a:t>
+            </a:r>
+          </a:p>
+          <a:p>
+            <a:pPr lvl="2">
+              <a:buFont typeface="Calibri" panose="020F0502020204030204" pitchFamily="34" charset="0"/>
+              <a:buChar char="•"/>
+            </a:pPr>
+            <a:r>
+              <a:rPr lang="es-ES" dirty="0">
+                <a:solidFill>
+                  <a:schemeClr val="accent2"/>
+                </a:solidFill>
+              </a:rPr>
+              <a:t>Una clase que se cambia por diferentes razones.</a:t>
+            </a:r>
+          </a:p>
+          <a:p>
+            <a:pPr lvl="1">
+              <a:buFont typeface="Calibri" panose="020F0502020204030204" pitchFamily="34" charset="0"/>
+              <a:buChar char="•"/>
+            </a:pPr>
+            <a:r>
+              <a:rPr lang="en-US" b="1" dirty="0">
+                <a:solidFill>
+                  <a:schemeClr val="accent2"/>
+                </a:solidFill>
+              </a:rPr>
+              <a:t>Shotgun surgery.</a:t>
+            </a:r>
+          </a:p>
+          <a:p>
+            <a:pPr lvl="2">
+              <a:buFont typeface="Calibri" panose="020F0502020204030204" pitchFamily="34" charset="0"/>
+              <a:buChar char="•"/>
+            </a:pPr>
+            <a:r>
+              <a:rPr lang="es-ES" dirty="0">
+                <a:solidFill>
+                  <a:schemeClr val="accent2"/>
+                </a:solidFill>
+              </a:rPr>
+              <a:t>Un cambio que requiere muchos cambios. Difícil encontrarlos, fácil olvidarse.</a:t>
+            </a:r>
+          </a:p>
+          <a:p>
+            <a:pPr lvl="1">
+              <a:buFont typeface="Calibri" panose="020F0502020204030204" pitchFamily="34" charset="0"/>
+              <a:buChar char="•"/>
+            </a:pPr>
+            <a:r>
+              <a:rPr lang="en-US" b="1" dirty="0">
+                <a:solidFill>
+                  <a:schemeClr val="accent2"/>
+                </a:solidFill>
+              </a:rPr>
+              <a:t>Cyclomatic complexity</a:t>
+            </a:r>
+            <a:r>
+              <a:rPr lang="es-ES" b="1" dirty="0">
+                <a:solidFill>
+                  <a:schemeClr val="accent2"/>
+                </a:solidFill>
+              </a:rPr>
+              <a:t>.</a:t>
+            </a:r>
+          </a:p>
+          <a:p>
+            <a:pPr lvl="2">
+              <a:buFont typeface="Calibri" panose="020F0502020204030204" pitchFamily="34" charset="0"/>
+              <a:buChar char="•"/>
+            </a:pPr>
+            <a:r>
+              <a:rPr lang="es-ES" dirty="0">
+                <a:solidFill>
+                  <a:schemeClr val="accent2"/>
+                </a:solidFill>
+              </a:rPr>
+              <a:t>Número de rutas únicas por anidamiento, switches y condiciones complejas</a:t>
+            </a:r>
+            <a:endParaRPr lang="en-US" dirty="0">
+              <a:solidFill>
+                <a:schemeClr val="accent2"/>
+              </a:solidFill>
+            </a:endParaRPr>
+          </a:p>
+          <a:p>
+            <a:endParaRPr lang="en-US" dirty="0"/>
+          </a:p>
+        </p:txBody>
+      </p:sp>
+    </p:spTree>
+    <p:extLst>
+      <p:ext uri="{BB962C8B-B14F-4D97-AF65-F5344CB8AC3E}">
+        <p14:creationId xmlns:p14="http://schemas.microsoft.com/office/powerpoint/2010/main" val="1807958516"/>
+      </p:ext>
+    </p:extLst>
+  </p:cSld>
+  <p:clrMapOvr>
+    <a:masterClrMapping/>
+  </p:clrMapOvr>
+</p:sld>
+</file>
+
+<file path=ppt/slides/slide8.xml><?xml version="1.0" encoding="utf-8"?>
+<p:sld xmlns:a="http://schemas.openxmlformats.org/drawingml/2006/main" xmlns:r="http://schemas.openxmlformats.org/officeDocument/2006/relationships" xmlns:p="http://schemas.openxmlformats.org/presentationml/2006/main">
+  <p:cSld>
+    <p:spTree>
+      <p:nvGrpSpPr>
+        <p:cNvPr id="1" name=""/>
+        <p:cNvGrpSpPr/>
+        <p:nvPr/>
+      </p:nvGrpSpPr>
+      <p:grpSpPr>
+        <a:xfrm>
+          <a:off x="0" y="0"/>
+          <a:ext cx="0" cy="0"/>
+          <a:chOff x="0" y="0"/>
+          <a:chExt cx="0" cy="0"/>
+        </a:xfrm>
+      </p:grpSpPr>
+      <p:sp>
+        <p:nvSpPr>
+          <p:cNvPr id="12" name="Título 11">
+            <a:extLst>
+              <a:ext uri="{FF2B5EF4-FFF2-40B4-BE49-F238E27FC236}">
+                <a16:creationId xmlns:a16="http://schemas.microsoft.com/office/drawing/2014/main" id="{C7B4DC8B-7C33-4CEF-B82A-4FD94E89F455}"/>
+              </a:ext>
+            </a:extLst>
+          </p:cNvPr>
+          <p:cNvSpPr>
+            <a:spLocks noGrp="1"/>
+          </p:cNvSpPr>
+          <p:nvPr>
+            <p:ph type="title"/>
+          </p:nvPr>
+        </p:nvSpPr>
+        <p:spPr/>
+        <p:txBody>
+          <a:bodyPr/>
+          <a:lstStyle/>
+          <a:p>
+            <a:r>
+              <a:rPr lang="en-US" dirty="0"/>
+              <a:t>✅ Change Facilitators</a:t>
+            </a:r>
+          </a:p>
+        </p:txBody>
+      </p:sp>
+      <p:sp>
+        <p:nvSpPr>
+          <p:cNvPr id="3" name="Marcador de contenido 2">
+            <a:extLst>
+              <a:ext uri="{FF2B5EF4-FFF2-40B4-BE49-F238E27FC236}">
+                <a16:creationId xmlns:a16="http://schemas.microsoft.com/office/drawing/2014/main" id="{13188BA9-ADEF-4A88-8475-3347ECDF25F1}"/>
+              </a:ext>
+            </a:extLst>
+          </p:cNvPr>
+          <p:cNvSpPr>
+            <a:spLocks noGrp="1"/>
+          </p:cNvSpPr>
+          <p:nvPr>
+            <p:ph idx="1"/>
+          </p:nvPr>
+        </p:nvSpPr>
+        <p:spPr/>
+        <p:txBody>
+          <a:bodyPr>
+            <a:normAutofit lnSpcReduction="10000"/>
+          </a:bodyPr>
+          <a:lstStyle/>
+          <a:p>
+            <a:pPr lvl="1">
+              <a:buFont typeface="Wingdings" panose="05000000000000000000" pitchFamily="2" charset="2"/>
+              <a:buChar char="ü"/>
+            </a:pPr>
+            <a:r>
+              <a:rPr lang="en-US" b="1" dirty="0">
+                <a:solidFill>
+                  <a:schemeClr val="accent6"/>
+                </a:solidFill>
+              </a:rPr>
+              <a:t>Tell don`t Ask</a:t>
+            </a:r>
+          </a:p>
+          <a:p>
+            <a:pPr lvl="2">
+              <a:buFont typeface="Wingdings" panose="05000000000000000000" pitchFamily="2" charset="2"/>
+              <a:buChar char="ü"/>
+            </a:pPr>
+            <a:r>
+              <a:rPr lang="es-ES" dirty="0">
+                <a:solidFill>
+                  <a:schemeClr val="accent6"/>
+                </a:solidFill>
+              </a:rPr>
+              <a:t>Reduce el número de llamadas para una tarea</a:t>
+            </a:r>
+          </a:p>
+          <a:p>
+            <a:pPr lvl="1">
+              <a:buFont typeface="Wingdings" panose="05000000000000000000" pitchFamily="2" charset="2"/>
+              <a:buChar char="ü"/>
+            </a:pPr>
+            <a:r>
+              <a:rPr lang="en-US" b="1" dirty="0">
+                <a:solidFill>
+                  <a:schemeClr val="accent6"/>
+                </a:solidFill>
+              </a:rPr>
+              <a:t>Law of Demeter</a:t>
+            </a:r>
+          </a:p>
+          <a:p>
+            <a:pPr lvl="2">
+              <a:buFont typeface="Wingdings" panose="05000000000000000000" pitchFamily="2" charset="2"/>
+              <a:buChar char="ü"/>
+            </a:pPr>
+            <a:r>
+              <a:rPr lang="en-US" dirty="0">
+                <a:solidFill>
+                  <a:schemeClr val="accent6"/>
+                </a:solidFill>
+              </a:rPr>
+              <a:t>Don’t talk to strangers</a:t>
+            </a:r>
+          </a:p>
+          <a:p>
+            <a:pPr lvl="1">
+              <a:buFont typeface="Wingdings" panose="05000000000000000000" pitchFamily="2" charset="2"/>
+              <a:buChar char="ü"/>
+            </a:pPr>
+            <a:r>
+              <a:rPr lang="en-US" b="1" dirty="0">
+                <a:solidFill>
+                  <a:schemeClr val="accent6"/>
+                </a:solidFill>
+              </a:rPr>
+              <a:t>Command-Query Separation</a:t>
+            </a:r>
+          </a:p>
+          <a:p>
+            <a:pPr lvl="2">
+              <a:buFont typeface="Wingdings" panose="05000000000000000000" pitchFamily="2" charset="2"/>
+              <a:buChar char="ü"/>
+            </a:pPr>
+            <a:r>
+              <a:rPr lang="es-ES" dirty="0">
+                <a:solidFill>
+                  <a:schemeClr val="accent6"/>
+                </a:solidFill>
+              </a:rPr>
+              <a:t>Cada método debe ser un comando o una consulta; pero no ambos.</a:t>
+            </a:r>
+            <a:endParaRPr lang="en-US" dirty="0">
+              <a:solidFill>
+                <a:schemeClr val="accent6"/>
+              </a:solidFill>
+            </a:endParaRPr>
+          </a:p>
+          <a:p>
+            <a:pPr lvl="1">
+              <a:buFont typeface="Wingdings" panose="05000000000000000000" pitchFamily="2" charset="2"/>
+              <a:buChar char="ü"/>
+            </a:pPr>
+            <a:r>
+              <a:rPr lang="en-US" b="1" dirty="0">
+                <a:solidFill>
+                  <a:schemeClr val="accent6"/>
+                </a:solidFill>
+              </a:rPr>
+              <a:t>P.O.L.A. Principle Of Least Astonishment.</a:t>
+            </a:r>
+          </a:p>
+          <a:p>
+            <a:pPr lvl="2">
+              <a:buFont typeface="Wingdings" panose="05000000000000000000" pitchFamily="2" charset="2"/>
+              <a:buChar char="ü"/>
+            </a:pPr>
+            <a:r>
+              <a:rPr lang="es-ES" dirty="0">
+                <a:solidFill>
+                  <a:schemeClr val="accent6"/>
+                </a:solidFill>
+              </a:rPr>
+              <a:t>Ni me sorprendas ni me hagas pensar.</a:t>
+            </a:r>
+          </a:p>
+          <a:p>
+            <a:pPr lvl="1">
+              <a:buFont typeface="Wingdings" panose="05000000000000000000" pitchFamily="2" charset="2"/>
+              <a:buChar char="ü"/>
+            </a:pPr>
+            <a:r>
+              <a:rPr lang="en-US" b="1" dirty="0">
+                <a:solidFill>
+                  <a:schemeClr val="accent6"/>
+                </a:solidFill>
+              </a:rPr>
+              <a:t>H.P. Hollywood principle.</a:t>
+            </a:r>
+          </a:p>
+          <a:p>
+            <a:pPr lvl="2">
+              <a:buFont typeface="Wingdings" panose="05000000000000000000" pitchFamily="2" charset="2"/>
+              <a:buChar char="ü"/>
+            </a:pPr>
+            <a:r>
+              <a:rPr lang="es-ES" dirty="0">
+                <a:solidFill>
+                  <a:schemeClr val="accent6"/>
+                </a:solidFill>
+              </a:rPr>
+              <a:t>No nos llames, ya te llamaremos. </a:t>
+            </a:r>
+          </a:p>
+          <a:p>
+            <a:pPr lvl="1">
+              <a:buFont typeface="Wingdings" panose="05000000000000000000" pitchFamily="2" charset="2"/>
+              <a:buChar char="ü"/>
+            </a:pPr>
+            <a:r>
+              <a:rPr lang="en-US" b="1" dirty="0">
+                <a:solidFill>
+                  <a:schemeClr val="accent6"/>
+                </a:solidFill>
+              </a:rPr>
+              <a:t>CoC Convention over configuration.</a:t>
+            </a:r>
+          </a:p>
+          <a:p>
+            <a:pPr lvl="2">
+              <a:buFont typeface="Wingdings" panose="05000000000000000000" pitchFamily="2" charset="2"/>
+              <a:buChar char="ü"/>
+            </a:pPr>
+            <a:r>
+              <a:rPr lang="es-ES" dirty="0">
+                <a:solidFill>
+                  <a:schemeClr val="accent6"/>
+                </a:solidFill>
+              </a:rPr>
+              <a:t>Establecer convenios que minimicen decisiones.</a:t>
+            </a:r>
+            <a:endParaRPr lang="en-US" dirty="0">
+              <a:solidFill>
+                <a:schemeClr val="accent6"/>
+              </a:solidFill>
+            </a:endParaRPr>
+          </a:p>
+          <a:p>
+            <a:pPr lvl="1"/>
+            <a:endParaRPr lang="en-US" dirty="0"/>
+          </a:p>
+          <a:p>
+            <a:pPr lvl="1"/>
+            <a:endParaRPr lang="en-US" dirty="0"/>
+          </a:p>
+        </p:txBody>
+      </p:sp>
+    </p:spTree>
+    <p:extLst>
+      <p:ext uri="{BB962C8B-B14F-4D97-AF65-F5344CB8AC3E}">
+        <p14:creationId xmlns:p14="http://schemas.microsoft.com/office/powerpoint/2010/main" val="668860462"/>
+      </p:ext>
+    </p:extLst>
+  </p:cSld>
+  <p:clrMapOvr>
+    <a:masterClrMapping/>
+  </p:clrMapOvr>
+</p:sld>
+</file>
+
+<file path=ppt/slides/slide9.xml><?xml version="1.0" encoding="utf-8"?>
+<p:sld xmlns:a="http://schemas.openxmlformats.org/drawingml/2006/main" xmlns:r="http://schemas.openxmlformats.org/officeDocument/2006/relationships" xmlns:p="http://schemas.openxmlformats.org/presentationml/2006/main">
+  <p:cSld>
+    <p:spTree>
+      <p:nvGrpSpPr>
+        <p:cNvPr id="1" name=""/>
+        <p:cNvGrpSpPr/>
+        <p:nvPr/>
+      </p:nvGrpSpPr>
+      <p:grpSpPr>
+        <a:xfrm>
+          <a:off x="0" y="0"/>
+          <a:ext cx="0" cy="0"/>
+          <a:chOff x="0" y="0"/>
+          <a:chExt cx="0" cy="0"/>
+        </a:xfrm>
+      </p:grpSpPr>
+      <p:sp>
+        <p:nvSpPr>
+          <p:cNvPr id="2" name="Título 1">
+            <a:extLst>
+              <a:ext uri="{FF2B5EF4-FFF2-40B4-BE49-F238E27FC236}">
                 <a16:creationId xmlns:a16="http://schemas.microsoft.com/office/drawing/2014/main" id="{20A95308-3312-46C0-BB7C-3D4EFBE04663}"/>
               </a:ext>
             </a:extLst>
@@ -3943,11 +6970,11 @@
           <a:p>
             <a:r>
               <a:rPr lang="es-ES" dirty="0"/>
-              <a:t>2️⃣</a:t>
+              <a:t>💎</a:t>
             </a:r>
             <a:r>
               <a:rPr lang="en-US" dirty="0"/>
-              <a:t>SOLID principles</a:t>
+              <a:t>S.O.L.I.D. principles</a:t>
             </a:r>
           </a:p>
         </p:txBody>
@@ -3966,8 +6993,8 @@
         </p:nvSpPr>
         <p:spPr>
           <a:xfrm>
-            <a:off x="2496000" y="1435962"/>
-            <a:ext cx="7200000" cy="3600000"/>
+            <a:off x="2236424" y="1228381"/>
+            <a:ext cx="7943162" cy="4114799"/>
           </a:xfrm>
           <a:prstGeom prst="rect">
             <a:avLst/>
@@ -4019,2974 +7046,6 @@
     <p:extLst>
       <p:ext uri="{BB962C8B-B14F-4D97-AF65-F5344CB8AC3E}">
         <p14:creationId xmlns:p14="http://schemas.microsoft.com/office/powerpoint/2010/main" val="1513462866"/>
-      </p:ext>
-    </p:extLst>
-  </p:cSld>
-  <p:clrMapOvr>
-    <a:masterClrMapping/>
-  </p:clrMapOvr>
-</p:sld>
-</file>
-
-<file path=ppt/slides/slide11.xml><?xml version="1.0" encoding="utf-8"?>
-<p:sld xmlns:a="http://schemas.openxmlformats.org/drawingml/2006/main" xmlns:r="http://schemas.openxmlformats.org/officeDocument/2006/relationships" xmlns:p="http://schemas.openxmlformats.org/presentationml/2006/main">
-  <p:cSld>
-    <p:spTree>
-      <p:nvGrpSpPr>
-        <p:cNvPr id="1" name=""/>
-        <p:cNvGrpSpPr/>
-        <p:nvPr/>
-      </p:nvGrpSpPr>
-      <p:grpSpPr>
-        <a:xfrm>
-          <a:off x="0" y="0"/>
-          <a:ext cx="0" cy="0"/>
-          <a:chOff x="0" y="0"/>
-          <a:chExt cx="0" cy="0"/>
-        </a:xfrm>
-      </p:grpSpPr>
-      <p:sp>
-        <p:nvSpPr>
-          <p:cNvPr id="2" name="Título 1">
-            <a:extLst>
-              <a:ext uri="{FF2B5EF4-FFF2-40B4-BE49-F238E27FC236}">
-                <a16:creationId xmlns:a16="http://schemas.microsoft.com/office/drawing/2014/main" id="{933D9BEA-AD0C-4816-80E7-C2B1E41628ED}"/>
-              </a:ext>
-            </a:extLst>
-          </p:cNvPr>
-          <p:cNvSpPr>
-            <a:spLocks noGrp="1"/>
-          </p:cNvSpPr>
-          <p:nvPr>
-            <p:ph type="title"/>
-          </p:nvPr>
-        </p:nvSpPr>
-        <p:spPr/>
-        <p:txBody>
-          <a:bodyPr/>
-          <a:lstStyle/>
-          <a:p>
-            <a:r>
-              <a:rPr lang="es-ES" dirty="0"/>
-              <a:t>🎯 Single </a:t>
-            </a:r>
-            <a:r>
-              <a:rPr lang="en-US" dirty="0"/>
-              <a:t>responsibility</a:t>
-            </a:r>
-          </a:p>
-        </p:txBody>
-      </p:sp>
-      <p:sp>
-        <p:nvSpPr>
-          <p:cNvPr id="3" name="Marcador de contenido 2">
-            <a:extLst>
-              <a:ext uri="{FF2B5EF4-FFF2-40B4-BE49-F238E27FC236}">
-                <a16:creationId xmlns:a16="http://schemas.microsoft.com/office/drawing/2014/main" id="{0CD6E770-57B3-4E43-B0A3-09F346EA8E1C}"/>
-              </a:ext>
-            </a:extLst>
-          </p:cNvPr>
-          <p:cNvSpPr>
-            <a:spLocks noGrp="1"/>
-          </p:cNvSpPr>
-          <p:nvPr>
-            <p:ph idx="1"/>
-          </p:nvPr>
-        </p:nvSpPr>
-        <p:spPr/>
-        <p:txBody>
-          <a:bodyPr/>
-          <a:lstStyle/>
-          <a:p>
-            <a:pPr marL="0" indent="0">
-              <a:buNone/>
-            </a:pPr>
-            <a:r>
-              <a:rPr lang="es-ES" i="1" dirty="0"/>
-              <a:t>🧙‍♂️ Nunca debe haber más de una razón para que una clase cambie.</a:t>
-            </a:r>
-          </a:p>
-          <a:p>
-            <a:pPr marL="0" indent="0">
-              <a:buNone/>
-            </a:pPr>
-            <a:endParaRPr lang="es-ES" dirty="0"/>
-          </a:p>
-          <a:p>
-            <a:pPr marL="0" indent="0">
-              <a:buNone/>
-            </a:pPr>
-            <a:endParaRPr lang="es-ES" dirty="0"/>
-          </a:p>
-          <a:p>
-            <a:pPr marL="0" indent="0">
-              <a:buNone/>
-            </a:pPr>
-            <a:r>
-              <a:rPr lang="es-ES" dirty="0"/>
-              <a:t>😈 Clases grandes, muy tentador seguir añadiendo funcionalidad</a:t>
-            </a:r>
-          </a:p>
-          <a:p>
-            <a:endParaRPr lang="en-US" u="sng" dirty="0"/>
-          </a:p>
-          <a:p>
-            <a:pPr marL="0" indent="0">
-              <a:buNone/>
-            </a:pPr>
-            <a:endParaRPr lang="en-US" u="sng" dirty="0"/>
-          </a:p>
-          <a:p>
-            <a:pPr marL="0" indent="0">
-              <a:buNone/>
-            </a:pPr>
-            <a:r>
-              <a:rPr lang="es-ES" dirty="0"/>
-              <a:t>👼 Genera clases pequeñas de alta cohesión.</a:t>
-            </a:r>
-          </a:p>
-          <a:p>
-            <a:endParaRPr lang="en-US" u="sng" dirty="0"/>
-          </a:p>
-        </p:txBody>
-      </p:sp>
-    </p:spTree>
-    <p:extLst>
-      <p:ext uri="{BB962C8B-B14F-4D97-AF65-F5344CB8AC3E}">
-        <p14:creationId xmlns:p14="http://schemas.microsoft.com/office/powerpoint/2010/main" val="3452126507"/>
-      </p:ext>
-    </p:extLst>
-  </p:cSld>
-  <p:clrMapOvr>
-    <a:masterClrMapping/>
-  </p:clrMapOvr>
-</p:sld>
-</file>
-
-<file path=ppt/slides/slide12.xml><?xml version="1.0" encoding="utf-8"?>
-<p:sld xmlns:a="http://schemas.openxmlformats.org/drawingml/2006/main" xmlns:r="http://schemas.openxmlformats.org/officeDocument/2006/relationships" xmlns:p="http://schemas.openxmlformats.org/presentationml/2006/main">
-  <p:cSld>
-    <p:spTree>
-      <p:nvGrpSpPr>
-        <p:cNvPr id="1" name=""/>
-        <p:cNvGrpSpPr/>
-        <p:nvPr/>
-      </p:nvGrpSpPr>
-      <p:grpSpPr>
-        <a:xfrm>
-          <a:off x="0" y="0"/>
-          <a:ext cx="0" cy="0"/>
-          <a:chOff x="0" y="0"/>
-          <a:chExt cx="0" cy="0"/>
-        </a:xfrm>
-      </p:grpSpPr>
-      <p:sp>
-        <p:nvSpPr>
-          <p:cNvPr id="2" name="Título 1">
-            <a:extLst>
-              <a:ext uri="{FF2B5EF4-FFF2-40B4-BE49-F238E27FC236}">
-                <a16:creationId xmlns:a16="http://schemas.microsoft.com/office/drawing/2014/main" id="{CDD02CD2-704F-4D0D-901C-9A6FAA64F743}"/>
-              </a:ext>
-            </a:extLst>
-          </p:cNvPr>
-          <p:cNvSpPr>
-            <a:spLocks noGrp="1"/>
-          </p:cNvSpPr>
-          <p:nvPr>
-            <p:ph type="title"/>
-          </p:nvPr>
-        </p:nvSpPr>
-        <p:spPr/>
-        <p:txBody>
-          <a:bodyPr/>
-          <a:lstStyle/>
-          <a:p>
-            <a:r>
-              <a:rPr lang="es-ES" dirty="0"/>
-              <a:t>🔏</a:t>
-            </a:r>
-            <a:r>
-              <a:rPr lang="en-US" dirty="0"/>
-              <a:t> Open / Closed</a:t>
-            </a:r>
-          </a:p>
-        </p:txBody>
-      </p:sp>
-      <p:sp>
-        <p:nvSpPr>
-          <p:cNvPr id="3" name="Marcador de contenido 2">
-            <a:extLst>
-              <a:ext uri="{FF2B5EF4-FFF2-40B4-BE49-F238E27FC236}">
-                <a16:creationId xmlns:a16="http://schemas.microsoft.com/office/drawing/2014/main" id="{B9FBE855-A4D0-4F69-9EA1-4952A942F457}"/>
-              </a:ext>
-            </a:extLst>
-          </p:cNvPr>
-          <p:cNvSpPr>
-            <a:spLocks noGrp="1"/>
-          </p:cNvSpPr>
-          <p:nvPr>
-            <p:ph idx="1"/>
-          </p:nvPr>
-        </p:nvSpPr>
-        <p:spPr/>
-        <p:txBody>
-          <a:bodyPr/>
-          <a:lstStyle/>
-          <a:p>
-            <a:pPr marL="0" indent="0" rtl="0">
-              <a:buNone/>
-            </a:pPr>
-            <a:r>
-              <a:rPr lang="es-ES" i="1" dirty="0"/>
-              <a:t>🧙‍♂️</a:t>
-            </a:r>
-            <a:r>
-              <a:rPr lang="es-ES" i="1" dirty="0">
-                <a:solidFill>
-                  <a:srgbClr val="000000"/>
-                </a:solidFill>
-                <a:effectLst/>
-              </a:rPr>
-              <a:t> Las entidades de software deben estar abiertas a la extensión, pero cerradas a la modificación. </a:t>
-            </a:r>
-          </a:p>
-          <a:p>
-            <a:pPr marL="0" indent="0">
-              <a:buNone/>
-            </a:pPr>
-            <a:endParaRPr lang="es-ES" dirty="0"/>
-          </a:p>
-          <a:p>
-            <a:pPr marL="0" indent="0">
-              <a:buNone/>
-            </a:pPr>
-            <a:endParaRPr lang="es-ES" dirty="0"/>
-          </a:p>
-          <a:p>
-            <a:pPr marL="0" indent="0">
-              <a:buNone/>
-            </a:pPr>
-            <a:r>
-              <a:rPr lang="es-ES" dirty="0"/>
-              <a:t>😈 Las condiciones </a:t>
-            </a:r>
-            <a:r>
-              <a:rPr lang="en-US" dirty="0"/>
-              <a:t>if  switch</a:t>
-            </a:r>
-          </a:p>
-          <a:p>
-            <a:pPr marL="0" indent="0">
-              <a:buNone/>
-            </a:pPr>
-            <a:endParaRPr lang="en-US" dirty="0"/>
-          </a:p>
-          <a:p>
-            <a:pPr marL="0" indent="0">
-              <a:buNone/>
-            </a:pPr>
-            <a:endParaRPr lang="en-US" dirty="0"/>
-          </a:p>
-          <a:p>
-            <a:pPr marL="0" indent="0">
-              <a:buNone/>
-            </a:pPr>
-            <a:r>
-              <a:rPr lang="es-ES" dirty="0"/>
-              <a:t>👼 Agregar (o eliminar) módulos (clases) mejor que manipular líneas.</a:t>
-            </a:r>
-          </a:p>
-          <a:p>
-            <a:pPr marL="0" indent="0">
-              <a:buNone/>
-            </a:pPr>
-            <a:endParaRPr lang="en-US" dirty="0"/>
-          </a:p>
-          <a:p>
-            <a:pPr marL="0" indent="0">
-              <a:buNone/>
-            </a:pPr>
-            <a:endParaRPr lang="en-US" dirty="0"/>
-          </a:p>
-        </p:txBody>
-      </p:sp>
-    </p:spTree>
-    <p:extLst>
-      <p:ext uri="{BB962C8B-B14F-4D97-AF65-F5344CB8AC3E}">
-        <p14:creationId xmlns:p14="http://schemas.microsoft.com/office/powerpoint/2010/main" val="1172293179"/>
-      </p:ext>
-    </p:extLst>
-  </p:cSld>
-  <p:clrMapOvr>
-    <a:masterClrMapping/>
-  </p:clrMapOvr>
-</p:sld>
-</file>
-
-<file path=ppt/slides/slide13.xml><?xml version="1.0" encoding="utf-8"?>
-<p:sld xmlns:a="http://schemas.openxmlformats.org/drawingml/2006/main" xmlns:r="http://schemas.openxmlformats.org/officeDocument/2006/relationships" xmlns:p="http://schemas.openxmlformats.org/presentationml/2006/main">
-  <p:cSld>
-    <p:spTree>
-      <p:nvGrpSpPr>
-        <p:cNvPr id="1" name=""/>
-        <p:cNvGrpSpPr/>
-        <p:nvPr/>
-      </p:nvGrpSpPr>
-      <p:grpSpPr>
-        <a:xfrm>
-          <a:off x="0" y="0"/>
-          <a:ext cx="0" cy="0"/>
-          <a:chOff x="0" y="0"/>
-          <a:chExt cx="0" cy="0"/>
-        </a:xfrm>
-      </p:grpSpPr>
-      <p:sp>
-        <p:nvSpPr>
-          <p:cNvPr id="2" name="Título 1">
-            <a:extLst>
-              <a:ext uri="{FF2B5EF4-FFF2-40B4-BE49-F238E27FC236}">
-                <a16:creationId xmlns:a16="http://schemas.microsoft.com/office/drawing/2014/main" id="{711313A0-6ED9-4D9B-A025-2D07CC2B5781}"/>
-              </a:ext>
-            </a:extLst>
-          </p:cNvPr>
-          <p:cNvSpPr>
-            <a:spLocks noGrp="1"/>
-          </p:cNvSpPr>
-          <p:nvPr>
-            <p:ph type="title"/>
-          </p:nvPr>
-        </p:nvSpPr>
-        <p:spPr/>
-        <p:txBody>
-          <a:bodyPr/>
-          <a:lstStyle/>
-          <a:p>
-            <a:r>
-              <a:rPr lang="es-ES" dirty="0"/>
-              <a:t>🦆</a:t>
-            </a:r>
-            <a:r>
-              <a:rPr lang="en-US" dirty="0"/>
-              <a:t> Liskov substitution</a:t>
-            </a:r>
-          </a:p>
-        </p:txBody>
-      </p:sp>
-      <p:sp>
-        <p:nvSpPr>
-          <p:cNvPr id="3" name="Marcador de contenido 2">
-            <a:extLst>
-              <a:ext uri="{FF2B5EF4-FFF2-40B4-BE49-F238E27FC236}">
-                <a16:creationId xmlns:a16="http://schemas.microsoft.com/office/drawing/2014/main" id="{CAD3EC2E-D538-48A7-AA5A-5A957376B77B}"/>
-              </a:ext>
-            </a:extLst>
-          </p:cNvPr>
-          <p:cNvSpPr>
-            <a:spLocks noGrp="1"/>
-          </p:cNvSpPr>
-          <p:nvPr>
-            <p:ph idx="1"/>
-          </p:nvPr>
-        </p:nvSpPr>
-        <p:spPr/>
-        <p:txBody>
-          <a:bodyPr>
-            <a:normAutofit lnSpcReduction="10000"/>
-          </a:bodyPr>
-          <a:lstStyle/>
-          <a:p>
-            <a:pPr marL="0" indent="0">
-              <a:buNone/>
-            </a:pPr>
-            <a:r>
-              <a:rPr lang="es-ES" i="1" dirty="0"/>
-              <a:t>🧙‍♂️ Si S es un subtipo de T, entonces los objetos de tipo T pueden reemplazarse con objetos de tipo S sin alterar ninguna de las propiedades deseables del programa. </a:t>
-            </a:r>
-            <a:r>
-              <a:rPr lang="es-ES" dirty="0"/>
-              <a:t>🤯</a:t>
-            </a:r>
-          </a:p>
-          <a:p>
-            <a:pPr marL="0" indent="0">
-              <a:buNone/>
-            </a:pPr>
-            <a:endParaRPr lang="es-ES" dirty="0"/>
-          </a:p>
-          <a:p>
-            <a:pPr marL="0" indent="0">
-              <a:buNone/>
-            </a:pPr>
-            <a:endParaRPr lang="es-ES" dirty="0"/>
-          </a:p>
-          <a:p>
-            <a:pPr marL="0" indent="0">
-              <a:buNone/>
-            </a:pPr>
-            <a:r>
-              <a:rPr lang="es-ES" dirty="0"/>
-              <a:t>😈 Herencia en lugar de composición</a:t>
-            </a:r>
-          </a:p>
-          <a:p>
-            <a:pPr marL="0" indent="0">
-              <a:buNone/>
-            </a:pPr>
-            <a:endParaRPr lang="es-ES" dirty="0"/>
-          </a:p>
-          <a:p>
-            <a:pPr marL="0" indent="0">
-              <a:buNone/>
-            </a:pPr>
-            <a:endParaRPr lang="es-ES" dirty="0"/>
-          </a:p>
-          <a:p>
-            <a:pPr marL="0" indent="0">
-              <a:buNone/>
-            </a:pPr>
-            <a:r>
-              <a:rPr lang="es-ES" dirty="0"/>
-              <a:t>👼 Debería poder sustituir una cosa por otra, si se declara que esas cosas se comportan de la misma manera.</a:t>
-            </a:r>
-          </a:p>
-          <a:p>
-            <a:pPr marL="0" indent="0">
-              <a:buNone/>
-            </a:pPr>
-            <a:endParaRPr lang="en-US" dirty="0"/>
-          </a:p>
-        </p:txBody>
-      </p:sp>
-    </p:spTree>
-    <p:extLst>
-      <p:ext uri="{BB962C8B-B14F-4D97-AF65-F5344CB8AC3E}">
-        <p14:creationId xmlns:p14="http://schemas.microsoft.com/office/powerpoint/2010/main" val="188586666"/>
-      </p:ext>
-    </p:extLst>
-  </p:cSld>
-  <p:clrMapOvr>
-    <a:masterClrMapping/>
-  </p:clrMapOvr>
-</p:sld>
-</file>
-
-<file path=ppt/slides/slide14.xml><?xml version="1.0" encoding="utf-8"?>
-<p:sld xmlns:a="http://schemas.openxmlformats.org/drawingml/2006/main" xmlns:r="http://schemas.openxmlformats.org/officeDocument/2006/relationships" xmlns:p="http://schemas.openxmlformats.org/presentationml/2006/main">
-  <p:cSld>
-    <p:spTree>
-      <p:nvGrpSpPr>
-        <p:cNvPr id="1" name=""/>
-        <p:cNvGrpSpPr/>
-        <p:nvPr/>
-      </p:nvGrpSpPr>
-      <p:grpSpPr>
-        <a:xfrm>
-          <a:off x="0" y="0"/>
-          <a:ext cx="0" cy="0"/>
-          <a:chOff x="0" y="0"/>
-          <a:chExt cx="0" cy="0"/>
-        </a:xfrm>
-      </p:grpSpPr>
-      <p:sp>
-        <p:nvSpPr>
-          <p:cNvPr id="2" name="Título 1">
-            <a:extLst>
-              <a:ext uri="{FF2B5EF4-FFF2-40B4-BE49-F238E27FC236}">
-                <a16:creationId xmlns:a16="http://schemas.microsoft.com/office/drawing/2014/main" id="{172A98FC-E9E5-4801-AF75-079F5B2CCAF3}"/>
-              </a:ext>
-            </a:extLst>
-          </p:cNvPr>
-          <p:cNvSpPr>
-            <a:spLocks noGrp="1"/>
-          </p:cNvSpPr>
-          <p:nvPr>
-            <p:ph type="title"/>
-          </p:nvPr>
-        </p:nvSpPr>
-        <p:spPr/>
-        <p:txBody>
-          <a:bodyPr/>
-          <a:lstStyle/>
-          <a:p>
-            <a:r>
-              <a:rPr lang="es-ES" dirty="0"/>
-              <a:t>🐄</a:t>
-            </a:r>
-            <a:r>
-              <a:rPr lang="en-US" dirty="0"/>
-              <a:t> Interface segregation</a:t>
-            </a:r>
-          </a:p>
-        </p:txBody>
-      </p:sp>
-      <p:sp>
-        <p:nvSpPr>
-          <p:cNvPr id="3" name="Marcador de contenido 2">
-            <a:extLst>
-              <a:ext uri="{FF2B5EF4-FFF2-40B4-BE49-F238E27FC236}">
-                <a16:creationId xmlns:a16="http://schemas.microsoft.com/office/drawing/2014/main" id="{207C3017-26BD-4996-9F04-4A50C26DFE11}"/>
-              </a:ext>
-            </a:extLst>
-          </p:cNvPr>
-          <p:cNvSpPr>
-            <a:spLocks noGrp="1"/>
-          </p:cNvSpPr>
-          <p:nvPr>
-            <p:ph idx="1"/>
-          </p:nvPr>
-        </p:nvSpPr>
-        <p:spPr/>
-        <p:txBody>
-          <a:bodyPr/>
-          <a:lstStyle/>
-          <a:p>
-            <a:pPr marL="0" indent="0">
-              <a:buNone/>
-            </a:pPr>
-            <a:r>
-              <a:rPr lang="es-ES" i="1" dirty="0"/>
-              <a:t>🧙‍♂️</a:t>
-            </a:r>
-            <a:r>
-              <a:rPr lang="es-ES" b="0" i="1" dirty="0">
-                <a:solidFill>
-                  <a:srgbClr val="3C4146"/>
-                </a:solidFill>
-                <a:effectLst/>
-                <a:latin typeface="Source Sans Pro" panose="020B0503030403020204" pitchFamily="34" charset="0"/>
-              </a:rPr>
-              <a:t> Muchas interfaces específicas son mejores que una interfaz de uso general.</a:t>
-            </a:r>
-          </a:p>
-          <a:p>
-            <a:pPr marL="0" indent="0">
-              <a:buNone/>
-            </a:pPr>
-            <a:endParaRPr lang="es-ES" dirty="0"/>
-          </a:p>
-          <a:p>
-            <a:pPr marL="0" indent="0">
-              <a:buNone/>
-            </a:pPr>
-            <a:endParaRPr lang="es-ES" dirty="0"/>
-          </a:p>
-          <a:p>
-            <a:pPr marL="0" indent="0">
-              <a:buNone/>
-            </a:pPr>
-            <a:r>
-              <a:rPr lang="es-ES" dirty="0"/>
-              <a:t>😈 Pensar en términos de lo que soy, en lugar de lo que puedo hacer.</a:t>
-            </a:r>
-          </a:p>
-          <a:p>
-            <a:pPr marL="0" indent="0">
-              <a:buNone/>
-            </a:pPr>
-            <a:endParaRPr lang="es-ES" dirty="0"/>
-          </a:p>
-          <a:p>
-            <a:pPr marL="0" indent="0">
-              <a:buNone/>
-            </a:pPr>
-            <a:endParaRPr lang="es-ES" dirty="0"/>
-          </a:p>
-          <a:p>
-            <a:pPr marL="0" indent="0">
-              <a:buNone/>
-            </a:pPr>
-            <a:r>
-              <a:rPr lang="es-ES" dirty="0"/>
-              <a:t>👼 Muestra a tus clientes sólo lo que necesitan ver.</a:t>
-            </a:r>
-          </a:p>
-          <a:p>
-            <a:pPr marL="0" indent="0">
-              <a:buNone/>
-            </a:pPr>
-            <a:endParaRPr lang="en-US" dirty="0"/>
-          </a:p>
-        </p:txBody>
-      </p:sp>
-    </p:spTree>
-    <p:extLst>
-      <p:ext uri="{BB962C8B-B14F-4D97-AF65-F5344CB8AC3E}">
-        <p14:creationId xmlns:p14="http://schemas.microsoft.com/office/powerpoint/2010/main" val="3917302020"/>
-      </p:ext>
-    </p:extLst>
-  </p:cSld>
-  <p:clrMapOvr>
-    <a:masterClrMapping/>
-  </p:clrMapOvr>
-</p:sld>
-</file>
-
-<file path=ppt/slides/slide15.xml><?xml version="1.0" encoding="utf-8"?>
-<p:sld xmlns:a="http://schemas.openxmlformats.org/drawingml/2006/main" xmlns:r="http://schemas.openxmlformats.org/officeDocument/2006/relationships" xmlns:p="http://schemas.openxmlformats.org/presentationml/2006/main">
-  <p:cSld>
-    <p:spTree>
-      <p:nvGrpSpPr>
-        <p:cNvPr id="1" name=""/>
-        <p:cNvGrpSpPr/>
-        <p:nvPr/>
-      </p:nvGrpSpPr>
-      <p:grpSpPr>
-        <a:xfrm>
-          <a:off x="0" y="0"/>
-          <a:ext cx="0" cy="0"/>
-          <a:chOff x="0" y="0"/>
-          <a:chExt cx="0" cy="0"/>
-        </a:xfrm>
-      </p:grpSpPr>
-      <p:sp>
-        <p:nvSpPr>
-          <p:cNvPr id="2" name="Título 1">
-            <a:extLst>
-              <a:ext uri="{FF2B5EF4-FFF2-40B4-BE49-F238E27FC236}">
-                <a16:creationId xmlns:a16="http://schemas.microsoft.com/office/drawing/2014/main" id="{8B41BBB9-5965-412D-BC64-94AD26EF64F9}"/>
-              </a:ext>
-            </a:extLst>
-          </p:cNvPr>
-          <p:cNvSpPr>
-            <a:spLocks noGrp="1"/>
-          </p:cNvSpPr>
-          <p:nvPr>
-            <p:ph type="title"/>
-          </p:nvPr>
-        </p:nvSpPr>
-        <p:spPr/>
-        <p:txBody>
-          <a:bodyPr/>
-          <a:lstStyle/>
-          <a:p>
-            <a:r>
-              <a:rPr lang="es-ES" dirty="0"/>
-              <a:t>🙃 </a:t>
-            </a:r>
-            <a:r>
-              <a:rPr lang="en-US" dirty="0"/>
-              <a:t> Dependency Inversion</a:t>
-            </a:r>
-          </a:p>
-        </p:txBody>
-      </p:sp>
-      <p:sp>
-        <p:nvSpPr>
-          <p:cNvPr id="3" name="Marcador de contenido 2">
-            <a:extLst>
-              <a:ext uri="{FF2B5EF4-FFF2-40B4-BE49-F238E27FC236}">
-                <a16:creationId xmlns:a16="http://schemas.microsoft.com/office/drawing/2014/main" id="{155CE3D6-69D0-4ECE-82BD-C4DABB3A23CA}"/>
-              </a:ext>
-            </a:extLst>
-          </p:cNvPr>
-          <p:cNvSpPr>
-            <a:spLocks noGrp="1"/>
-          </p:cNvSpPr>
-          <p:nvPr>
-            <p:ph idx="1"/>
-          </p:nvPr>
-        </p:nvSpPr>
-        <p:spPr/>
-        <p:txBody>
-          <a:bodyPr/>
-          <a:lstStyle/>
-          <a:p>
-            <a:pPr marL="0" indent="0">
-              <a:buNone/>
-            </a:pPr>
-            <a:r>
-              <a:rPr lang="es-ES" i="1" dirty="0"/>
-              <a:t>🧙‍♂️ Depende de abstracciones, no de concreciones.</a:t>
-            </a:r>
-          </a:p>
-          <a:p>
-            <a:pPr marL="0" indent="0">
-              <a:buNone/>
-            </a:pPr>
-            <a:endParaRPr lang="es-ES" dirty="0"/>
-          </a:p>
-          <a:p>
-            <a:pPr marL="0" indent="0">
-              <a:buNone/>
-            </a:pPr>
-            <a:endParaRPr lang="es-ES" dirty="0"/>
-          </a:p>
-          <a:p>
-            <a:pPr marL="0" indent="0">
-              <a:buNone/>
-            </a:pPr>
-            <a:r>
-              <a:rPr lang="es-ES" dirty="0"/>
-              <a:t>😈 El new</a:t>
-            </a:r>
-          </a:p>
-          <a:p>
-            <a:endParaRPr lang="en-US" dirty="0"/>
-          </a:p>
-          <a:p>
-            <a:endParaRPr lang="en-US" dirty="0"/>
-          </a:p>
-          <a:p>
-            <a:pPr marL="0" indent="0">
-              <a:buNone/>
-            </a:pPr>
-            <a:r>
-              <a:rPr lang="es-ES" dirty="0"/>
-              <a:t>👼 Evita crear directamente tus dependencias.</a:t>
-            </a:r>
-          </a:p>
-          <a:p>
-            <a:pPr marL="0" indent="0">
-              <a:buNone/>
-            </a:pPr>
-            <a:endParaRPr lang="en-US" dirty="0"/>
-          </a:p>
-        </p:txBody>
-      </p:sp>
-    </p:spTree>
-    <p:extLst>
-      <p:ext uri="{BB962C8B-B14F-4D97-AF65-F5344CB8AC3E}">
-        <p14:creationId xmlns:p14="http://schemas.microsoft.com/office/powerpoint/2010/main" val="1902161983"/>
-      </p:ext>
-    </p:extLst>
-  </p:cSld>
-  <p:clrMapOvr>
-    <a:masterClrMapping/>
-  </p:clrMapOvr>
-</p:sld>
-</file>
-
-<file path=ppt/slides/slide16.xml><?xml version="1.0" encoding="utf-8"?>
-<p:sld xmlns:a="http://schemas.openxmlformats.org/drawingml/2006/main" xmlns:r="http://schemas.openxmlformats.org/officeDocument/2006/relationships" xmlns:p="http://schemas.openxmlformats.org/presentationml/2006/main">
-  <p:cSld>
-    <p:spTree>
-      <p:nvGrpSpPr>
-        <p:cNvPr id="1" name=""/>
-        <p:cNvGrpSpPr/>
-        <p:nvPr/>
-      </p:nvGrpSpPr>
-      <p:grpSpPr>
-        <a:xfrm>
-          <a:off x="0" y="0"/>
-          <a:ext cx="0" cy="0"/>
-          <a:chOff x="0" y="0"/>
-          <a:chExt cx="0" cy="0"/>
-        </a:xfrm>
-      </p:grpSpPr>
-      <p:sp>
-        <p:nvSpPr>
-          <p:cNvPr id="2" name="Título 1">
-            <a:extLst>
-              <a:ext uri="{FF2B5EF4-FFF2-40B4-BE49-F238E27FC236}">
-                <a16:creationId xmlns:a16="http://schemas.microsoft.com/office/drawing/2014/main" id="{6583A353-78DC-44E9-8236-A06584CBC33D}"/>
-              </a:ext>
-            </a:extLst>
-          </p:cNvPr>
-          <p:cNvSpPr>
-            <a:spLocks noGrp="1"/>
-          </p:cNvSpPr>
-          <p:nvPr>
-            <p:ph type="title"/>
-          </p:nvPr>
-        </p:nvSpPr>
-        <p:spPr/>
-        <p:txBody>
-          <a:bodyPr/>
-          <a:lstStyle/>
-          <a:p>
-            <a:r>
-              <a:rPr lang="es-ES" dirty="0"/>
-              <a:t>⛪ Mandamientos</a:t>
-            </a:r>
-            <a:endParaRPr lang="en-US" dirty="0"/>
-          </a:p>
-        </p:txBody>
-      </p:sp>
-      <p:sp>
-        <p:nvSpPr>
-          <p:cNvPr id="3" name="Marcador de contenido 2">
-            <a:extLst>
-              <a:ext uri="{FF2B5EF4-FFF2-40B4-BE49-F238E27FC236}">
-                <a16:creationId xmlns:a16="http://schemas.microsoft.com/office/drawing/2014/main" id="{1CDF93CE-FE62-40A9-AC3B-CAB1A0716CD4}"/>
-              </a:ext>
-            </a:extLst>
-          </p:cNvPr>
-          <p:cNvSpPr>
-            <a:spLocks noGrp="1"/>
-          </p:cNvSpPr>
-          <p:nvPr>
-            <p:ph idx="1"/>
-          </p:nvPr>
-        </p:nvSpPr>
-        <p:spPr/>
-        <p:txBody>
-          <a:bodyPr>
-            <a:normAutofit lnSpcReduction="10000"/>
-          </a:bodyPr>
-          <a:lstStyle/>
-          <a:p>
-            <a:pPr marL="0" indent="0">
-              <a:buNone/>
-            </a:pPr>
-            <a:r>
-              <a:rPr lang="es-ES" dirty="0"/>
-              <a:t>🚫 </a:t>
-            </a:r>
-            <a:r>
-              <a:rPr lang="es-ES" b="1" dirty="0"/>
-              <a:t>No abrumes</a:t>
-            </a:r>
-            <a:r>
-              <a:rPr lang="es-ES" dirty="0"/>
-              <a:t>: toda abstracción tiene un coste.</a:t>
-            </a:r>
-          </a:p>
-          <a:p>
-            <a:pPr marL="0" indent="0">
-              <a:buNone/>
-            </a:pPr>
-            <a:endParaRPr lang="es-ES" dirty="0"/>
-          </a:p>
-          <a:p>
-            <a:pPr marL="0" indent="0">
-              <a:buNone/>
-            </a:pPr>
-            <a:r>
-              <a:rPr lang="es-ES" dirty="0"/>
-              <a:t>🚫 </a:t>
-            </a:r>
-            <a:r>
-              <a:rPr lang="es-ES" b="1" dirty="0"/>
-              <a:t>No defraudes</a:t>
-            </a:r>
-            <a:r>
-              <a:rPr lang="es-ES" dirty="0"/>
-              <a:t>: cumple tus contratos.</a:t>
-            </a:r>
-          </a:p>
-          <a:p>
-            <a:pPr marL="0" indent="0">
-              <a:buNone/>
-            </a:pPr>
-            <a:endParaRPr lang="es-ES" dirty="0"/>
-          </a:p>
-          <a:p>
-            <a:pPr marL="0" indent="0">
-              <a:buNone/>
-            </a:pPr>
-            <a:r>
-              <a:rPr lang="es-ES" dirty="0"/>
-              <a:t>🚫 </a:t>
-            </a:r>
-            <a:r>
-              <a:rPr lang="es-ES" b="1" dirty="0"/>
-              <a:t>No confundas</a:t>
-            </a:r>
-            <a:r>
-              <a:rPr lang="es-ES" dirty="0"/>
-              <a:t>: mantén los niveles de abstracción.</a:t>
-            </a:r>
-          </a:p>
-          <a:p>
-            <a:pPr marL="0" indent="0">
-              <a:buNone/>
-            </a:pPr>
-            <a:endParaRPr lang="es-ES" dirty="0"/>
-          </a:p>
-          <a:p>
-            <a:pPr marL="0" indent="0">
-              <a:buNone/>
-            </a:pPr>
-            <a:r>
-              <a:rPr lang="es-ES" dirty="0"/>
-              <a:t>🚫 </a:t>
-            </a:r>
-            <a:r>
-              <a:rPr lang="es-ES" b="1" dirty="0"/>
-              <a:t>No líes</a:t>
-            </a:r>
-            <a:r>
-              <a:rPr lang="es-ES" dirty="0"/>
-              <a:t>: junta lo que cambian por la misma razón.</a:t>
-            </a:r>
-          </a:p>
-          <a:p>
-            <a:pPr marL="0" indent="0">
-              <a:buNone/>
-            </a:pPr>
-            <a:endParaRPr lang="es-ES" dirty="0"/>
-          </a:p>
-          <a:p>
-            <a:pPr marL="0" indent="0">
-              <a:buNone/>
-            </a:pPr>
-            <a:r>
-              <a:rPr lang="es-ES" dirty="0"/>
-              <a:t>🚫 </a:t>
-            </a:r>
-            <a:r>
-              <a:rPr lang="es-ES" b="1" dirty="0"/>
-              <a:t>No expolies</a:t>
-            </a:r>
-            <a:r>
-              <a:rPr lang="es-ES" dirty="0"/>
-              <a:t>: usa lo imprescindible.</a:t>
-            </a:r>
-            <a:endParaRPr lang="en-US" dirty="0"/>
-          </a:p>
-        </p:txBody>
-      </p:sp>
-    </p:spTree>
-    <p:extLst>
-      <p:ext uri="{BB962C8B-B14F-4D97-AF65-F5344CB8AC3E}">
-        <p14:creationId xmlns:p14="http://schemas.microsoft.com/office/powerpoint/2010/main" val="55829222"/>
-      </p:ext>
-    </p:extLst>
-  </p:cSld>
-  <p:clrMapOvr>
-    <a:masterClrMapping/>
-  </p:clrMapOvr>
-</p:sld>
-</file>
-
-<file path=ppt/slides/slide17.xml><?xml version="1.0" encoding="utf-8"?>
-<p:sld xmlns:a="http://schemas.openxmlformats.org/drawingml/2006/main" xmlns:r="http://schemas.openxmlformats.org/officeDocument/2006/relationships" xmlns:p="http://schemas.openxmlformats.org/presentationml/2006/main">
-  <p:cSld>
-    <p:spTree>
-      <p:nvGrpSpPr>
-        <p:cNvPr id="1" name=""/>
-        <p:cNvGrpSpPr/>
-        <p:nvPr/>
-      </p:nvGrpSpPr>
-      <p:grpSpPr>
-        <a:xfrm>
-          <a:off x="0" y="0"/>
-          <a:ext cx="0" cy="0"/>
-          <a:chOff x="0" y="0"/>
-          <a:chExt cx="0" cy="0"/>
-        </a:xfrm>
-      </p:grpSpPr>
-      <p:sp>
-        <p:nvSpPr>
-          <p:cNvPr id="2" name="Título 1">
-            <a:extLst>
-              <a:ext uri="{FF2B5EF4-FFF2-40B4-BE49-F238E27FC236}">
-                <a16:creationId xmlns:a16="http://schemas.microsoft.com/office/drawing/2014/main" id="{90820D56-DDE2-49C7-A70C-AF71CC9C1A7E}"/>
-              </a:ext>
-            </a:extLst>
-          </p:cNvPr>
-          <p:cNvSpPr>
-            <a:spLocks noGrp="1"/>
-          </p:cNvSpPr>
-          <p:nvPr>
-            <p:ph type="title"/>
-          </p:nvPr>
-        </p:nvSpPr>
-        <p:spPr/>
-        <p:txBody>
-          <a:bodyPr/>
-          <a:lstStyle/>
-          <a:p>
-            <a:r>
-              <a:rPr lang="es-ES" sz="4400" b="0" dirty="0">
-                <a:effectLst/>
-              </a:rPr>
-              <a:t>3️⃣</a:t>
-            </a:r>
-            <a:r>
-              <a:rPr lang="en-US" dirty="0"/>
-              <a:t>Design patterns</a:t>
-            </a:r>
-          </a:p>
-        </p:txBody>
-      </p:sp>
-      <p:sp>
-        <p:nvSpPr>
-          <p:cNvPr id="3" name="Marcador de contenido 2">
-            <a:extLst>
-              <a:ext uri="{FF2B5EF4-FFF2-40B4-BE49-F238E27FC236}">
-                <a16:creationId xmlns:a16="http://schemas.microsoft.com/office/drawing/2014/main" id="{9B8D6381-DDB1-4662-B8FA-EA4FA74DADB4}"/>
-              </a:ext>
-            </a:extLst>
-          </p:cNvPr>
-          <p:cNvSpPr>
-            <a:spLocks noGrp="1"/>
-          </p:cNvSpPr>
-          <p:nvPr>
-            <p:ph idx="1"/>
-          </p:nvPr>
-        </p:nvSpPr>
-        <p:spPr/>
-        <p:txBody>
-          <a:bodyPr>
-            <a:normAutofit fontScale="40000" lnSpcReduction="20000"/>
-          </a:bodyPr>
-          <a:lstStyle/>
-          <a:p>
-            <a:pPr marL="0" indent="0">
-              <a:buNone/>
-            </a:pPr>
-            <a:r>
-              <a:rPr lang="es-ES" sz="10000" b="1" dirty="0"/>
-              <a:t>🌱Creacionales</a:t>
-            </a:r>
-            <a:r>
-              <a:rPr lang="es-ES" sz="10000" dirty="0"/>
-              <a:t> </a:t>
-            </a:r>
-          </a:p>
-          <a:p>
-            <a:pPr marL="0" indent="0">
-              <a:buNone/>
-            </a:pPr>
-            <a:endParaRPr lang="es-ES" sz="5200" dirty="0"/>
-          </a:p>
-          <a:p>
-            <a:pPr marL="457200" lvl="1" indent="0">
-              <a:buNone/>
-            </a:pPr>
-            <a:r>
-              <a:rPr lang="es-ES" sz="6000" dirty="0"/>
-              <a:t>¿Cómo </a:t>
-            </a:r>
-            <a:r>
-              <a:rPr lang="es-ES" sz="6000" b="1" dirty="0"/>
-              <a:t>instanciar</a:t>
-            </a:r>
-            <a:r>
-              <a:rPr lang="es-ES" sz="6000" dirty="0"/>
-              <a:t> objetos?</a:t>
-            </a:r>
-          </a:p>
-          <a:p>
-            <a:pPr marL="457200" lvl="1" indent="0">
-              <a:buNone/>
-            </a:pPr>
-            <a:endParaRPr lang="es-ES" sz="4000" dirty="0"/>
-          </a:p>
-          <a:p>
-            <a:pPr marL="0" indent="0">
-              <a:buNone/>
-            </a:pPr>
-            <a:r>
-              <a:rPr lang="es-ES" sz="10000" b="1" dirty="0"/>
-              <a:t>🌳 Estructurales</a:t>
-            </a:r>
-            <a:r>
-              <a:rPr lang="es-ES" sz="10000" dirty="0"/>
-              <a:t> </a:t>
-            </a:r>
-          </a:p>
-          <a:p>
-            <a:pPr marL="0" indent="0">
-              <a:buNone/>
-            </a:pPr>
-            <a:endParaRPr lang="es-ES" sz="5200" dirty="0"/>
-          </a:p>
-          <a:p>
-            <a:pPr marL="457200" lvl="1" indent="0">
-              <a:buNone/>
-            </a:pPr>
-            <a:r>
-              <a:rPr lang="es-ES" sz="6000" dirty="0"/>
-              <a:t>¿Cómo </a:t>
-            </a:r>
-            <a:r>
-              <a:rPr lang="es-ES" sz="6000" b="1" dirty="0"/>
-              <a:t>relacionar</a:t>
-            </a:r>
-            <a:r>
-              <a:rPr lang="es-ES" sz="6000" dirty="0"/>
-              <a:t> objetos?</a:t>
-            </a:r>
-          </a:p>
-          <a:p>
-            <a:pPr marL="457200" lvl="1" indent="0">
-              <a:buNone/>
-            </a:pPr>
-            <a:endParaRPr lang="es-ES" sz="4000" dirty="0"/>
-          </a:p>
-          <a:p>
-            <a:pPr marL="0" indent="0">
-              <a:buNone/>
-            </a:pPr>
-            <a:r>
-              <a:rPr lang="es-ES" sz="10000" b="1" dirty="0"/>
-              <a:t>🍏 De comportamiento</a:t>
-            </a:r>
-          </a:p>
-          <a:p>
-            <a:pPr marL="0" indent="0">
-              <a:buNone/>
-            </a:pPr>
-            <a:endParaRPr lang="es-ES" sz="5200" b="1" dirty="0"/>
-          </a:p>
-          <a:p>
-            <a:pPr marL="457200" lvl="1" indent="0">
-              <a:buNone/>
-            </a:pPr>
-            <a:r>
-              <a:rPr lang="es-ES" sz="6000" dirty="0"/>
-              <a:t>¿Cómo </a:t>
-            </a:r>
-            <a:r>
-              <a:rPr lang="es-ES" sz="6000" b="1" dirty="0"/>
-              <a:t>comunicar </a:t>
-            </a:r>
-            <a:r>
-              <a:rPr lang="es-ES" sz="6000" dirty="0"/>
-              <a:t>objetos?</a:t>
-            </a:r>
-          </a:p>
-          <a:p>
-            <a:endParaRPr lang="en-US" dirty="0"/>
-          </a:p>
-        </p:txBody>
-      </p:sp>
-    </p:spTree>
-    <p:extLst>
-      <p:ext uri="{BB962C8B-B14F-4D97-AF65-F5344CB8AC3E}">
-        <p14:creationId xmlns:p14="http://schemas.microsoft.com/office/powerpoint/2010/main" val="3763288489"/>
-      </p:ext>
-    </p:extLst>
-  </p:cSld>
-  <p:clrMapOvr>
-    <a:masterClrMapping/>
-  </p:clrMapOvr>
-</p:sld>
-</file>
-
-<file path=ppt/slides/slide18.xml><?xml version="1.0" encoding="utf-8"?>
-<p:sld xmlns:a="http://schemas.openxmlformats.org/drawingml/2006/main" xmlns:r="http://schemas.openxmlformats.org/officeDocument/2006/relationships" xmlns:p="http://schemas.openxmlformats.org/presentationml/2006/main">
-  <p:cSld>
-    <p:spTree>
-      <p:nvGrpSpPr>
-        <p:cNvPr id="1" name=""/>
-        <p:cNvGrpSpPr/>
-        <p:nvPr/>
-      </p:nvGrpSpPr>
-      <p:grpSpPr>
-        <a:xfrm>
-          <a:off x="0" y="0"/>
-          <a:ext cx="0" cy="0"/>
-          <a:chOff x="0" y="0"/>
-          <a:chExt cx="0" cy="0"/>
-        </a:xfrm>
-      </p:grpSpPr>
-      <p:sp>
-        <p:nvSpPr>
-          <p:cNvPr id="2" name="Título 1">
-            <a:extLst>
-              <a:ext uri="{FF2B5EF4-FFF2-40B4-BE49-F238E27FC236}">
-                <a16:creationId xmlns:a16="http://schemas.microsoft.com/office/drawing/2014/main" id="{46D7B2B9-6828-441D-A904-23A115A8500C}"/>
-              </a:ext>
-            </a:extLst>
-          </p:cNvPr>
-          <p:cNvSpPr>
-            <a:spLocks noGrp="1"/>
-          </p:cNvSpPr>
-          <p:nvPr>
-            <p:ph type="title"/>
-          </p:nvPr>
-        </p:nvSpPr>
-        <p:spPr/>
-        <p:txBody>
-          <a:bodyPr/>
-          <a:lstStyle/>
-          <a:p>
-            <a:r>
-              <a:rPr lang="es-ES" dirty="0"/>
-              <a:t>🌱Creacionales </a:t>
-            </a:r>
-          </a:p>
-        </p:txBody>
-      </p:sp>
-      <p:sp>
-        <p:nvSpPr>
-          <p:cNvPr id="3" name="Marcador de contenido 2">
-            <a:extLst>
-              <a:ext uri="{FF2B5EF4-FFF2-40B4-BE49-F238E27FC236}">
-                <a16:creationId xmlns:a16="http://schemas.microsoft.com/office/drawing/2014/main" id="{89FDF8E9-A3D2-4DE2-8129-D7AC4E0EB5A2}"/>
-              </a:ext>
-            </a:extLst>
-          </p:cNvPr>
-          <p:cNvSpPr>
-            <a:spLocks noGrp="1"/>
-          </p:cNvSpPr>
-          <p:nvPr>
-            <p:ph idx="1"/>
-          </p:nvPr>
-        </p:nvSpPr>
-        <p:spPr/>
-        <p:txBody>
-          <a:bodyPr>
-            <a:normAutofit/>
-          </a:bodyPr>
-          <a:lstStyle/>
-          <a:p>
-            <a:pPr marL="0" indent="0" algn="ctr">
-              <a:buNone/>
-            </a:pPr>
-            <a:r>
-              <a:rPr lang="es-ES" sz="2800" i="1" dirty="0">
-                <a:solidFill>
-                  <a:schemeClr val="accent6">
-                    <a:lumMod val="75000"/>
-                  </a:schemeClr>
-                </a:solidFill>
-                <a:effectLst>
-                  <a:outerShdw blurRad="38100" dist="38100" dir="2700000" algn="tl">
-                    <a:srgbClr val="000000">
-                      <a:alpha val="43137"/>
-                    </a:srgbClr>
-                  </a:outerShdw>
-                </a:effectLst>
-              </a:rPr>
-              <a:t>PROPORCIONAN MECANISMOS DE CREACIÓN DE OBJETOS</a:t>
-            </a:r>
-          </a:p>
-          <a:p>
-            <a:r>
-              <a:rPr lang="en-US" b="1" dirty="0">
-                <a:solidFill>
-                  <a:schemeClr val="accent6"/>
-                </a:solidFill>
-              </a:rPr>
-              <a:t>Builder: </a:t>
-            </a:r>
-            <a:r>
-              <a:rPr lang="es-ES" sz="2000" dirty="0"/>
-              <a:t>facilita o dirige la creación de objetos complejos.</a:t>
-            </a:r>
-          </a:p>
-          <a:p>
-            <a:r>
-              <a:rPr lang="en-US" b="1" dirty="0">
-                <a:solidFill>
-                  <a:schemeClr val="accent6"/>
-                </a:solidFill>
-              </a:rPr>
-              <a:t>Factory Method: </a:t>
-            </a:r>
-            <a:r>
-              <a:rPr lang="es-ES" sz="2000" dirty="0"/>
-              <a:t>crea instancias de distintas clases pero que cumplen una interfaz.</a:t>
-            </a:r>
-          </a:p>
-          <a:p>
-            <a:r>
-              <a:rPr lang="en-US" b="1" dirty="0">
-                <a:solidFill>
-                  <a:schemeClr val="accent6"/>
-                </a:solidFill>
-              </a:rPr>
-              <a:t>Prototype</a:t>
-            </a:r>
-            <a:r>
-              <a:rPr lang="es-ES" b="1" dirty="0">
-                <a:solidFill>
-                  <a:schemeClr val="accent6"/>
-                </a:solidFill>
-              </a:rPr>
-              <a:t>: </a:t>
-            </a:r>
-            <a:r>
-              <a:rPr lang="es-ES" sz="2000" dirty="0"/>
-              <a:t>crea una copia (clon) de un objeto existente aplicando mutaciones controladas.</a:t>
-            </a:r>
-          </a:p>
-          <a:p>
-            <a:r>
-              <a:rPr lang="en-US" b="1" dirty="0">
-                <a:solidFill>
-                  <a:schemeClr val="accent6"/>
-                </a:solidFill>
-              </a:rPr>
-              <a:t>Singleton: </a:t>
-            </a:r>
-            <a:r>
-              <a:rPr lang="es-ES" sz="2000" dirty="0"/>
-              <a:t>asegura una instancia única de una clase, evita usar variables globales.</a:t>
-            </a:r>
-          </a:p>
-          <a:p>
-            <a:pPr marL="0" indent="0">
-              <a:buNone/>
-            </a:pPr>
-            <a:endParaRPr lang="en-US" dirty="0"/>
-          </a:p>
-        </p:txBody>
-      </p:sp>
-    </p:spTree>
-    <p:extLst>
-      <p:ext uri="{BB962C8B-B14F-4D97-AF65-F5344CB8AC3E}">
-        <p14:creationId xmlns:p14="http://schemas.microsoft.com/office/powerpoint/2010/main" val="2960183015"/>
-      </p:ext>
-    </p:extLst>
-  </p:cSld>
-  <p:clrMapOvr>
-    <a:masterClrMapping/>
-  </p:clrMapOvr>
-</p:sld>
-</file>
-
-<file path=ppt/slides/slide19.xml><?xml version="1.0" encoding="utf-8"?>
-<p:sld xmlns:a="http://schemas.openxmlformats.org/drawingml/2006/main" xmlns:r="http://schemas.openxmlformats.org/officeDocument/2006/relationships" xmlns:p="http://schemas.openxmlformats.org/presentationml/2006/main">
-  <p:cSld>
-    <p:spTree>
-      <p:nvGrpSpPr>
-        <p:cNvPr id="1" name=""/>
-        <p:cNvGrpSpPr/>
-        <p:nvPr/>
-      </p:nvGrpSpPr>
-      <p:grpSpPr>
-        <a:xfrm>
-          <a:off x="0" y="0"/>
-          <a:ext cx="0" cy="0"/>
-          <a:chOff x="0" y="0"/>
-          <a:chExt cx="0" cy="0"/>
-        </a:xfrm>
-      </p:grpSpPr>
-      <p:sp>
-        <p:nvSpPr>
-          <p:cNvPr id="2" name="Título 1">
-            <a:extLst>
-              <a:ext uri="{FF2B5EF4-FFF2-40B4-BE49-F238E27FC236}">
-                <a16:creationId xmlns:a16="http://schemas.microsoft.com/office/drawing/2014/main" id="{46D7B2B9-6828-441D-A904-23A115A8500C}"/>
-              </a:ext>
-            </a:extLst>
-          </p:cNvPr>
-          <p:cNvSpPr>
-            <a:spLocks noGrp="1"/>
-          </p:cNvSpPr>
-          <p:nvPr>
-            <p:ph type="title"/>
-          </p:nvPr>
-        </p:nvSpPr>
-        <p:spPr/>
-        <p:txBody>
-          <a:bodyPr/>
-          <a:lstStyle/>
-          <a:p>
-            <a:r>
-              <a:rPr lang="es-ES" dirty="0"/>
-              <a:t>🌳 Estructurales </a:t>
-            </a:r>
-          </a:p>
-        </p:txBody>
-      </p:sp>
-      <p:sp>
-        <p:nvSpPr>
-          <p:cNvPr id="3" name="Marcador de contenido 2">
-            <a:extLst>
-              <a:ext uri="{FF2B5EF4-FFF2-40B4-BE49-F238E27FC236}">
-                <a16:creationId xmlns:a16="http://schemas.microsoft.com/office/drawing/2014/main" id="{89FDF8E9-A3D2-4DE2-8129-D7AC4E0EB5A2}"/>
-              </a:ext>
-            </a:extLst>
-          </p:cNvPr>
-          <p:cNvSpPr>
-            <a:spLocks noGrp="1"/>
-          </p:cNvSpPr>
-          <p:nvPr>
-            <p:ph idx="1"/>
-          </p:nvPr>
-        </p:nvSpPr>
-        <p:spPr/>
-        <p:txBody>
-          <a:bodyPr>
-            <a:normAutofit/>
-          </a:bodyPr>
-          <a:lstStyle/>
-          <a:p>
-            <a:pPr marL="0" indent="0" algn="ctr">
-              <a:buNone/>
-            </a:pPr>
-            <a:r>
-              <a:rPr lang="es-ES" sz="2800" i="1" dirty="0">
-                <a:solidFill>
-                  <a:schemeClr val="accent6">
-                    <a:lumMod val="75000"/>
-                  </a:schemeClr>
-                </a:solidFill>
-                <a:effectLst>
-                  <a:outerShdw blurRad="38100" dist="38100" dir="2700000" algn="tl">
-                    <a:srgbClr val="000000">
-                      <a:alpha val="43137"/>
-                    </a:srgbClr>
-                  </a:outerShdw>
-                </a:effectLst>
-              </a:rPr>
-              <a:t>ENSAMBLAN OBJETOS Y CLASES EN ESTRUCTURAS MÁS GRANDES</a:t>
-            </a:r>
-            <a:endParaRPr lang="es-ES" sz="2800" i="1" dirty="0">
-              <a:solidFill>
-                <a:schemeClr val="accent6">
-                  <a:lumMod val="75000"/>
-                </a:schemeClr>
-              </a:solidFill>
-            </a:endParaRPr>
-          </a:p>
-          <a:p>
-            <a:r>
-              <a:rPr lang="en-US" sz="2800" b="1" dirty="0">
-                <a:solidFill>
-                  <a:schemeClr val="accent6"/>
-                </a:solidFill>
-              </a:rPr>
-              <a:t>Adapter</a:t>
-            </a:r>
-            <a:r>
-              <a:rPr lang="es-ES" sz="2800" b="1" dirty="0">
-                <a:solidFill>
-                  <a:schemeClr val="accent6"/>
-                </a:solidFill>
-              </a:rPr>
-              <a:t>: </a:t>
-            </a:r>
-            <a:r>
-              <a:rPr lang="es-ES" sz="2000" dirty="0"/>
-              <a:t>desacopla código legacy o de terceros del desarrollo principal</a:t>
-            </a:r>
-            <a:endParaRPr lang="es-ES" sz="2800" dirty="0">
-              <a:solidFill>
-                <a:schemeClr val="accent6"/>
-              </a:solidFill>
-            </a:endParaRPr>
-          </a:p>
-          <a:p>
-            <a:r>
-              <a:rPr lang="es-ES" sz="2800" b="1" dirty="0">
-                <a:solidFill>
-                  <a:schemeClr val="accent6"/>
-                </a:solidFill>
-              </a:rPr>
-              <a:t>Bridge: </a:t>
-            </a:r>
-            <a:r>
-              <a:rPr lang="es-ES" sz="2000" dirty="0"/>
-              <a:t>permite que subsistemas complejos evolucionen independientemente</a:t>
-            </a:r>
-          </a:p>
-          <a:p>
-            <a:r>
-              <a:rPr lang="en-US" sz="2800" b="1" dirty="0">
-                <a:solidFill>
-                  <a:schemeClr val="accent6"/>
-                </a:solidFill>
-              </a:rPr>
-              <a:t>Decorator</a:t>
-            </a:r>
-            <a:r>
-              <a:rPr lang="es-ES" sz="2800" b="1" dirty="0">
-                <a:solidFill>
-                  <a:schemeClr val="accent6"/>
-                </a:solidFill>
-              </a:rPr>
-              <a:t>: </a:t>
-            </a:r>
-            <a:r>
-              <a:rPr lang="es-ES" sz="2000" dirty="0"/>
-              <a:t>agrega funcionalidad a una clase sin modificarla</a:t>
-            </a:r>
-          </a:p>
-          <a:p>
-            <a:r>
-              <a:rPr lang="en-US" sz="2800" b="1" dirty="0">
-                <a:solidFill>
-                  <a:schemeClr val="accent6"/>
-                </a:solidFill>
-              </a:rPr>
-              <a:t>Façade</a:t>
-            </a:r>
-            <a:r>
-              <a:rPr lang="es-ES" sz="2800" b="1" dirty="0">
-                <a:solidFill>
-                  <a:schemeClr val="accent6"/>
-                </a:solidFill>
-              </a:rPr>
-              <a:t>: </a:t>
-            </a:r>
-            <a:r>
-              <a:rPr lang="es-ES" sz="2000" dirty="0"/>
-              <a:t>proporciona un acceso simple a un sistema de objetos complejo.</a:t>
-            </a:r>
-          </a:p>
-          <a:p>
-            <a:pPr marL="0" indent="0">
-              <a:buNone/>
-            </a:pPr>
-            <a:endParaRPr lang="en-US" u="sng" dirty="0"/>
-          </a:p>
-        </p:txBody>
-      </p:sp>
-    </p:spTree>
-    <p:extLst>
-      <p:ext uri="{BB962C8B-B14F-4D97-AF65-F5344CB8AC3E}">
-        <p14:creationId xmlns:p14="http://schemas.microsoft.com/office/powerpoint/2010/main" val="946734460"/>
-      </p:ext>
-    </p:extLst>
-  </p:cSld>
-  <p:clrMapOvr>
-    <a:masterClrMapping/>
-  </p:clrMapOvr>
-</p:sld>
-</file>
-
-<file path=ppt/slides/slide2.xml><?xml version="1.0" encoding="utf-8"?>
-<p:sld xmlns:a="http://schemas.openxmlformats.org/drawingml/2006/main" xmlns:r="http://schemas.openxmlformats.org/officeDocument/2006/relationships" xmlns:p="http://schemas.openxmlformats.org/presentationml/2006/main">
-  <p:cSld>
-    <p:spTree>
-      <p:nvGrpSpPr>
-        <p:cNvPr id="1" name=""/>
-        <p:cNvGrpSpPr/>
-        <p:nvPr/>
-      </p:nvGrpSpPr>
-      <p:grpSpPr>
-        <a:xfrm>
-          <a:off x="0" y="0"/>
-          <a:ext cx="0" cy="0"/>
-          <a:chOff x="0" y="0"/>
-          <a:chExt cx="0" cy="0"/>
-        </a:xfrm>
-      </p:grpSpPr>
-      <p:sp>
-        <p:nvSpPr>
-          <p:cNvPr id="2" name="Título 1">
-            <a:extLst>
-              <a:ext uri="{FF2B5EF4-FFF2-40B4-BE49-F238E27FC236}">
-                <a16:creationId xmlns:a16="http://schemas.microsoft.com/office/drawing/2014/main" id="{E915EC7A-96CD-4841-A223-DB3C3CADA4E2}"/>
-              </a:ext>
-            </a:extLst>
-          </p:cNvPr>
-          <p:cNvSpPr>
-            <a:spLocks noGrp="1"/>
-          </p:cNvSpPr>
-          <p:nvPr>
-            <p:ph type="title"/>
-          </p:nvPr>
-        </p:nvSpPr>
-        <p:spPr/>
-        <p:txBody>
-          <a:bodyPr/>
-          <a:lstStyle/>
-          <a:p>
-            <a:r>
-              <a:rPr lang="es-ES"/>
-              <a:t>Contenido</a:t>
-            </a:r>
-            <a:endParaRPr lang="en-US" dirty="0"/>
-          </a:p>
-        </p:txBody>
-      </p:sp>
-      <p:sp>
-        <p:nvSpPr>
-          <p:cNvPr id="3" name="Marcador de contenido 2">
-            <a:extLst>
-              <a:ext uri="{FF2B5EF4-FFF2-40B4-BE49-F238E27FC236}">
-                <a16:creationId xmlns:a16="http://schemas.microsoft.com/office/drawing/2014/main" id="{93985A8F-EEBD-4F26-A12F-EC42A8D6C6CA}"/>
-              </a:ext>
-            </a:extLst>
-          </p:cNvPr>
-          <p:cNvSpPr>
-            <a:spLocks noGrp="1"/>
-          </p:cNvSpPr>
-          <p:nvPr>
-            <p:ph idx="1"/>
-          </p:nvPr>
-        </p:nvSpPr>
-        <p:spPr/>
-        <p:txBody>
-          <a:bodyPr>
-            <a:normAutofit lnSpcReduction="10000"/>
-          </a:bodyPr>
-          <a:lstStyle/>
-          <a:p>
-            <a:pPr marL="0" indent="0">
-              <a:buNone/>
-            </a:pPr>
-            <a:r>
-              <a:rPr lang="es-ES" sz="4000" b="0" dirty="0">
-                <a:effectLst/>
-              </a:rPr>
-              <a:t>1️⃣</a:t>
-            </a:r>
-            <a:r>
-              <a:rPr lang="en-US" sz="4000" b="0" dirty="0">
-                <a:effectLst/>
-              </a:rPr>
-              <a:t> Principles of Software Design</a:t>
-            </a:r>
-          </a:p>
-          <a:p>
-            <a:pPr marL="0" indent="0">
-              <a:buNone/>
-            </a:pPr>
-            <a:endParaRPr lang="en-US" sz="4000" b="0" dirty="0">
-              <a:effectLst/>
-            </a:endParaRPr>
-          </a:p>
-          <a:p>
-            <a:pPr marL="0" indent="0">
-              <a:buNone/>
-            </a:pPr>
-            <a:r>
-              <a:rPr lang="es-ES" sz="4000" dirty="0"/>
-              <a:t>2️⃣</a:t>
-            </a:r>
-            <a:r>
-              <a:rPr lang="en-US" sz="4000" b="0" dirty="0">
-                <a:effectLst/>
-              </a:rPr>
-              <a:t> SOLID Principles</a:t>
-            </a:r>
-          </a:p>
-          <a:p>
-            <a:pPr marL="0" indent="0">
-              <a:buNone/>
-            </a:pPr>
-            <a:endParaRPr lang="en-US" sz="4000" b="0" dirty="0">
-              <a:effectLst/>
-            </a:endParaRPr>
-          </a:p>
-          <a:p>
-            <a:pPr marL="0" indent="0">
-              <a:buNone/>
-            </a:pPr>
-            <a:r>
-              <a:rPr lang="es-ES" sz="4000" b="0" dirty="0">
-                <a:effectLst/>
-              </a:rPr>
-              <a:t>3️⃣ </a:t>
-            </a:r>
-            <a:r>
-              <a:rPr lang="en-US" sz="4000" b="0" dirty="0">
-                <a:effectLst/>
-              </a:rPr>
-              <a:t>Design Patterns</a:t>
-            </a:r>
-          </a:p>
-          <a:p>
-            <a:pPr marL="0" indent="0">
-              <a:buNone/>
-            </a:pPr>
-            <a:endParaRPr lang="en-US" sz="4000" b="0" dirty="0">
-              <a:effectLst/>
-            </a:endParaRPr>
-          </a:p>
-          <a:p>
-            <a:pPr marL="0" indent="0">
-              <a:buNone/>
-            </a:pPr>
-            <a:r>
-              <a:rPr lang="es-ES" sz="4000" b="0" dirty="0">
-                <a:effectLst/>
-              </a:rPr>
-              <a:t>4️⃣ </a:t>
-            </a:r>
-            <a:r>
-              <a:rPr lang="en-US" sz="4000" b="0" dirty="0">
-                <a:effectLst/>
-              </a:rPr>
-              <a:t>Software Architecture</a:t>
-            </a:r>
-          </a:p>
-          <a:p>
-            <a:pPr marL="0" indent="0">
-              <a:buNone/>
-            </a:pPr>
-            <a:endParaRPr lang="en-US" dirty="0"/>
-          </a:p>
-        </p:txBody>
-      </p:sp>
-    </p:spTree>
-    <p:extLst>
-      <p:ext uri="{BB962C8B-B14F-4D97-AF65-F5344CB8AC3E}">
-        <p14:creationId xmlns:p14="http://schemas.microsoft.com/office/powerpoint/2010/main" val="3690264303"/>
-      </p:ext>
-    </p:extLst>
-  </p:cSld>
-  <p:clrMapOvr>
-    <a:masterClrMapping/>
-  </p:clrMapOvr>
-</p:sld>
-</file>
-
-<file path=ppt/slides/slide20.xml><?xml version="1.0" encoding="utf-8"?>
-<p:sld xmlns:a="http://schemas.openxmlformats.org/drawingml/2006/main" xmlns:r="http://schemas.openxmlformats.org/officeDocument/2006/relationships" xmlns:p="http://schemas.openxmlformats.org/presentationml/2006/main">
-  <p:cSld>
-    <p:spTree>
-      <p:nvGrpSpPr>
-        <p:cNvPr id="1" name=""/>
-        <p:cNvGrpSpPr/>
-        <p:nvPr/>
-      </p:nvGrpSpPr>
-      <p:grpSpPr>
-        <a:xfrm>
-          <a:off x="0" y="0"/>
-          <a:ext cx="0" cy="0"/>
-          <a:chOff x="0" y="0"/>
-          <a:chExt cx="0" cy="0"/>
-        </a:xfrm>
-      </p:grpSpPr>
-      <p:sp>
-        <p:nvSpPr>
-          <p:cNvPr id="2" name="Título 1">
-            <a:extLst>
-              <a:ext uri="{FF2B5EF4-FFF2-40B4-BE49-F238E27FC236}">
-                <a16:creationId xmlns:a16="http://schemas.microsoft.com/office/drawing/2014/main" id="{46D7B2B9-6828-441D-A904-23A115A8500C}"/>
-              </a:ext>
-            </a:extLst>
-          </p:cNvPr>
-          <p:cNvSpPr>
-            <a:spLocks noGrp="1"/>
-          </p:cNvSpPr>
-          <p:nvPr>
-            <p:ph type="title"/>
-          </p:nvPr>
-        </p:nvSpPr>
-        <p:spPr/>
-        <p:txBody>
-          <a:bodyPr/>
-          <a:lstStyle/>
-          <a:p>
-            <a:r>
-              <a:rPr lang="es-ES" dirty="0"/>
-              <a:t>🍏 De comportamiento</a:t>
-            </a:r>
-          </a:p>
-        </p:txBody>
-      </p:sp>
-      <p:sp>
-        <p:nvSpPr>
-          <p:cNvPr id="3" name="Marcador de contenido 2">
-            <a:extLst>
-              <a:ext uri="{FF2B5EF4-FFF2-40B4-BE49-F238E27FC236}">
-                <a16:creationId xmlns:a16="http://schemas.microsoft.com/office/drawing/2014/main" id="{89FDF8E9-A3D2-4DE2-8129-D7AC4E0EB5A2}"/>
-              </a:ext>
-            </a:extLst>
-          </p:cNvPr>
-          <p:cNvSpPr>
-            <a:spLocks noGrp="1"/>
-          </p:cNvSpPr>
-          <p:nvPr>
-            <p:ph idx="1"/>
-          </p:nvPr>
-        </p:nvSpPr>
-        <p:spPr/>
-        <p:txBody>
-          <a:bodyPr>
-            <a:normAutofit/>
-          </a:bodyPr>
-          <a:lstStyle/>
-          <a:p>
-            <a:pPr marL="0" indent="0" algn="ctr">
-              <a:buNone/>
-            </a:pPr>
-            <a:r>
-              <a:rPr lang="es-ES" sz="2800" i="1" dirty="0">
-                <a:solidFill>
-                  <a:schemeClr val="accent6">
-                    <a:lumMod val="75000"/>
-                  </a:schemeClr>
-                </a:solidFill>
-                <a:effectLst>
-                  <a:outerShdw blurRad="38100" dist="38100" dir="2700000" algn="tl">
-                    <a:srgbClr val="000000">
-                      <a:alpha val="43137"/>
-                    </a:srgbClr>
-                  </a:outerShdw>
-                </a:effectLst>
-              </a:rPr>
-              <a:t>CONTROL DE COMUNICACIÓN Y ASIGNACIÓN DE RESPONSABILIDADES </a:t>
-            </a:r>
-          </a:p>
-          <a:p>
-            <a:r>
-              <a:rPr lang="en-US" sz="2800" b="1" dirty="0">
-                <a:solidFill>
-                  <a:schemeClr val="accent6"/>
-                </a:solidFill>
-              </a:rPr>
-              <a:t>Command</a:t>
-            </a:r>
-            <a:r>
-              <a:rPr lang="es-ES" sz="2800" b="1" dirty="0">
-                <a:solidFill>
-                  <a:schemeClr val="accent6"/>
-                </a:solidFill>
-              </a:rPr>
-              <a:t>: </a:t>
-            </a:r>
-            <a:r>
-              <a:rPr lang="es-ES" sz="2000" dirty="0"/>
-              <a:t>lleva la definición de acciones de métodos a clases incrementando su versatilidad</a:t>
-            </a:r>
-          </a:p>
-          <a:p>
-            <a:r>
-              <a:rPr lang="en-US" sz="2800" b="1" dirty="0">
-                <a:solidFill>
-                  <a:schemeClr val="accent6"/>
-                </a:solidFill>
-              </a:rPr>
-              <a:t>Observer</a:t>
-            </a:r>
-            <a:r>
-              <a:rPr lang="es-ES" sz="2800" b="1" dirty="0">
-                <a:solidFill>
-                  <a:schemeClr val="accent6"/>
-                </a:solidFill>
-              </a:rPr>
-              <a:t>: </a:t>
-            </a:r>
-            <a:r>
-              <a:rPr lang="es-ES" sz="2000" dirty="0"/>
-              <a:t>desacopla emisores y procesadores de eventos notificando cambios a suscriptores.</a:t>
-            </a:r>
-          </a:p>
-          <a:p>
-            <a:r>
-              <a:rPr lang="en-US" sz="2800" b="1" dirty="0">
-                <a:solidFill>
-                  <a:schemeClr val="accent6"/>
-                </a:solidFill>
-              </a:rPr>
-              <a:t>Strategy</a:t>
-            </a:r>
-            <a:r>
-              <a:rPr lang="es-ES" sz="2800" b="1" dirty="0">
-                <a:solidFill>
-                  <a:schemeClr val="accent6"/>
-                </a:solidFill>
-              </a:rPr>
-              <a:t>: </a:t>
-            </a:r>
-            <a:r>
-              <a:rPr lang="es-ES" sz="2000" dirty="0"/>
-              <a:t> escoge el algoritmo según las circunstancias de ejecución</a:t>
-            </a:r>
-          </a:p>
-          <a:p>
-            <a:r>
-              <a:rPr lang="en-US" sz="2800" b="1" dirty="0">
-                <a:solidFill>
-                  <a:schemeClr val="accent6"/>
-                </a:solidFill>
-              </a:rPr>
-              <a:t>Template</a:t>
-            </a:r>
-            <a:r>
-              <a:rPr lang="es-ES" sz="2800" b="1" dirty="0">
-                <a:solidFill>
-                  <a:schemeClr val="accent6"/>
-                </a:solidFill>
-              </a:rPr>
-              <a:t>: </a:t>
-            </a:r>
-            <a:r>
-              <a:rPr lang="es-ES" sz="2000" dirty="0"/>
-              <a:t>asegura un algoritmo común permitiendo variaciones.</a:t>
-            </a:r>
-            <a:endParaRPr lang="en-US" sz="2000" dirty="0"/>
-          </a:p>
-          <a:p>
-            <a:endParaRPr lang="en-US" dirty="0"/>
-          </a:p>
-          <a:p>
-            <a:endParaRPr lang="en-US" dirty="0"/>
-          </a:p>
-        </p:txBody>
-      </p:sp>
-    </p:spTree>
-    <p:extLst>
-      <p:ext uri="{BB962C8B-B14F-4D97-AF65-F5344CB8AC3E}">
-        <p14:creationId xmlns:p14="http://schemas.microsoft.com/office/powerpoint/2010/main" val="3065833379"/>
-      </p:ext>
-    </p:extLst>
-  </p:cSld>
-  <p:clrMapOvr>
-    <a:masterClrMapping/>
-  </p:clrMapOvr>
-</p:sld>
-</file>
-
-<file path=ppt/slides/slide3.xml><?xml version="1.0" encoding="utf-8"?>
-<p:sld xmlns:a="http://schemas.openxmlformats.org/drawingml/2006/main" xmlns:r="http://schemas.openxmlformats.org/officeDocument/2006/relationships" xmlns:p="http://schemas.openxmlformats.org/presentationml/2006/main">
-  <p:cSld>
-    <p:spTree>
-      <p:nvGrpSpPr>
-        <p:cNvPr id="1" name=""/>
-        <p:cNvGrpSpPr/>
-        <p:nvPr/>
-      </p:nvGrpSpPr>
-      <p:grpSpPr>
-        <a:xfrm>
-          <a:off x="0" y="0"/>
-          <a:ext cx="0" cy="0"/>
-          <a:chOff x="0" y="0"/>
-          <a:chExt cx="0" cy="0"/>
-        </a:xfrm>
-      </p:grpSpPr>
-      <p:sp>
-        <p:nvSpPr>
-          <p:cNvPr id="2" name="Título 1">
-            <a:extLst>
-              <a:ext uri="{FF2B5EF4-FFF2-40B4-BE49-F238E27FC236}">
-                <a16:creationId xmlns:a16="http://schemas.microsoft.com/office/drawing/2014/main" id="{21CFD1C2-F7EC-411D-BD50-371270D5EBD8}"/>
-              </a:ext>
-            </a:extLst>
-          </p:cNvPr>
-          <p:cNvSpPr>
-            <a:spLocks noGrp="1"/>
-          </p:cNvSpPr>
-          <p:nvPr>
-            <p:ph type="title"/>
-          </p:nvPr>
-        </p:nvSpPr>
-        <p:spPr/>
-        <p:txBody>
-          <a:bodyPr/>
-          <a:lstStyle/>
-          <a:p>
-            <a:r>
-              <a:rPr lang="es-ES" sz="4400" b="0" dirty="0">
-                <a:effectLst/>
-              </a:rPr>
-              <a:t>1️⃣</a:t>
-            </a:r>
-            <a:r>
-              <a:rPr lang="en-US" dirty="0"/>
-              <a:t> Principles of Software Design</a:t>
-            </a:r>
-          </a:p>
-        </p:txBody>
-      </p:sp>
-      <p:sp>
-        <p:nvSpPr>
-          <p:cNvPr id="3" name="Marcador de contenido 2">
-            <a:extLst>
-              <a:ext uri="{FF2B5EF4-FFF2-40B4-BE49-F238E27FC236}">
-                <a16:creationId xmlns:a16="http://schemas.microsoft.com/office/drawing/2014/main" id="{EE5608BD-A275-43BE-B769-500B10DDB921}"/>
-              </a:ext>
-            </a:extLst>
-          </p:cNvPr>
-          <p:cNvSpPr>
-            <a:spLocks noGrp="1"/>
-          </p:cNvSpPr>
-          <p:nvPr>
-            <p:ph idx="1"/>
-          </p:nvPr>
-        </p:nvSpPr>
-        <p:spPr/>
-        <p:txBody>
-          <a:bodyPr>
-            <a:normAutofit/>
-          </a:bodyPr>
-          <a:lstStyle/>
-          <a:p>
-            <a:pPr marL="0" indent="0">
-              <a:buNone/>
-            </a:pPr>
-            <a:r>
-              <a:rPr lang="en-US" sz="4800" dirty="0"/>
-              <a:t>1 YAGNI, KISS, DRY</a:t>
-            </a:r>
-          </a:p>
-          <a:p>
-            <a:pPr marL="0" indent="0">
-              <a:buNone/>
-            </a:pPr>
-            <a:endParaRPr lang="en-US" sz="4800" u="sng" dirty="0"/>
-          </a:p>
-          <a:p>
-            <a:pPr marL="0" indent="0">
-              <a:buNone/>
-            </a:pPr>
-            <a:r>
-              <a:rPr lang="en-US" sz="4800" dirty="0"/>
-              <a:t>2 Obstacles for change</a:t>
-            </a:r>
-          </a:p>
-          <a:p>
-            <a:pPr marL="0" indent="0">
-              <a:buNone/>
-            </a:pPr>
-            <a:endParaRPr lang="en-US" sz="4800" dirty="0"/>
-          </a:p>
-          <a:p>
-            <a:pPr marL="0" indent="0">
-              <a:buNone/>
-            </a:pPr>
-            <a:r>
-              <a:rPr lang="en-US" sz="4800" dirty="0"/>
-              <a:t>3 Metrics, preventers, and facilitators</a:t>
-            </a:r>
-          </a:p>
-        </p:txBody>
-      </p:sp>
-    </p:spTree>
-    <p:extLst>
-      <p:ext uri="{BB962C8B-B14F-4D97-AF65-F5344CB8AC3E}">
-        <p14:creationId xmlns:p14="http://schemas.microsoft.com/office/powerpoint/2010/main" val="1634088846"/>
-      </p:ext>
-    </p:extLst>
-  </p:cSld>
-  <p:clrMapOvr>
-    <a:masterClrMapping/>
-  </p:clrMapOvr>
-</p:sld>
-</file>
-
-<file path=ppt/slides/slide4.xml><?xml version="1.0" encoding="utf-8"?>
-<p:sld xmlns:a="http://schemas.openxmlformats.org/drawingml/2006/main" xmlns:r="http://schemas.openxmlformats.org/officeDocument/2006/relationships" xmlns:p="http://schemas.openxmlformats.org/presentationml/2006/main">
-  <p:cSld>
-    <p:spTree>
-      <p:nvGrpSpPr>
-        <p:cNvPr id="1" name=""/>
-        <p:cNvGrpSpPr/>
-        <p:nvPr/>
-      </p:nvGrpSpPr>
-      <p:grpSpPr>
-        <a:xfrm>
-          <a:off x="0" y="0"/>
-          <a:ext cx="0" cy="0"/>
-          <a:chOff x="0" y="0"/>
-          <a:chExt cx="0" cy="0"/>
-        </a:xfrm>
-      </p:grpSpPr>
-      <p:sp>
-        <p:nvSpPr>
-          <p:cNvPr id="2" name="Título 1">
-            <a:extLst>
-              <a:ext uri="{FF2B5EF4-FFF2-40B4-BE49-F238E27FC236}">
-                <a16:creationId xmlns:a16="http://schemas.microsoft.com/office/drawing/2014/main" id="{B8EB46F8-D93A-4B4E-A0A4-BE548C6DC2D7}"/>
-              </a:ext>
-            </a:extLst>
-          </p:cNvPr>
-          <p:cNvSpPr>
-            <a:spLocks noGrp="1"/>
-          </p:cNvSpPr>
-          <p:nvPr>
-            <p:ph type="title"/>
-          </p:nvPr>
-        </p:nvSpPr>
-        <p:spPr/>
-        <p:txBody>
-          <a:bodyPr/>
-          <a:lstStyle/>
-          <a:p>
-            <a:r>
-              <a:rPr lang="es-ES" sz="4400" b="0" dirty="0">
-                <a:effectLst/>
-              </a:rPr>
-              <a:t>1️⃣</a:t>
-            </a:r>
-            <a:r>
-              <a:rPr lang="en-US" dirty="0"/>
-              <a:t>1 YAGNI, KISS, DRY</a:t>
-            </a:r>
-          </a:p>
-        </p:txBody>
-      </p:sp>
-      <p:pic>
-        <p:nvPicPr>
-          <p:cNvPr id="5" name="Marcador de contenido 4" descr="Escala de tiempo&#10;&#10;Descripción generada automáticamente">
-            <a:extLst>
-              <a:ext uri="{FF2B5EF4-FFF2-40B4-BE49-F238E27FC236}">
-                <a16:creationId xmlns:a16="http://schemas.microsoft.com/office/drawing/2014/main" id="{C3553D0C-4CE5-4A7C-94B0-D065FCE48C03}"/>
-              </a:ext>
-            </a:extLst>
-          </p:cNvPr>
-          <p:cNvPicPr>
-            <a:picLocks noGrp="1" noChangeAspect="1"/>
-          </p:cNvPicPr>
-          <p:nvPr>
-            <p:ph idx="1"/>
-          </p:nvPr>
-        </p:nvPicPr>
-        <p:blipFill>
-          <a:blip r:embed="rId2">
-            <a:extLst>
-              <a:ext uri="{28A0092B-C50C-407E-A947-70E740481C1C}">
-                <a14:useLocalDpi xmlns:a14="http://schemas.microsoft.com/office/drawing/2010/main" val="0"/>
-              </a:ext>
-            </a:extLst>
-          </a:blip>
-          <a:stretch>
-            <a:fillRect/>
-          </a:stretch>
-        </p:blipFill>
-        <p:spPr>
-          <a:xfrm>
-            <a:off x="1827389" y="1690688"/>
-            <a:ext cx="8537221" cy="4802187"/>
-          </a:xfrm>
-        </p:spPr>
-      </p:pic>
-    </p:spTree>
-    <p:extLst>
-      <p:ext uri="{BB962C8B-B14F-4D97-AF65-F5344CB8AC3E}">
-        <p14:creationId xmlns:p14="http://schemas.microsoft.com/office/powerpoint/2010/main" val="3264676004"/>
-      </p:ext>
-    </p:extLst>
-  </p:cSld>
-  <p:clrMapOvr>
-    <a:masterClrMapping/>
-  </p:clrMapOvr>
-</p:sld>
-</file>
-
-<file path=ppt/slides/slide5.xml><?xml version="1.0" encoding="utf-8"?>
-<p:sld xmlns:a="http://schemas.openxmlformats.org/drawingml/2006/main" xmlns:r="http://schemas.openxmlformats.org/officeDocument/2006/relationships" xmlns:p="http://schemas.openxmlformats.org/presentationml/2006/main">
-  <p:cSld>
-    <p:spTree>
-      <p:nvGrpSpPr>
-        <p:cNvPr id="1" name=""/>
-        <p:cNvGrpSpPr/>
-        <p:nvPr/>
-      </p:nvGrpSpPr>
-      <p:grpSpPr>
-        <a:xfrm>
-          <a:off x="0" y="0"/>
-          <a:ext cx="0" cy="0"/>
-          <a:chOff x="0" y="0"/>
-          <a:chExt cx="0" cy="0"/>
-        </a:xfrm>
-      </p:grpSpPr>
-      <p:sp>
-        <p:nvSpPr>
-          <p:cNvPr id="2" name="Título 1">
-            <a:extLst>
-              <a:ext uri="{FF2B5EF4-FFF2-40B4-BE49-F238E27FC236}">
-                <a16:creationId xmlns:a16="http://schemas.microsoft.com/office/drawing/2014/main" id="{90820D56-DDE2-49C7-A70C-AF71CC9C1A7E}"/>
-              </a:ext>
-            </a:extLst>
-          </p:cNvPr>
-          <p:cNvSpPr>
-            <a:spLocks noGrp="1"/>
-          </p:cNvSpPr>
-          <p:nvPr>
-            <p:ph type="title"/>
-          </p:nvPr>
-        </p:nvSpPr>
-        <p:spPr/>
-        <p:txBody>
-          <a:bodyPr/>
-          <a:lstStyle/>
-          <a:p>
-            <a:r>
-              <a:rPr lang="es-ES" sz="4400" b="0" dirty="0">
-                <a:effectLst/>
-              </a:rPr>
-              <a:t>1️⃣</a:t>
-            </a:r>
-            <a:r>
-              <a:rPr lang="en-US" dirty="0"/>
-              <a:t>2 Obstacles for change</a:t>
-            </a:r>
-          </a:p>
-        </p:txBody>
-      </p:sp>
-      <p:sp>
-        <p:nvSpPr>
-          <p:cNvPr id="3" name="Marcador de contenido 2">
-            <a:extLst>
-              <a:ext uri="{FF2B5EF4-FFF2-40B4-BE49-F238E27FC236}">
-                <a16:creationId xmlns:a16="http://schemas.microsoft.com/office/drawing/2014/main" id="{9B8D6381-DDB1-4662-B8FA-EA4FA74DADB4}"/>
-              </a:ext>
-            </a:extLst>
-          </p:cNvPr>
-          <p:cNvSpPr>
-            <a:spLocks noGrp="1"/>
-          </p:cNvSpPr>
-          <p:nvPr>
-            <p:ph idx="1"/>
-          </p:nvPr>
-        </p:nvSpPr>
-        <p:spPr/>
-        <p:txBody>
-          <a:bodyPr/>
-          <a:lstStyle/>
-          <a:p>
-            <a:pPr marL="0" indent="0">
-              <a:buNone/>
-            </a:pPr>
-            <a:r>
-              <a:rPr lang="es-ES" b="1" dirty="0"/>
-              <a:t>🧱 Rigidez</a:t>
-            </a:r>
-            <a:r>
-              <a:rPr lang="es-ES" dirty="0"/>
-              <a:t> </a:t>
-            </a:r>
-          </a:p>
-          <a:p>
-            <a:pPr marL="457200" lvl="1" indent="0">
-              <a:buNone/>
-            </a:pPr>
-            <a:r>
-              <a:rPr lang="es-ES" dirty="0"/>
-              <a:t>Un cambio afecta a muchas partes. Al cambiar un objeto hay que cambiar otros muchos.</a:t>
-            </a:r>
-          </a:p>
-          <a:p>
-            <a:pPr marL="0" indent="0">
-              <a:buNone/>
-            </a:pPr>
-            <a:r>
-              <a:rPr lang="es-ES" b="1" dirty="0"/>
-              <a:t>🪟 Fragilidad</a:t>
-            </a:r>
-            <a:r>
-              <a:rPr lang="es-ES" dirty="0"/>
-              <a:t> </a:t>
-            </a:r>
-          </a:p>
-          <a:p>
-            <a:pPr marL="457200" lvl="1" indent="0">
-              <a:buNone/>
-            </a:pPr>
-            <a:r>
-              <a:rPr lang="es-ES" dirty="0"/>
-              <a:t>Las errores saltan en lugares inesperados. Los cambios en un objeto tienen efectos en otros muchos.</a:t>
-            </a:r>
-          </a:p>
-          <a:p>
-            <a:pPr marL="0" indent="0">
-              <a:buNone/>
-            </a:pPr>
-            <a:r>
-              <a:rPr lang="es-ES" b="1" dirty="0"/>
-              <a:t>🗿 Inmovilidad</a:t>
-            </a:r>
-          </a:p>
-          <a:p>
-            <a:pPr marL="457200" lvl="1" indent="0">
-              <a:buNone/>
-            </a:pPr>
-            <a:r>
-              <a:rPr lang="es-ES" dirty="0"/>
-              <a:t>No se puede reutilizar el código fuera de su entorno. Los cambios en un objeto dependen de otros muchos.</a:t>
-            </a:r>
-          </a:p>
-          <a:p>
-            <a:endParaRPr lang="en-US" dirty="0"/>
-          </a:p>
-        </p:txBody>
-      </p:sp>
-    </p:spTree>
-    <p:extLst>
-      <p:ext uri="{BB962C8B-B14F-4D97-AF65-F5344CB8AC3E}">
-        <p14:creationId xmlns:p14="http://schemas.microsoft.com/office/powerpoint/2010/main" val="2677691822"/>
-      </p:ext>
-    </p:extLst>
-  </p:cSld>
-  <p:clrMapOvr>
-    <a:masterClrMapping/>
-  </p:clrMapOvr>
-</p:sld>
-</file>
-
-<file path=ppt/slides/slide6.xml><?xml version="1.0" encoding="utf-8"?>
-<p:sld xmlns:a="http://schemas.openxmlformats.org/drawingml/2006/main" xmlns:r="http://schemas.openxmlformats.org/officeDocument/2006/relationships" xmlns:p="http://schemas.openxmlformats.org/presentationml/2006/main">
-  <p:cSld>
-    <p:spTree>
-      <p:nvGrpSpPr>
-        <p:cNvPr id="1" name=""/>
-        <p:cNvGrpSpPr/>
-        <p:nvPr/>
-      </p:nvGrpSpPr>
-      <p:grpSpPr>
-        <a:xfrm>
-          <a:off x="0" y="0"/>
-          <a:ext cx="0" cy="0"/>
-          <a:chOff x="0" y="0"/>
-          <a:chExt cx="0" cy="0"/>
-        </a:xfrm>
-      </p:grpSpPr>
-      <p:sp>
-        <p:nvSpPr>
-          <p:cNvPr id="2" name="Título 1">
-            <a:extLst>
-              <a:ext uri="{FF2B5EF4-FFF2-40B4-BE49-F238E27FC236}">
-                <a16:creationId xmlns:a16="http://schemas.microsoft.com/office/drawing/2014/main" id="{7CD961DA-FFF5-43E1-9740-C17D028F9FD7}"/>
-              </a:ext>
-            </a:extLst>
-          </p:cNvPr>
-          <p:cNvSpPr>
-            <a:spLocks noGrp="1"/>
-          </p:cNvSpPr>
-          <p:nvPr>
-            <p:ph type="title"/>
-          </p:nvPr>
-        </p:nvSpPr>
-        <p:spPr/>
-        <p:txBody>
-          <a:bodyPr/>
-          <a:lstStyle/>
-          <a:p>
-            <a:r>
-              <a:rPr lang="es-ES" sz="4400" b="0" dirty="0">
-                <a:effectLst/>
-              </a:rPr>
-              <a:t>1️⃣</a:t>
-            </a:r>
-            <a:r>
-              <a:rPr lang="en-US" dirty="0"/>
-              <a:t>3 Metrics, Preventers and Facilitators</a:t>
-            </a:r>
-          </a:p>
-        </p:txBody>
-      </p:sp>
-      <p:sp>
-        <p:nvSpPr>
-          <p:cNvPr id="4" name="Marcador de contenido 3">
-            <a:extLst>
-              <a:ext uri="{FF2B5EF4-FFF2-40B4-BE49-F238E27FC236}">
-                <a16:creationId xmlns:a16="http://schemas.microsoft.com/office/drawing/2014/main" id="{3726D3F8-0308-4886-81B6-D91FFABAFDFE}"/>
-              </a:ext>
-            </a:extLst>
-          </p:cNvPr>
-          <p:cNvSpPr>
-            <a:spLocks noGrp="1"/>
-          </p:cNvSpPr>
-          <p:nvPr>
-            <p:ph idx="1"/>
-          </p:nvPr>
-        </p:nvSpPr>
-        <p:spPr/>
-        <p:txBody>
-          <a:bodyPr>
-            <a:normAutofit/>
-          </a:bodyPr>
-          <a:lstStyle/>
-          <a:p>
-            <a:r>
-              <a:rPr lang="es-ES" sz="3600" dirty="0"/>
-              <a:t>😈 </a:t>
-            </a:r>
-            <a:r>
-              <a:rPr lang="es-ES" sz="3200" dirty="0"/>
-              <a:t>El </a:t>
-            </a:r>
-            <a:r>
-              <a:rPr lang="es-ES" sz="3200" b="1" dirty="0"/>
-              <a:t>acoplamiento</a:t>
-            </a:r>
-            <a:r>
-              <a:rPr lang="es-ES" sz="3200" dirty="0"/>
-              <a:t> es el principal enemigo del cambio</a:t>
-            </a:r>
-          </a:p>
-          <a:p>
-            <a:endParaRPr lang="es-ES" sz="3200" dirty="0"/>
-          </a:p>
-          <a:p>
-            <a:endParaRPr lang="es-ES" sz="3200" dirty="0"/>
-          </a:p>
-          <a:p>
-            <a:pPr lvl="1"/>
-            <a:r>
-              <a:rPr lang="es-ES" sz="3200" dirty="0"/>
-              <a:t>Se puede </a:t>
-            </a:r>
-            <a:r>
-              <a:rPr lang="es-ES" sz="3200" b="1" dirty="0"/>
-              <a:t>medir</a:t>
-            </a:r>
-          </a:p>
-          <a:p>
-            <a:pPr lvl="1"/>
-            <a:r>
-              <a:rPr lang="es-ES" sz="3200" dirty="0"/>
-              <a:t>Se puede </a:t>
-            </a:r>
-            <a:r>
-              <a:rPr lang="es-ES" sz="3200" b="1" dirty="0"/>
-              <a:t>evitar</a:t>
-            </a:r>
-          </a:p>
-          <a:p>
-            <a:pPr lvl="1"/>
-            <a:r>
-              <a:rPr lang="es-ES" sz="3200" dirty="0"/>
-              <a:t>Se puede </a:t>
-            </a:r>
-            <a:r>
-              <a:rPr lang="es-ES" sz="3200" b="1" dirty="0"/>
-              <a:t>limpiar</a:t>
-            </a:r>
-            <a:endParaRPr lang="en-US" sz="3200" b="1" dirty="0"/>
-          </a:p>
-        </p:txBody>
-      </p:sp>
-    </p:spTree>
-    <p:extLst>
-      <p:ext uri="{BB962C8B-B14F-4D97-AF65-F5344CB8AC3E}">
-        <p14:creationId xmlns:p14="http://schemas.microsoft.com/office/powerpoint/2010/main" val="2404695342"/>
-      </p:ext>
-    </p:extLst>
-  </p:cSld>
-  <p:clrMapOvr>
-    <a:masterClrMapping/>
-  </p:clrMapOvr>
-</p:sld>
-</file>
-
-<file path=ppt/slides/slide7.xml><?xml version="1.0" encoding="utf-8"?>
-<p:sld xmlns:a="http://schemas.openxmlformats.org/drawingml/2006/main" xmlns:r="http://schemas.openxmlformats.org/officeDocument/2006/relationships" xmlns:p="http://schemas.openxmlformats.org/presentationml/2006/main">
-  <p:cSld>
-    <p:spTree>
-      <p:nvGrpSpPr>
-        <p:cNvPr id="1" name=""/>
-        <p:cNvGrpSpPr/>
-        <p:nvPr/>
-      </p:nvGrpSpPr>
-      <p:grpSpPr>
-        <a:xfrm>
-          <a:off x="0" y="0"/>
-          <a:ext cx="0" cy="0"/>
-          <a:chOff x="0" y="0"/>
-          <a:chExt cx="0" cy="0"/>
-        </a:xfrm>
-      </p:grpSpPr>
-      <p:sp>
-        <p:nvSpPr>
-          <p:cNvPr id="2" name="Título 1">
-            <a:extLst>
-              <a:ext uri="{FF2B5EF4-FFF2-40B4-BE49-F238E27FC236}">
-                <a16:creationId xmlns:a16="http://schemas.microsoft.com/office/drawing/2014/main" id="{8E4C36A0-44FE-4B98-AA0D-BC1737314511}"/>
-              </a:ext>
-            </a:extLst>
-          </p:cNvPr>
-          <p:cNvSpPr>
-            <a:spLocks noGrp="1"/>
-          </p:cNvSpPr>
-          <p:nvPr>
-            <p:ph type="title"/>
-          </p:nvPr>
-        </p:nvSpPr>
-        <p:spPr>
-          <a:xfrm>
-            <a:off x="838200" y="365125"/>
-            <a:ext cx="10515600" cy="1325563"/>
-          </a:xfrm>
-        </p:spPr>
-        <p:txBody>
-          <a:bodyPr/>
-          <a:lstStyle/>
-          <a:p>
-            <a:r>
-              <a:rPr lang="es-ES" dirty="0"/>
-              <a:t>📉 Reduce métricas de acoplamiento</a:t>
-            </a:r>
-            <a:endParaRPr lang="en-US" dirty="0"/>
-          </a:p>
-        </p:txBody>
-      </p:sp>
-      <p:sp>
-        <p:nvSpPr>
-          <p:cNvPr id="3" name="Marcador de contenido 2">
-            <a:extLst>
-              <a:ext uri="{FF2B5EF4-FFF2-40B4-BE49-F238E27FC236}">
-                <a16:creationId xmlns:a16="http://schemas.microsoft.com/office/drawing/2014/main" id="{4B4A4800-61C7-44CE-8D6B-D96585FB8A29}"/>
-              </a:ext>
-            </a:extLst>
-          </p:cNvPr>
-          <p:cNvSpPr>
-            <a:spLocks noGrp="1"/>
-          </p:cNvSpPr>
-          <p:nvPr>
-            <p:ph idx="1"/>
-          </p:nvPr>
-        </p:nvSpPr>
-        <p:spPr>
-          <a:xfrm>
-            <a:off x="838200" y="1825625"/>
-            <a:ext cx="10515600" cy="4351338"/>
-          </a:xfrm>
-        </p:spPr>
-        <p:txBody>
-          <a:bodyPr/>
-          <a:lstStyle/>
-          <a:p>
-            <a:r>
-              <a:rPr lang="es-ES" b="1" dirty="0"/>
-              <a:t>Eferente ➡️</a:t>
-            </a:r>
-          </a:p>
-          <a:p>
-            <a:pPr lvl="1"/>
-            <a:r>
-              <a:rPr lang="es-ES" dirty="0"/>
-              <a:t>¿Cuántas dependencias uso?</a:t>
-            </a:r>
-          </a:p>
-          <a:p>
-            <a:r>
-              <a:rPr lang="es-ES" b="1" dirty="0"/>
-              <a:t>➡️ Aferente</a:t>
-            </a:r>
-          </a:p>
-          <a:p>
-            <a:pPr lvl="1"/>
-            <a:r>
-              <a:rPr lang="es-ES" dirty="0"/>
-              <a:t>¿Cuántos dependientes me usan?</a:t>
-            </a:r>
-          </a:p>
-          <a:p>
-            <a:r>
-              <a:rPr lang="es-ES" b="1" dirty="0"/>
-              <a:t>🪟 Exposición</a:t>
-            </a:r>
-          </a:p>
-          <a:p>
-            <a:pPr lvl="1"/>
-            <a:r>
-              <a:rPr lang="es-ES" dirty="0"/>
-              <a:t>¿Cuántas funcionalidades usan?</a:t>
-            </a:r>
-          </a:p>
-          <a:p>
-            <a:r>
-              <a:rPr lang="es-ES" b="1" dirty="0"/>
-              <a:t>🐋 Tamaño</a:t>
-            </a:r>
-          </a:p>
-          <a:p>
-            <a:pPr lvl="1"/>
-            <a:r>
-              <a:rPr lang="es-ES" dirty="0"/>
-              <a:t>¿Cuántas instrucciones tengo?</a:t>
-            </a:r>
-          </a:p>
-        </p:txBody>
-      </p:sp>
-    </p:spTree>
-    <p:extLst>
-      <p:ext uri="{BB962C8B-B14F-4D97-AF65-F5344CB8AC3E}">
-        <p14:creationId xmlns:p14="http://schemas.microsoft.com/office/powerpoint/2010/main" val="3124628474"/>
-      </p:ext>
-    </p:extLst>
-  </p:cSld>
-  <p:clrMapOvr>
-    <a:masterClrMapping/>
-  </p:clrMapOvr>
-</p:sld>
-</file>
-
-<file path=ppt/slides/slide8.xml><?xml version="1.0" encoding="utf-8"?>
-<p:sld xmlns:a="http://schemas.openxmlformats.org/drawingml/2006/main" xmlns:r="http://schemas.openxmlformats.org/officeDocument/2006/relationships" xmlns:p="http://schemas.openxmlformats.org/presentationml/2006/main">
-  <p:cSld>
-    <p:spTree>
-      <p:nvGrpSpPr>
-        <p:cNvPr id="1" name=""/>
-        <p:cNvGrpSpPr/>
-        <p:nvPr/>
-      </p:nvGrpSpPr>
-      <p:grpSpPr>
-        <a:xfrm>
-          <a:off x="0" y="0"/>
-          <a:ext cx="0" cy="0"/>
-          <a:chOff x="0" y="0"/>
-          <a:chExt cx="0" cy="0"/>
-        </a:xfrm>
-      </p:grpSpPr>
-      <p:sp>
-        <p:nvSpPr>
-          <p:cNvPr id="2" name="Título 1">
-            <a:extLst>
-              <a:ext uri="{FF2B5EF4-FFF2-40B4-BE49-F238E27FC236}">
-                <a16:creationId xmlns:a16="http://schemas.microsoft.com/office/drawing/2014/main" id="{38496172-35AB-4146-8400-5091BA3B31EB}"/>
-              </a:ext>
-            </a:extLst>
-          </p:cNvPr>
-          <p:cNvSpPr>
-            <a:spLocks noGrp="1"/>
-          </p:cNvSpPr>
-          <p:nvPr>
-            <p:ph type="title"/>
-          </p:nvPr>
-        </p:nvSpPr>
-        <p:spPr>
-          <a:xfrm>
-            <a:off x="838200" y="365125"/>
-            <a:ext cx="10515600" cy="1325563"/>
-          </a:xfrm>
-        </p:spPr>
-        <p:txBody>
-          <a:bodyPr/>
-          <a:lstStyle/>
-          <a:p>
-            <a:r>
-              <a:rPr lang="es-ES" dirty="0"/>
-              <a:t>❌ </a:t>
-            </a:r>
-            <a:r>
-              <a:rPr lang="en-US" dirty="0"/>
-              <a:t>Change preventers</a:t>
-            </a:r>
-          </a:p>
-        </p:txBody>
-      </p:sp>
-      <p:sp>
-        <p:nvSpPr>
-          <p:cNvPr id="5" name="Marcador de contenido 4">
-            <a:extLst>
-              <a:ext uri="{FF2B5EF4-FFF2-40B4-BE49-F238E27FC236}">
-                <a16:creationId xmlns:a16="http://schemas.microsoft.com/office/drawing/2014/main" id="{552CF472-7691-4050-87D4-5D9928D584ED}"/>
-              </a:ext>
-            </a:extLst>
-          </p:cNvPr>
-          <p:cNvSpPr>
-            <a:spLocks noGrp="1"/>
-          </p:cNvSpPr>
-          <p:nvPr>
-            <p:ph idx="1"/>
-          </p:nvPr>
-        </p:nvSpPr>
-        <p:spPr>
-          <a:xfrm>
-            <a:off x="838200" y="1825625"/>
-            <a:ext cx="10515600" cy="4351338"/>
-          </a:xfrm>
-        </p:spPr>
-        <p:txBody>
-          <a:bodyPr>
-            <a:normAutofit lnSpcReduction="10000"/>
-          </a:bodyPr>
-          <a:lstStyle/>
-          <a:p>
-            <a:pPr lvl="1"/>
-            <a:r>
-              <a:rPr lang="en-US" b="1" dirty="0">
-                <a:solidFill>
-                  <a:schemeClr val="accent2"/>
-                </a:solidFill>
-              </a:rPr>
-              <a:t>Feature envy</a:t>
-            </a:r>
-          </a:p>
-          <a:p>
-            <a:pPr lvl="2"/>
-            <a:r>
-              <a:rPr lang="es-ES" dirty="0">
-                <a:solidFill>
-                  <a:schemeClr val="accent2"/>
-                </a:solidFill>
-              </a:rPr>
-              <a:t>Usa tus propiedades, (más que las de los demás)</a:t>
-            </a:r>
-          </a:p>
-          <a:p>
-            <a:pPr lvl="1"/>
-            <a:r>
-              <a:rPr lang="en-US" b="1" dirty="0">
-                <a:solidFill>
-                  <a:schemeClr val="accent2"/>
-                </a:solidFill>
-              </a:rPr>
-              <a:t>Inappropriate Intimacy</a:t>
-            </a:r>
-          </a:p>
-          <a:p>
-            <a:pPr lvl="2"/>
-            <a:r>
-              <a:rPr lang="es-ES" dirty="0">
-                <a:solidFill>
-                  <a:schemeClr val="accent2"/>
-                </a:solidFill>
-              </a:rPr>
-              <a:t>Reduce el conocimiento necesario para usar dependencias</a:t>
-            </a:r>
-          </a:p>
-          <a:p>
-            <a:pPr lvl="1"/>
-            <a:r>
-              <a:rPr lang="en-US" b="1" dirty="0">
-                <a:solidFill>
-                  <a:schemeClr val="accent2"/>
-                </a:solidFill>
-              </a:rPr>
-              <a:t>Primitive obsession</a:t>
-            </a:r>
-          </a:p>
-          <a:p>
-            <a:pPr lvl="2"/>
-            <a:r>
-              <a:rPr lang="es-ES" dirty="0">
-                <a:solidFill>
-                  <a:schemeClr val="accent2"/>
-                </a:solidFill>
-              </a:rPr>
-              <a:t>Usa estructuras o clases que aporten cohesión y reglas básicas invariantes</a:t>
-            </a:r>
-          </a:p>
-          <a:p>
-            <a:pPr lvl="1"/>
-            <a:r>
-              <a:rPr lang="en-US" dirty="0"/>
-              <a:t>Divergent change</a:t>
-            </a:r>
-            <a:r>
-              <a:rPr lang="es-ES" dirty="0"/>
-              <a:t>.</a:t>
-            </a:r>
-          </a:p>
-          <a:p>
-            <a:pPr lvl="2"/>
-            <a:r>
-              <a:rPr lang="es-ES" dirty="0"/>
-              <a:t>Una clase que se cambia por diferentes razones.</a:t>
-            </a:r>
-          </a:p>
-          <a:p>
-            <a:pPr lvl="1"/>
-            <a:r>
-              <a:rPr lang="en-US" dirty="0"/>
-              <a:t>Shotgun surgery.</a:t>
-            </a:r>
-          </a:p>
-          <a:p>
-            <a:pPr lvl="2"/>
-            <a:r>
-              <a:rPr lang="es-ES" dirty="0"/>
-              <a:t>Un cambio que requiere muchos cambios. Difícil encontrarlos, fácil olvidarse.</a:t>
-            </a:r>
-          </a:p>
-          <a:p>
-            <a:pPr lvl="1"/>
-            <a:r>
-              <a:rPr lang="en-US" dirty="0"/>
-              <a:t>Cyclomatic complexity</a:t>
-            </a:r>
-            <a:r>
-              <a:rPr lang="es-ES" dirty="0"/>
-              <a:t>.</a:t>
-            </a:r>
-          </a:p>
-          <a:p>
-            <a:pPr lvl="2"/>
-            <a:r>
-              <a:rPr lang="es-ES" dirty="0"/>
-              <a:t>Número de rutas únicas por anidamiento, switches y condiciones complejas</a:t>
-            </a:r>
-            <a:endParaRPr lang="en-US" dirty="0"/>
-          </a:p>
-          <a:p>
-            <a:endParaRPr lang="en-US" dirty="0"/>
-          </a:p>
-        </p:txBody>
-      </p:sp>
-    </p:spTree>
-    <p:extLst>
-      <p:ext uri="{BB962C8B-B14F-4D97-AF65-F5344CB8AC3E}">
-        <p14:creationId xmlns:p14="http://schemas.microsoft.com/office/powerpoint/2010/main" val="1807958516"/>
-      </p:ext>
-    </p:extLst>
-  </p:cSld>
-  <p:clrMapOvr>
-    <a:masterClrMapping/>
-  </p:clrMapOvr>
-</p:sld>
-</file>
-
-<file path=ppt/slides/slide9.xml><?xml version="1.0" encoding="utf-8"?>
-<p:sld xmlns:a="http://schemas.openxmlformats.org/drawingml/2006/main" xmlns:r="http://schemas.openxmlformats.org/officeDocument/2006/relationships" xmlns:p="http://schemas.openxmlformats.org/presentationml/2006/main">
-  <p:cSld>
-    <p:spTree>
-      <p:nvGrpSpPr>
-        <p:cNvPr id="1" name=""/>
-        <p:cNvGrpSpPr/>
-        <p:nvPr/>
-      </p:nvGrpSpPr>
-      <p:grpSpPr>
-        <a:xfrm>
-          <a:off x="0" y="0"/>
-          <a:ext cx="0" cy="0"/>
-          <a:chOff x="0" y="0"/>
-          <a:chExt cx="0" cy="0"/>
-        </a:xfrm>
-      </p:grpSpPr>
-      <p:sp>
-        <p:nvSpPr>
-          <p:cNvPr id="12" name="Título 11">
-            <a:extLst>
-              <a:ext uri="{FF2B5EF4-FFF2-40B4-BE49-F238E27FC236}">
-                <a16:creationId xmlns:a16="http://schemas.microsoft.com/office/drawing/2014/main" id="{C7B4DC8B-7C33-4CEF-B82A-4FD94E89F455}"/>
-              </a:ext>
-            </a:extLst>
-          </p:cNvPr>
-          <p:cNvSpPr>
-            <a:spLocks noGrp="1"/>
-          </p:cNvSpPr>
-          <p:nvPr>
-            <p:ph type="title"/>
-          </p:nvPr>
-        </p:nvSpPr>
-        <p:spPr/>
-        <p:txBody>
-          <a:bodyPr/>
-          <a:lstStyle/>
-          <a:p>
-            <a:r>
-              <a:rPr lang="en-US" dirty="0"/>
-              <a:t>✅ Change Facilitators</a:t>
-            </a:r>
-          </a:p>
-        </p:txBody>
-      </p:sp>
-      <p:sp>
-        <p:nvSpPr>
-          <p:cNvPr id="3" name="Marcador de contenido 2">
-            <a:extLst>
-              <a:ext uri="{FF2B5EF4-FFF2-40B4-BE49-F238E27FC236}">
-                <a16:creationId xmlns:a16="http://schemas.microsoft.com/office/drawing/2014/main" id="{13188BA9-ADEF-4A88-8475-3347ECDF25F1}"/>
-              </a:ext>
-            </a:extLst>
-          </p:cNvPr>
-          <p:cNvSpPr>
-            <a:spLocks noGrp="1"/>
-          </p:cNvSpPr>
-          <p:nvPr>
-            <p:ph idx="1"/>
-          </p:nvPr>
-        </p:nvSpPr>
-        <p:spPr/>
-        <p:txBody>
-          <a:bodyPr>
-            <a:normAutofit lnSpcReduction="10000"/>
-          </a:bodyPr>
-          <a:lstStyle/>
-          <a:p>
-            <a:pPr lvl="1"/>
-            <a:r>
-              <a:rPr lang="en-US" b="1" dirty="0">
-                <a:solidFill>
-                  <a:schemeClr val="accent6"/>
-                </a:solidFill>
-              </a:rPr>
-              <a:t>Tell don`t Ask</a:t>
-            </a:r>
-          </a:p>
-          <a:p>
-            <a:pPr lvl="2"/>
-            <a:r>
-              <a:rPr lang="es-ES" dirty="0">
-                <a:solidFill>
-                  <a:schemeClr val="accent6"/>
-                </a:solidFill>
-              </a:rPr>
-              <a:t>Reduce el número de llamadas para una tarea</a:t>
-            </a:r>
-          </a:p>
-          <a:p>
-            <a:pPr lvl="1"/>
-            <a:r>
-              <a:rPr lang="en-US" b="1" dirty="0">
-                <a:solidFill>
-                  <a:schemeClr val="accent6"/>
-                </a:solidFill>
-              </a:rPr>
-              <a:t>Law of Demeter</a:t>
-            </a:r>
-          </a:p>
-          <a:p>
-            <a:pPr lvl="2"/>
-            <a:r>
-              <a:rPr lang="en-US" dirty="0">
-                <a:solidFill>
-                  <a:schemeClr val="accent6"/>
-                </a:solidFill>
-              </a:rPr>
-              <a:t>Don’t talk to strangers</a:t>
-            </a:r>
-          </a:p>
-          <a:p>
-            <a:pPr lvl="1"/>
-            <a:r>
-              <a:rPr lang="en-US" b="1" dirty="0">
-                <a:solidFill>
-                  <a:schemeClr val="accent6"/>
-                </a:solidFill>
-              </a:rPr>
-              <a:t>Command-Query Separation</a:t>
-            </a:r>
-          </a:p>
-          <a:p>
-            <a:pPr lvl="2"/>
-            <a:r>
-              <a:rPr lang="es-ES" dirty="0">
-                <a:solidFill>
-                  <a:schemeClr val="accent6"/>
-                </a:solidFill>
-              </a:rPr>
-              <a:t>Cada método debe ser un comando o una consulta; pero no ambos.</a:t>
-            </a:r>
-            <a:endParaRPr lang="en-US" dirty="0">
-              <a:solidFill>
-                <a:schemeClr val="accent6"/>
-              </a:solidFill>
-            </a:endParaRPr>
-          </a:p>
-          <a:p>
-            <a:pPr lvl="1"/>
-            <a:r>
-              <a:rPr lang="en-US" dirty="0"/>
-              <a:t>P.O.L.A. Principle Of Least Astonishment.</a:t>
-            </a:r>
-          </a:p>
-          <a:p>
-            <a:pPr lvl="2"/>
-            <a:r>
-              <a:rPr lang="es-ES" dirty="0"/>
-              <a:t>Ni me sorprendas ni me hagas pensar.</a:t>
-            </a:r>
-          </a:p>
-          <a:p>
-            <a:pPr lvl="1"/>
-            <a:r>
-              <a:rPr lang="en-US" dirty="0"/>
-              <a:t>H.P. Hollywood principle.</a:t>
-            </a:r>
-          </a:p>
-          <a:p>
-            <a:pPr lvl="2"/>
-            <a:r>
-              <a:rPr lang="es-ES" dirty="0"/>
-              <a:t>No nos llames, ya te llamaremos. </a:t>
-            </a:r>
-          </a:p>
-          <a:p>
-            <a:pPr lvl="1"/>
-            <a:r>
-              <a:rPr lang="en-US" dirty="0"/>
-              <a:t>CoC Convention over configuration.</a:t>
-            </a:r>
-          </a:p>
-          <a:p>
-            <a:pPr lvl="2"/>
-            <a:r>
-              <a:rPr lang="es-ES" dirty="0"/>
-              <a:t>Establecer convenios que minimicen decisiones.</a:t>
-            </a:r>
-            <a:endParaRPr lang="en-US" dirty="0"/>
-          </a:p>
-          <a:p>
-            <a:pPr lvl="1"/>
-            <a:endParaRPr lang="en-US" dirty="0"/>
-          </a:p>
-          <a:p>
-            <a:pPr lvl="1"/>
-            <a:endParaRPr lang="en-US" dirty="0"/>
-          </a:p>
-        </p:txBody>
-      </p:sp>
-    </p:spTree>
-    <p:extLst>
-      <p:ext uri="{BB962C8B-B14F-4D97-AF65-F5344CB8AC3E}">
-        <p14:creationId xmlns:p14="http://schemas.microsoft.com/office/powerpoint/2010/main" val="668860462"/>
       </p:ext>
     </p:extLst>
   </p:cSld>

--- a/docs/principles-and-practices.pptx
+++ b/docs/principles-and-practices.pptx
@@ -735,7 +735,7 @@
           <a:p>
             <a:fld id="{99B6F7B8-9979-41C5-A285-C4BBF048AB6B}" type="datetimeFigureOut">
               <a:rPr lang="en-US" smtClean="0"/>
-              <a:t>9/17/2022</a:t>
+              <a:t>9/19/2022</a:t>
             </a:fld>
             <a:endParaRPr lang="en-US"/>
           </a:p>
@@ -939,7 +939,7 @@
           <a:p>
             <a:fld id="{99B6F7B8-9979-41C5-A285-C4BBF048AB6B}" type="datetimeFigureOut">
               <a:rPr lang="en-US" smtClean="0"/>
-              <a:t>9/17/2022</a:t>
+              <a:t>9/19/2022</a:t>
             </a:fld>
             <a:endParaRPr lang="en-US"/>
           </a:p>
@@ -1149,7 +1149,7 @@
           <a:p>
             <a:fld id="{99B6F7B8-9979-41C5-A285-C4BBF048AB6B}" type="datetimeFigureOut">
               <a:rPr lang="en-US" smtClean="0"/>
-              <a:t>9/17/2022</a:t>
+              <a:t>9/19/2022</a:t>
             </a:fld>
             <a:endParaRPr lang="en-US"/>
           </a:p>
@@ -1349,7 +1349,7 @@
           <a:p>
             <a:fld id="{99B6F7B8-9979-41C5-A285-C4BBF048AB6B}" type="datetimeFigureOut">
               <a:rPr lang="en-US" smtClean="0"/>
-              <a:t>9/17/2022</a:t>
+              <a:t>9/19/2022</a:t>
             </a:fld>
             <a:endParaRPr lang="en-US"/>
           </a:p>
@@ -1625,7 +1625,7 @@
           <a:p>
             <a:fld id="{99B6F7B8-9979-41C5-A285-C4BBF048AB6B}" type="datetimeFigureOut">
               <a:rPr lang="en-US" smtClean="0"/>
-              <a:t>9/17/2022</a:t>
+              <a:t>9/19/2022</a:t>
             </a:fld>
             <a:endParaRPr lang="en-US"/>
           </a:p>
@@ -1893,7 +1893,7 @@
           <a:p>
             <a:fld id="{99B6F7B8-9979-41C5-A285-C4BBF048AB6B}" type="datetimeFigureOut">
               <a:rPr lang="en-US" smtClean="0"/>
-              <a:t>9/17/2022</a:t>
+              <a:t>9/19/2022</a:t>
             </a:fld>
             <a:endParaRPr lang="en-US"/>
           </a:p>
@@ -2308,7 +2308,7 @@
           <a:p>
             <a:fld id="{99B6F7B8-9979-41C5-A285-C4BBF048AB6B}" type="datetimeFigureOut">
               <a:rPr lang="en-US" smtClean="0"/>
-              <a:t>9/17/2022</a:t>
+              <a:t>9/19/2022</a:t>
             </a:fld>
             <a:endParaRPr lang="en-US"/>
           </a:p>
@@ -2450,7 +2450,7 @@
           <a:p>
             <a:fld id="{99B6F7B8-9979-41C5-A285-C4BBF048AB6B}" type="datetimeFigureOut">
               <a:rPr lang="en-US" smtClean="0"/>
-              <a:t>9/17/2022</a:t>
+              <a:t>9/19/2022</a:t>
             </a:fld>
             <a:endParaRPr lang="en-US"/>
           </a:p>
@@ -2563,7 +2563,7 @@
           <a:p>
             <a:fld id="{99B6F7B8-9979-41C5-A285-C4BBF048AB6B}" type="datetimeFigureOut">
               <a:rPr lang="en-US" smtClean="0"/>
-              <a:t>9/17/2022</a:t>
+              <a:t>9/19/2022</a:t>
             </a:fld>
             <a:endParaRPr lang="en-US"/>
           </a:p>
@@ -2876,7 +2876,7 @@
           <a:p>
             <a:fld id="{99B6F7B8-9979-41C5-A285-C4BBF048AB6B}" type="datetimeFigureOut">
               <a:rPr lang="en-US" smtClean="0"/>
-              <a:t>9/17/2022</a:t>
+              <a:t>9/19/2022</a:t>
             </a:fld>
             <a:endParaRPr lang="en-US"/>
           </a:p>
@@ -3165,7 +3165,7 @@
           <a:p>
             <a:fld id="{99B6F7B8-9979-41C5-A285-C4BBF048AB6B}" type="datetimeFigureOut">
               <a:rPr lang="en-US" smtClean="0"/>
-              <a:t>9/17/2022</a:t>
+              <a:t>9/19/2022</a:t>
             </a:fld>
             <a:endParaRPr lang="en-US"/>
           </a:p>
@@ -3408,7 +3408,7 @@
           <a:p>
             <a:fld id="{99B6F7B8-9979-41C5-A285-C4BBF048AB6B}" type="datetimeFigureOut">
               <a:rPr lang="en-US" smtClean="0"/>
-              <a:t>9/17/2022</a:t>
+              <a:t>9/19/2022</a:t>
             </a:fld>
             <a:endParaRPr lang="en-US"/>
           </a:p>
@@ -4885,15 +4885,17 @@
         </p:nvSpPr>
         <p:spPr/>
         <p:txBody>
-          <a:bodyPr/>
-          <a:lstStyle/>
-          <a:p>
-            <a:r>
-              <a:rPr lang="es-ES" dirty="0"/>
+          <a:bodyPr>
+            <a:normAutofit/>
+          </a:bodyPr>
+          <a:lstStyle/>
+          <a:p>
+            <a:r>
+              <a:rPr lang="es-ES" sz="6000" dirty="0"/>
               <a:t>🌵</a:t>
             </a:r>
             <a:r>
-              <a:rPr lang="en-US" dirty="0"/>
+              <a:rPr lang="en-US" sz="6000" dirty="0"/>
               <a:t>Design patterns</a:t>
             </a:r>
           </a:p>
@@ -4946,7 +4948,7 @@
             </a:pPr>
             <a:r>
               <a:rPr lang="es-ES" sz="6000" dirty="0"/>
-              <a:t>¿Cómo </a:t>
+              <a:t>Cómo </a:t>
             </a:r>
             <a:r>
               <a:rPr lang="es-ES" sz="6000" b="1" dirty="0"/>
@@ -4954,7 +4956,7 @@
             </a:r>
             <a:r>
               <a:rPr lang="es-ES" sz="6000" dirty="0"/>
-              <a:t> objetos?</a:t>
+              <a:t> objetos.</a:t>
             </a:r>
           </a:p>
           <a:p>
@@ -4988,7 +4990,7 @@
             </a:pPr>
             <a:r>
               <a:rPr lang="es-ES" sz="6000" dirty="0"/>
-              <a:t>¿Cómo </a:t>
+              <a:t>Cómo </a:t>
             </a:r>
             <a:r>
               <a:rPr lang="es-ES" sz="6000" b="1" dirty="0"/>
@@ -4996,7 +4998,7 @@
             </a:r>
             <a:r>
               <a:rPr lang="es-ES" sz="6000" dirty="0"/>
-              <a:t> objetos?</a:t>
+              <a:t> objetos.</a:t>
             </a:r>
           </a:p>
           <a:p>
@@ -5026,7 +5028,7 @@
             </a:pPr>
             <a:r>
               <a:rPr lang="es-ES" sz="6000" dirty="0"/>
-              <a:t>¿Cómo </a:t>
+              <a:t>Cómo </a:t>
             </a:r>
             <a:r>
               <a:rPr lang="es-ES" sz="6000" b="1" dirty="0"/>
@@ -5034,7 +5036,7 @@
             </a:r>
             <a:r>
               <a:rPr lang="es-ES" sz="6000" dirty="0"/>
-              <a:t>objetos?</a:t>
+              <a:t>objetos.</a:t>
             </a:r>
           </a:p>
           <a:p>
